--- a/figs/sys-arch.pptx
+++ b/figs/sys-arch.pptx
@@ -5,7 +5,7 @@
     <p:sldMasterId id="2147483648" r:id="rId1"/>
   </p:sldMasterIdLst>
   <p:sldIdLst>
-    <p:sldId id="257" r:id="rId2"/>
+    <p:sldId id="256" r:id="rId2"/>
   </p:sldIdLst>
   <p:sldSz cx="9144000" cy="6858000" type="screen4x3"/>
   <p:notesSz cx="6858000" cy="9144000"/>
@@ -286,9 +286,9 @@
           <a:bodyPr/>
           <a:lstStyle/>
           <a:p>
-            <a:fld id="{3544067B-79E4-B24F-AE06-30DD3A1343B9}" type="datetimeFigureOut">
-              <a:rPr lang="en-US" smtClean="0"/>
-              <a:t>7/10/14</a:t>
+            <a:fld id="{47660027-B21B-AE43-90FC-390727F2EBA0}" type="datetimeFigureOut">
+              <a:rPr lang="en-US" smtClean="0"/>
+              <a:t>11/14/14</a:t>
             </a:fld>
             <a:endParaRPr lang="en-US"/>
           </a:p>
@@ -328,7 +328,7 @@
           <a:bodyPr/>
           <a:lstStyle/>
           <a:p>
-            <a:fld id="{5C60F8B8-620C-4148-A334-E09004F23744}" type="slidenum">
+            <a:fld id="{B552285A-32AB-C140-B253-5F7F81B64FAF}" type="slidenum">
               <a:rPr lang="en-US" smtClean="0"/>
               <a:t>‹#›</a:t>
             </a:fld>
@@ -339,7 +339,7 @@
     </p:spTree>
     <p:extLst>
       <p:ext uri="{BB962C8B-B14F-4D97-AF65-F5344CB8AC3E}">
-        <p14:creationId xmlns:p14="http://schemas.microsoft.com/office/powerpoint/2010/main" val="2912221156"/>
+        <p14:creationId xmlns:p14="http://schemas.microsoft.com/office/powerpoint/2010/main" val="1042691793"/>
       </p:ext>
     </p:extLst>
   </p:cSld>
@@ -456,9 +456,9 @@
           <a:bodyPr/>
           <a:lstStyle/>
           <a:p>
-            <a:fld id="{3544067B-79E4-B24F-AE06-30DD3A1343B9}" type="datetimeFigureOut">
-              <a:rPr lang="en-US" smtClean="0"/>
-              <a:t>7/10/14</a:t>
+            <a:fld id="{47660027-B21B-AE43-90FC-390727F2EBA0}" type="datetimeFigureOut">
+              <a:rPr lang="en-US" smtClean="0"/>
+              <a:t>11/14/14</a:t>
             </a:fld>
             <a:endParaRPr lang="en-US"/>
           </a:p>
@@ -498,7 +498,7 @@
           <a:bodyPr/>
           <a:lstStyle/>
           <a:p>
-            <a:fld id="{5C60F8B8-620C-4148-A334-E09004F23744}" type="slidenum">
+            <a:fld id="{B552285A-32AB-C140-B253-5F7F81B64FAF}" type="slidenum">
               <a:rPr lang="en-US" smtClean="0"/>
               <a:t>‹#›</a:t>
             </a:fld>
@@ -509,7 +509,7 @@
     </p:spTree>
     <p:extLst>
       <p:ext uri="{BB962C8B-B14F-4D97-AF65-F5344CB8AC3E}">
-        <p14:creationId xmlns:p14="http://schemas.microsoft.com/office/powerpoint/2010/main" val="2047338165"/>
+        <p14:creationId xmlns:p14="http://schemas.microsoft.com/office/powerpoint/2010/main" val="4226328951"/>
       </p:ext>
     </p:extLst>
   </p:cSld>
@@ -636,9 +636,9 @@
           <a:bodyPr/>
           <a:lstStyle/>
           <a:p>
-            <a:fld id="{3544067B-79E4-B24F-AE06-30DD3A1343B9}" type="datetimeFigureOut">
-              <a:rPr lang="en-US" smtClean="0"/>
-              <a:t>7/10/14</a:t>
+            <a:fld id="{47660027-B21B-AE43-90FC-390727F2EBA0}" type="datetimeFigureOut">
+              <a:rPr lang="en-US" smtClean="0"/>
+              <a:t>11/14/14</a:t>
             </a:fld>
             <a:endParaRPr lang="en-US"/>
           </a:p>
@@ -678,7 +678,7 @@
           <a:bodyPr/>
           <a:lstStyle/>
           <a:p>
-            <a:fld id="{5C60F8B8-620C-4148-A334-E09004F23744}" type="slidenum">
+            <a:fld id="{B552285A-32AB-C140-B253-5F7F81B64FAF}" type="slidenum">
               <a:rPr lang="en-US" smtClean="0"/>
               <a:t>‹#›</a:t>
             </a:fld>
@@ -689,7 +689,7 @@
     </p:spTree>
     <p:extLst>
       <p:ext uri="{BB962C8B-B14F-4D97-AF65-F5344CB8AC3E}">
-        <p14:creationId xmlns:p14="http://schemas.microsoft.com/office/powerpoint/2010/main" val="1290109979"/>
+        <p14:creationId xmlns:p14="http://schemas.microsoft.com/office/powerpoint/2010/main" val="514873520"/>
       </p:ext>
     </p:extLst>
   </p:cSld>
@@ -806,9 +806,9 @@
           <a:bodyPr/>
           <a:lstStyle/>
           <a:p>
-            <a:fld id="{3544067B-79E4-B24F-AE06-30DD3A1343B9}" type="datetimeFigureOut">
-              <a:rPr lang="en-US" smtClean="0"/>
-              <a:t>7/10/14</a:t>
+            <a:fld id="{47660027-B21B-AE43-90FC-390727F2EBA0}" type="datetimeFigureOut">
+              <a:rPr lang="en-US" smtClean="0"/>
+              <a:t>11/14/14</a:t>
             </a:fld>
             <a:endParaRPr lang="en-US"/>
           </a:p>
@@ -848,7 +848,7 @@
           <a:bodyPr/>
           <a:lstStyle/>
           <a:p>
-            <a:fld id="{5C60F8B8-620C-4148-A334-E09004F23744}" type="slidenum">
+            <a:fld id="{B552285A-32AB-C140-B253-5F7F81B64FAF}" type="slidenum">
               <a:rPr lang="en-US" smtClean="0"/>
               <a:t>‹#›</a:t>
             </a:fld>
@@ -859,7 +859,7 @@
     </p:spTree>
     <p:extLst>
       <p:ext uri="{BB962C8B-B14F-4D97-AF65-F5344CB8AC3E}">
-        <p14:creationId xmlns:p14="http://schemas.microsoft.com/office/powerpoint/2010/main" val="2632239362"/>
+        <p14:creationId xmlns:p14="http://schemas.microsoft.com/office/powerpoint/2010/main" val="2321666128"/>
       </p:ext>
     </p:extLst>
   </p:cSld>
@@ -1052,9 +1052,9 @@
           <a:bodyPr/>
           <a:lstStyle/>
           <a:p>
-            <a:fld id="{3544067B-79E4-B24F-AE06-30DD3A1343B9}" type="datetimeFigureOut">
-              <a:rPr lang="en-US" smtClean="0"/>
-              <a:t>7/10/14</a:t>
+            <a:fld id="{47660027-B21B-AE43-90FC-390727F2EBA0}" type="datetimeFigureOut">
+              <a:rPr lang="en-US" smtClean="0"/>
+              <a:t>11/14/14</a:t>
             </a:fld>
             <a:endParaRPr lang="en-US"/>
           </a:p>
@@ -1094,7 +1094,7 @@
           <a:bodyPr/>
           <a:lstStyle/>
           <a:p>
-            <a:fld id="{5C60F8B8-620C-4148-A334-E09004F23744}" type="slidenum">
+            <a:fld id="{B552285A-32AB-C140-B253-5F7F81B64FAF}" type="slidenum">
               <a:rPr lang="en-US" smtClean="0"/>
               <a:t>‹#›</a:t>
             </a:fld>
@@ -1105,7 +1105,7 @@
     </p:spTree>
     <p:extLst>
       <p:ext uri="{BB962C8B-B14F-4D97-AF65-F5344CB8AC3E}">
-        <p14:creationId xmlns:p14="http://schemas.microsoft.com/office/powerpoint/2010/main" val="378294460"/>
+        <p14:creationId xmlns:p14="http://schemas.microsoft.com/office/powerpoint/2010/main" val="2658972975"/>
       </p:ext>
     </p:extLst>
   </p:cSld>
@@ -1340,9 +1340,9 @@
           <a:bodyPr/>
           <a:lstStyle/>
           <a:p>
-            <a:fld id="{3544067B-79E4-B24F-AE06-30DD3A1343B9}" type="datetimeFigureOut">
-              <a:rPr lang="en-US" smtClean="0"/>
-              <a:t>7/10/14</a:t>
+            <a:fld id="{47660027-B21B-AE43-90FC-390727F2EBA0}" type="datetimeFigureOut">
+              <a:rPr lang="en-US" smtClean="0"/>
+              <a:t>11/14/14</a:t>
             </a:fld>
             <a:endParaRPr lang="en-US"/>
           </a:p>
@@ -1382,7 +1382,7 @@
           <a:bodyPr/>
           <a:lstStyle/>
           <a:p>
-            <a:fld id="{5C60F8B8-620C-4148-A334-E09004F23744}" type="slidenum">
+            <a:fld id="{B552285A-32AB-C140-B253-5F7F81B64FAF}" type="slidenum">
               <a:rPr lang="en-US" smtClean="0"/>
               <a:t>‹#›</a:t>
             </a:fld>
@@ -1393,7 +1393,7 @@
     </p:spTree>
     <p:extLst>
       <p:ext uri="{BB962C8B-B14F-4D97-AF65-F5344CB8AC3E}">
-        <p14:creationId xmlns:p14="http://schemas.microsoft.com/office/powerpoint/2010/main" val="2041468339"/>
+        <p14:creationId xmlns:p14="http://schemas.microsoft.com/office/powerpoint/2010/main" val="1602101890"/>
       </p:ext>
     </p:extLst>
   </p:cSld>
@@ -1762,9 +1762,9 @@
           <a:bodyPr/>
           <a:lstStyle/>
           <a:p>
-            <a:fld id="{3544067B-79E4-B24F-AE06-30DD3A1343B9}" type="datetimeFigureOut">
-              <a:rPr lang="en-US" smtClean="0"/>
-              <a:t>7/10/14</a:t>
+            <a:fld id="{47660027-B21B-AE43-90FC-390727F2EBA0}" type="datetimeFigureOut">
+              <a:rPr lang="en-US" smtClean="0"/>
+              <a:t>11/14/14</a:t>
             </a:fld>
             <a:endParaRPr lang="en-US"/>
           </a:p>
@@ -1804,7 +1804,7 @@
           <a:bodyPr/>
           <a:lstStyle/>
           <a:p>
-            <a:fld id="{5C60F8B8-620C-4148-A334-E09004F23744}" type="slidenum">
+            <a:fld id="{B552285A-32AB-C140-B253-5F7F81B64FAF}" type="slidenum">
               <a:rPr lang="en-US" smtClean="0"/>
               <a:t>‹#›</a:t>
             </a:fld>
@@ -1815,7 +1815,7 @@
     </p:spTree>
     <p:extLst>
       <p:ext uri="{BB962C8B-B14F-4D97-AF65-F5344CB8AC3E}">
-        <p14:creationId xmlns:p14="http://schemas.microsoft.com/office/powerpoint/2010/main" val="2522838332"/>
+        <p14:creationId xmlns:p14="http://schemas.microsoft.com/office/powerpoint/2010/main" val="89969782"/>
       </p:ext>
     </p:extLst>
   </p:cSld>
@@ -1880,9 +1880,9 @@
           <a:bodyPr/>
           <a:lstStyle/>
           <a:p>
-            <a:fld id="{3544067B-79E4-B24F-AE06-30DD3A1343B9}" type="datetimeFigureOut">
-              <a:rPr lang="en-US" smtClean="0"/>
-              <a:t>7/10/14</a:t>
+            <a:fld id="{47660027-B21B-AE43-90FC-390727F2EBA0}" type="datetimeFigureOut">
+              <a:rPr lang="en-US" smtClean="0"/>
+              <a:t>11/14/14</a:t>
             </a:fld>
             <a:endParaRPr lang="en-US"/>
           </a:p>
@@ -1922,7 +1922,7 @@
           <a:bodyPr/>
           <a:lstStyle/>
           <a:p>
-            <a:fld id="{5C60F8B8-620C-4148-A334-E09004F23744}" type="slidenum">
+            <a:fld id="{B552285A-32AB-C140-B253-5F7F81B64FAF}" type="slidenum">
               <a:rPr lang="en-US" smtClean="0"/>
               <a:t>‹#›</a:t>
             </a:fld>
@@ -1933,7 +1933,7 @@
     </p:spTree>
     <p:extLst>
       <p:ext uri="{BB962C8B-B14F-4D97-AF65-F5344CB8AC3E}">
-        <p14:creationId xmlns:p14="http://schemas.microsoft.com/office/powerpoint/2010/main" val="2370100923"/>
+        <p14:creationId xmlns:p14="http://schemas.microsoft.com/office/powerpoint/2010/main" val="1501331598"/>
       </p:ext>
     </p:extLst>
   </p:cSld>
@@ -1975,9 +1975,9 @@
           <a:bodyPr/>
           <a:lstStyle/>
           <a:p>
-            <a:fld id="{3544067B-79E4-B24F-AE06-30DD3A1343B9}" type="datetimeFigureOut">
-              <a:rPr lang="en-US" smtClean="0"/>
-              <a:t>7/10/14</a:t>
+            <a:fld id="{47660027-B21B-AE43-90FC-390727F2EBA0}" type="datetimeFigureOut">
+              <a:rPr lang="en-US" smtClean="0"/>
+              <a:t>11/14/14</a:t>
             </a:fld>
             <a:endParaRPr lang="en-US"/>
           </a:p>
@@ -2017,7 +2017,7 @@
           <a:bodyPr/>
           <a:lstStyle/>
           <a:p>
-            <a:fld id="{5C60F8B8-620C-4148-A334-E09004F23744}" type="slidenum">
+            <a:fld id="{B552285A-32AB-C140-B253-5F7F81B64FAF}" type="slidenum">
               <a:rPr lang="en-US" smtClean="0"/>
               <a:t>‹#›</a:t>
             </a:fld>
@@ -2028,7 +2028,7 @@
     </p:spTree>
     <p:extLst>
       <p:ext uri="{BB962C8B-B14F-4D97-AF65-F5344CB8AC3E}">
-        <p14:creationId xmlns:p14="http://schemas.microsoft.com/office/powerpoint/2010/main" val="2618307214"/>
+        <p14:creationId xmlns:p14="http://schemas.microsoft.com/office/powerpoint/2010/main" val="856118627"/>
       </p:ext>
     </p:extLst>
   </p:cSld>
@@ -2252,9 +2252,9 @@
           <a:bodyPr/>
           <a:lstStyle/>
           <a:p>
-            <a:fld id="{3544067B-79E4-B24F-AE06-30DD3A1343B9}" type="datetimeFigureOut">
-              <a:rPr lang="en-US" smtClean="0"/>
-              <a:t>7/10/14</a:t>
+            <a:fld id="{47660027-B21B-AE43-90FC-390727F2EBA0}" type="datetimeFigureOut">
+              <a:rPr lang="en-US" smtClean="0"/>
+              <a:t>11/14/14</a:t>
             </a:fld>
             <a:endParaRPr lang="en-US"/>
           </a:p>
@@ -2294,7 +2294,7 @@
           <a:bodyPr/>
           <a:lstStyle/>
           <a:p>
-            <a:fld id="{5C60F8B8-620C-4148-A334-E09004F23744}" type="slidenum">
+            <a:fld id="{B552285A-32AB-C140-B253-5F7F81B64FAF}" type="slidenum">
               <a:rPr lang="en-US" smtClean="0"/>
               <a:t>‹#›</a:t>
             </a:fld>
@@ -2305,7 +2305,7 @@
     </p:spTree>
     <p:extLst>
       <p:ext uri="{BB962C8B-B14F-4D97-AF65-F5344CB8AC3E}">
-        <p14:creationId xmlns:p14="http://schemas.microsoft.com/office/powerpoint/2010/main" val="3328077133"/>
+        <p14:creationId xmlns:p14="http://schemas.microsoft.com/office/powerpoint/2010/main" val="90860004"/>
       </p:ext>
     </p:extLst>
   </p:cSld>
@@ -2505,9 +2505,9 @@
           <a:bodyPr/>
           <a:lstStyle/>
           <a:p>
-            <a:fld id="{3544067B-79E4-B24F-AE06-30DD3A1343B9}" type="datetimeFigureOut">
-              <a:rPr lang="en-US" smtClean="0"/>
-              <a:t>7/10/14</a:t>
+            <a:fld id="{47660027-B21B-AE43-90FC-390727F2EBA0}" type="datetimeFigureOut">
+              <a:rPr lang="en-US" smtClean="0"/>
+              <a:t>11/14/14</a:t>
             </a:fld>
             <a:endParaRPr lang="en-US"/>
           </a:p>
@@ -2547,7 +2547,7 @@
           <a:bodyPr/>
           <a:lstStyle/>
           <a:p>
-            <a:fld id="{5C60F8B8-620C-4148-A334-E09004F23744}" type="slidenum">
+            <a:fld id="{B552285A-32AB-C140-B253-5F7F81B64FAF}" type="slidenum">
               <a:rPr lang="en-US" smtClean="0"/>
               <a:t>‹#›</a:t>
             </a:fld>
@@ -2558,7 +2558,7 @@
     </p:spTree>
     <p:extLst>
       <p:ext uri="{BB962C8B-B14F-4D97-AF65-F5344CB8AC3E}">
-        <p14:creationId xmlns:p14="http://schemas.microsoft.com/office/powerpoint/2010/main" val="2451410644"/>
+        <p14:creationId xmlns:p14="http://schemas.microsoft.com/office/powerpoint/2010/main" val="1459771838"/>
       </p:ext>
     </p:extLst>
   </p:cSld>
@@ -2718,9 +2718,9 @@
             </a:lvl1pPr>
           </a:lstStyle>
           <a:p>
-            <a:fld id="{3544067B-79E4-B24F-AE06-30DD3A1343B9}" type="datetimeFigureOut">
-              <a:rPr lang="en-US" smtClean="0"/>
-              <a:t>7/10/14</a:t>
+            <a:fld id="{47660027-B21B-AE43-90FC-390727F2EBA0}" type="datetimeFigureOut">
+              <a:rPr lang="en-US" smtClean="0"/>
+              <a:t>11/14/14</a:t>
             </a:fld>
             <a:endParaRPr lang="en-US"/>
           </a:p>
@@ -2796,7 +2796,7 @@
             </a:lvl1pPr>
           </a:lstStyle>
           <a:p>
-            <a:fld id="{5C60F8B8-620C-4148-A334-E09004F23744}" type="slidenum">
+            <a:fld id="{B552285A-32AB-C140-B253-5F7F81B64FAF}" type="slidenum">
               <a:rPr lang="en-US" smtClean="0"/>
               <a:t>‹#›</a:t>
             </a:fld>
@@ -2807,7 +2807,7 @@
     </p:spTree>
     <p:extLst>
       <p:ext uri="{BB962C8B-B14F-4D97-AF65-F5344CB8AC3E}">
-        <p14:creationId xmlns:p14="http://schemas.microsoft.com/office/powerpoint/2010/main" val="415725257"/>
+        <p14:creationId xmlns:p14="http://schemas.microsoft.com/office/powerpoint/2010/main" val="3798063722"/>
       </p:ext>
     </p:extLst>
   </p:cSld>
@@ -3095,611 +3095,1025 @@
           <a:chExt cx="0" cy="0"/>
         </a:xfrm>
       </p:grpSpPr>
-      <p:grpSp>
-        <p:nvGrpSpPr>
-          <p:cNvPr id="2" name="Group 1"/>
-          <p:cNvGrpSpPr/>
+      <p:sp>
+        <p:nvSpPr>
+          <p:cNvPr id="5" name="Rectangle 4"/>
+          <p:cNvSpPr/>
           <p:nvPr/>
-        </p:nvGrpSpPr>
-        <p:grpSpPr>
+        </p:nvSpPr>
+        <p:spPr>
           <a:xfrm>
-            <a:off x="913375" y="1775105"/>
-            <a:ext cx="7481566" cy="3369562"/>
-            <a:chOff x="913375" y="1775105"/>
-            <a:chExt cx="7481566" cy="3369562"/>
+            <a:off x="1257300" y="3606800"/>
+            <a:ext cx="1282700" cy="1498600"/>
           </a:xfrm>
-        </p:grpSpPr>
-        <p:sp>
-          <p:nvSpPr>
-            <p:cNvPr id="4" name="Can 3"/>
-            <p:cNvSpPr/>
-            <p:nvPr/>
-          </p:nvSpPr>
-          <p:spPr>
-            <a:xfrm>
-              <a:off x="913375" y="1775105"/>
-              <a:ext cx="1796085" cy="2013946"/>
-            </a:xfrm>
-            <a:prstGeom prst="can">
-              <a:avLst/>
-            </a:prstGeom>
+          <a:prstGeom prst="rect">
+            <a:avLst/>
+          </a:prstGeom>
+          <a:solidFill>
+            <a:schemeClr val="bg1"/>
+          </a:solidFill>
+          <a:ln w="34925">
             <a:solidFill>
               <a:schemeClr val="tx1"/>
             </a:solidFill>
-            <a:ln>
-              <a:noFill/>
-            </a:ln>
-          </p:spPr>
-          <p:style>
-            <a:lnRef idx="1">
-              <a:schemeClr val="accent1"/>
-            </a:lnRef>
-            <a:fillRef idx="3">
-              <a:schemeClr val="accent1"/>
-            </a:fillRef>
-            <a:effectRef idx="2">
-              <a:schemeClr val="accent1"/>
-            </a:effectRef>
-            <a:fontRef idx="minor">
-              <a:schemeClr val="lt1"/>
-            </a:fontRef>
-          </p:style>
-          <p:txBody>
-            <a:bodyPr rtlCol="0" anchor="ctr"/>
-            <a:lstStyle/>
-            <a:p>
-              <a:pPr algn="ctr"/>
-              <a:r>
-                <a:rPr lang="en-US" dirty="0" smtClean="0"/>
-                <a:t>Base Table</a:t>
-              </a:r>
-              <a:endParaRPr lang="en-US" dirty="0"/>
-            </a:p>
-          </p:txBody>
-        </p:sp>
-        <p:sp>
-          <p:nvSpPr>
-            <p:cNvPr id="6" name="Can 5"/>
-            <p:cNvSpPr/>
-            <p:nvPr/>
-          </p:nvSpPr>
-          <p:spPr>
-            <a:xfrm>
-              <a:off x="913375" y="3968639"/>
-              <a:ext cx="1796085" cy="912296"/>
-            </a:xfrm>
-            <a:prstGeom prst="can">
-              <a:avLst>
-                <a:gd name="adj" fmla="val 39061"/>
-              </a:avLst>
-            </a:prstGeom>
+          </a:ln>
+        </p:spPr>
+        <p:style>
+          <a:lnRef idx="1">
+            <a:schemeClr val="accent1"/>
+          </a:lnRef>
+          <a:fillRef idx="3">
+            <a:schemeClr val="accent1"/>
+          </a:fillRef>
+          <a:effectRef idx="2">
+            <a:schemeClr val="accent1"/>
+          </a:effectRef>
+          <a:fontRef idx="minor">
+            <a:schemeClr val="lt1"/>
+          </a:fontRef>
+        </p:style>
+        <p:txBody>
+          <a:bodyPr rtlCol="0" anchor="ctr"/>
+          <a:lstStyle/>
+          <a:p>
+            <a:pPr algn="ctr"/>
+            <a:r>
+              <a:rPr lang="en-US" sz="1200" dirty="0" smtClean="0">
+                <a:solidFill>
+                  <a:schemeClr val="tx1"/>
+                </a:solidFill>
+                <a:latin typeface="Helvetica Neue"/>
+                <a:cs typeface="Helvetica Neue"/>
+              </a:rPr>
+              <a:t>Stale View</a:t>
+            </a:r>
+          </a:p>
+          <a:p>
+            <a:pPr algn="ctr"/>
+            <a:r>
+              <a:rPr lang="en-US" sz="1200" dirty="0">
+                <a:solidFill>
+                  <a:schemeClr val="tx1"/>
+                </a:solidFill>
+                <a:latin typeface="Helvetica Neue"/>
+                <a:cs typeface="Helvetica Neue"/>
+              </a:rPr>
+              <a:t>S</a:t>
+            </a:r>
+          </a:p>
+        </p:txBody>
+      </p:sp>
+      <p:sp>
+        <p:nvSpPr>
+          <p:cNvPr id="6" name="Rectangle 5"/>
+          <p:cNvSpPr/>
+          <p:nvPr/>
+        </p:nvSpPr>
+        <p:spPr>
+          <a:xfrm>
+            <a:off x="6781800" y="3606800"/>
+            <a:ext cx="1282700" cy="1498600"/>
+          </a:xfrm>
+          <a:prstGeom prst="rect">
+            <a:avLst/>
+          </a:prstGeom>
+          <a:solidFill>
+            <a:schemeClr val="bg1"/>
+          </a:solidFill>
+          <a:ln w="34925">
             <a:solidFill>
-              <a:schemeClr val="accent6">
-                <a:lumMod val="75000"/>
-              </a:schemeClr>
+              <a:schemeClr val="tx1"/>
             </a:solidFill>
-            <a:ln>
-              <a:noFill/>
-            </a:ln>
-          </p:spPr>
-          <p:style>
-            <a:lnRef idx="1">
-              <a:schemeClr val="accent1"/>
-            </a:lnRef>
-            <a:fillRef idx="3">
-              <a:schemeClr val="accent1"/>
-            </a:fillRef>
-            <a:effectRef idx="2">
-              <a:schemeClr val="accent1"/>
-            </a:effectRef>
-            <a:fontRef idx="minor">
-              <a:schemeClr val="lt1"/>
-            </a:fontRef>
-          </p:style>
-          <p:txBody>
-            <a:bodyPr rtlCol="0" anchor="ctr"/>
-            <a:lstStyle/>
-            <a:p>
-              <a:pPr algn="ctr"/>
-              <a:r>
-                <a:rPr lang="en-US" dirty="0" smtClean="0"/>
-                <a:t>Updates</a:t>
-              </a:r>
-              <a:endParaRPr lang="en-US" dirty="0"/>
-            </a:p>
-          </p:txBody>
-        </p:sp>
-        <p:cxnSp>
-          <p:nvCxnSpPr>
-            <p:cNvPr id="8" name="Straight Arrow Connector 7"/>
-            <p:cNvCxnSpPr/>
-            <p:nvPr/>
-          </p:nvCxnSpPr>
-          <p:spPr>
-            <a:xfrm>
-              <a:off x="2747947" y="2782078"/>
-              <a:ext cx="923701" cy="19241"/>
-            </a:xfrm>
-            <a:prstGeom prst="straightConnector1">
-              <a:avLst/>
-            </a:prstGeom>
-            <a:ln>
+          </a:ln>
+        </p:spPr>
+        <p:style>
+          <a:lnRef idx="1">
+            <a:schemeClr val="accent1"/>
+          </a:lnRef>
+          <a:fillRef idx="3">
+            <a:schemeClr val="accent1"/>
+          </a:fillRef>
+          <a:effectRef idx="2">
+            <a:schemeClr val="accent1"/>
+          </a:effectRef>
+          <a:fontRef idx="minor">
+            <a:schemeClr val="lt1"/>
+          </a:fontRef>
+        </p:style>
+        <p:txBody>
+          <a:bodyPr rtlCol="0" anchor="ctr"/>
+          <a:lstStyle/>
+          <a:p>
+            <a:pPr algn="ctr"/>
+            <a:r>
+              <a:rPr lang="en-US" sz="1200" dirty="0" smtClean="0">
+                <a:solidFill>
+                  <a:schemeClr val="tx1"/>
+                </a:solidFill>
+                <a:latin typeface="Helvetica Neue"/>
+                <a:cs typeface="Helvetica Neue"/>
+              </a:rPr>
+              <a:t>Fresh View</a:t>
+            </a:r>
+          </a:p>
+          <a:p>
+            <a:pPr algn="ctr"/>
+            <a:r>
+              <a:rPr lang="en-US" sz="1200" dirty="0" smtClean="0">
+                <a:solidFill>
+                  <a:schemeClr val="tx1"/>
+                </a:solidFill>
+                <a:latin typeface="Helvetica Neue"/>
+                <a:cs typeface="Helvetica Neue"/>
+              </a:rPr>
+              <a:t>S’</a:t>
+            </a:r>
+            <a:endParaRPr lang="en-US" sz="1200" dirty="0">
               <a:solidFill>
                 <a:schemeClr val="tx1"/>
               </a:solidFill>
-              <a:tailEnd type="arrow"/>
-            </a:ln>
-          </p:spPr>
-          <p:style>
-            <a:lnRef idx="2">
-              <a:schemeClr val="accent1"/>
-            </a:lnRef>
-            <a:fillRef idx="0">
-              <a:schemeClr val="accent1"/>
-            </a:fillRef>
-            <a:effectRef idx="1">
-              <a:schemeClr val="accent1"/>
-            </a:effectRef>
-            <a:fontRef idx="minor">
+              <a:latin typeface="Helvetica Neue"/>
+              <a:cs typeface="Helvetica Neue"/>
+            </a:endParaRPr>
+          </a:p>
+        </p:txBody>
+      </p:sp>
+      <p:cxnSp>
+        <p:nvCxnSpPr>
+          <p:cNvPr id="8" name="Straight Arrow Connector 7"/>
+          <p:cNvCxnSpPr>
+            <a:stCxn id="5" idx="3"/>
+            <a:endCxn id="6" idx="1"/>
+          </p:cNvCxnSpPr>
+          <p:nvPr/>
+        </p:nvCxnSpPr>
+        <p:spPr>
+          <a:xfrm>
+            <a:off x="2540000" y="4356100"/>
+            <a:ext cx="4241800" cy="0"/>
+          </a:xfrm>
+          <a:prstGeom prst="straightConnector1">
+            <a:avLst/>
+          </a:prstGeom>
+          <a:ln w="50800">
+            <a:solidFill>
               <a:schemeClr val="tx1"/>
-            </a:fontRef>
-          </p:style>
-        </p:cxnSp>
-        <p:sp>
-          <p:nvSpPr>
-            <p:cNvPr id="10" name="Rectangle 9"/>
-            <p:cNvSpPr/>
-            <p:nvPr/>
-          </p:nvSpPr>
-          <p:spPr>
-            <a:xfrm>
-              <a:off x="3748625" y="2018830"/>
-              <a:ext cx="1449698" cy="1449529"/>
-            </a:xfrm>
-            <a:prstGeom prst="rect">
-              <a:avLst/>
-            </a:prstGeom>
+            </a:solidFill>
+            <a:tailEnd type="triangle"/>
+          </a:ln>
+        </p:spPr>
+        <p:style>
+          <a:lnRef idx="2">
+            <a:schemeClr val="accent1"/>
+          </a:lnRef>
+          <a:fillRef idx="0">
+            <a:schemeClr val="accent1"/>
+          </a:fillRef>
+          <a:effectRef idx="1">
+            <a:schemeClr val="accent1"/>
+          </a:effectRef>
+          <a:fontRef idx="minor">
+            <a:schemeClr val="tx1"/>
+          </a:fontRef>
+        </p:style>
+      </p:cxnSp>
+      <p:pic>
+        <p:nvPicPr>
+          <p:cNvPr id="10" name="Picture 9"/>
+          <p:cNvPicPr>
+            <a:picLocks noChangeAspect="1"/>
+          </p:cNvPicPr>
+          <p:nvPr/>
+        </p:nvPicPr>
+        <p:blipFill>
+          <a:blip r:embed="rId2"/>
+          <a:stretch>
+            <a:fillRect/>
+          </a:stretch>
+        </p:blipFill>
+        <p:spPr>
+          <a:xfrm>
+            <a:off x="4305300" y="3526564"/>
+            <a:ext cx="740636" cy="740636"/>
+          </a:xfrm>
+          <a:prstGeom prst="rect">
+            <a:avLst/>
+          </a:prstGeom>
+        </p:spPr>
+      </p:pic>
+      <p:sp>
+        <p:nvSpPr>
+          <p:cNvPr id="11" name="TextBox 10"/>
+          <p:cNvSpPr txBox="1"/>
+          <p:nvPr/>
+        </p:nvSpPr>
+        <p:spPr>
+          <a:xfrm>
+            <a:off x="3859940" y="4406900"/>
+            <a:ext cx="1678121" cy="461665"/>
+          </a:xfrm>
+          <a:prstGeom prst="rect">
+            <a:avLst/>
+          </a:prstGeom>
+          <a:noFill/>
+        </p:spPr>
+        <p:txBody>
+          <a:bodyPr wrap="none" rtlCol="0">
+            <a:spAutoFit/>
+          </a:bodyPr>
+          <a:lstStyle/>
+          <a:p>
+            <a:pPr algn="ctr"/>
+            <a:r>
+              <a:rPr lang="en-US" sz="1200" dirty="0" smtClean="0">
+                <a:latin typeface="Helvetica Neue"/>
+                <a:cs typeface="Helvetica Neue"/>
+              </a:rPr>
+              <a:t>Background</a:t>
+            </a:r>
+          </a:p>
+          <a:p>
+            <a:pPr algn="ctr"/>
+            <a:r>
+              <a:rPr lang="en-US" sz="1200" dirty="0" smtClean="0">
+                <a:latin typeface="Helvetica Neue"/>
+                <a:cs typeface="Helvetica Neue"/>
+              </a:rPr>
+              <a:t>Periodic Maintenance</a:t>
+            </a:r>
+            <a:endParaRPr lang="en-US" sz="1200" dirty="0">
+              <a:latin typeface="Helvetica Neue"/>
+              <a:cs typeface="Helvetica Neue"/>
+            </a:endParaRPr>
+          </a:p>
+        </p:txBody>
+      </p:sp>
+      <p:sp>
+        <p:nvSpPr>
+          <p:cNvPr id="15" name="Can 14"/>
+          <p:cNvSpPr/>
+          <p:nvPr/>
+        </p:nvSpPr>
+        <p:spPr>
+          <a:xfrm>
+            <a:off x="4374685" y="5677932"/>
+            <a:ext cx="601770" cy="800354"/>
+          </a:xfrm>
+          <a:prstGeom prst="can">
+            <a:avLst/>
+          </a:prstGeom>
+          <a:solidFill>
+            <a:schemeClr val="bg1"/>
+          </a:solidFill>
+          <a:ln>
             <a:solidFill>
-              <a:schemeClr val="accent6">
-                <a:lumMod val="50000"/>
-              </a:schemeClr>
+              <a:schemeClr val="tx1"/>
             </a:solidFill>
-            <a:ln>
-              <a:noFill/>
-            </a:ln>
-          </p:spPr>
-          <p:style>
-            <a:lnRef idx="1">
-              <a:schemeClr val="accent1"/>
-            </a:lnRef>
-            <a:fillRef idx="3">
-              <a:schemeClr val="accent1"/>
-            </a:fillRef>
-            <a:effectRef idx="2">
-              <a:schemeClr val="accent1"/>
-            </a:effectRef>
-            <a:fontRef idx="minor">
-              <a:schemeClr val="lt1"/>
-            </a:fontRef>
-          </p:style>
-          <p:txBody>
-            <a:bodyPr rtlCol="0" anchor="ctr"/>
-            <a:lstStyle/>
-            <a:p>
-              <a:pPr algn="ctr"/>
-              <a:r>
-                <a:rPr lang="en-US" dirty="0" smtClean="0"/>
-                <a:t> Stale</a:t>
-              </a:r>
-            </a:p>
-            <a:p>
-              <a:pPr algn="ctr"/>
-              <a:r>
-                <a:rPr lang="en-US" dirty="0" smtClean="0"/>
-                <a:t>Materialized View</a:t>
-              </a:r>
-              <a:endParaRPr lang="en-US" dirty="0"/>
-            </a:p>
-          </p:txBody>
-        </p:sp>
-        <p:sp>
-          <p:nvSpPr>
-            <p:cNvPr id="11" name="Rectangle 10"/>
-            <p:cNvSpPr/>
-            <p:nvPr/>
-          </p:nvSpPr>
-          <p:spPr>
-            <a:xfrm>
-              <a:off x="3748625" y="4140282"/>
-              <a:ext cx="1513844" cy="610845"/>
-            </a:xfrm>
-            <a:prstGeom prst="rect">
-              <a:avLst/>
-            </a:prstGeom>
+          </a:ln>
+        </p:spPr>
+        <p:style>
+          <a:lnRef idx="1">
+            <a:schemeClr val="accent1"/>
+          </a:lnRef>
+          <a:fillRef idx="3">
+            <a:schemeClr val="accent1"/>
+          </a:fillRef>
+          <a:effectRef idx="2">
+            <a:schemeClr val="accent1"/>
+          </a:effectRef>
+          <a:fontRef idx="minor">
+            <a:schemeClr val="lt1"/>
+          </a:fontRef>
+        </p:style>
+        <p:txBody>
+          <a:bodyPr rtlCol="0" anchor="ctr"/>
+          <a:lstStyle/>
+          <a:p>
+            <a:pPr algn="ctr"/>
+            <a:endParaRPr lang="en-US" sz="1200">
+              <a:latin typeface="Helvetica Neue"/>
+              <a:cs typeface="Helvetica Neue"/>
+            </a:endParaRPr>
+          </a:p>
+        </p:txBody>
+      </p:sp>
+      <p:sp>
+        <p:nvSpPr>
+          <p:cNvPr id="16" name="Can 15"/>
+          <p:cNvSpPr/>
+          <p:nvPr/>
+        </p:nvSpPr>
+        <p:spPr>
+          <a:xfrm>
+            <a:off x="3972199" y="5830332"/>
+            <a:ext cx="677971" cy="901701"/>
+          </a:xfrm>
+          <a:prstGeom prst="can">
+            <a:avLst/>
+          </a:prstGeom>
+          <a:solidFill>
+            <a:schemeClr val="bg1"/>
+          </a:solidFill>
+          <a:ln>
             <a:solidFill>
-              <a:schemeClr val="accent6">
-                <a:lumMod val="75000"/>
-              </a:schemeClr>
+              <a:schemeClr val="tx1"/>
             </a:solidFill>
-            <a:ln>
-              <a:noFill/>
-            </a:ln>
-          </p:spPr>
-          <p:style>
-            <a:lnRef idx="1">
-              <a:schemeClr val="accent1"/>
-            </a:lnRef>
-            <a:fillRef idx="3">
-              <a:schemeClr val="accent1"/>
-            </a:fillRef>
-            <a:effectRef idx="2">
-              <a:schemeClr val="accent1"/>
-            </a:effectRef>
-            <a:fontRef idx="minor">
-              <a:schemeClr val="lt1"/>
-            </a:fontRef>
-          </p:style>
-          <p:txBody>
-            <a:bodyPr rtlCol="0" anchor="ctr"/>
-            <a:lstStyle/>
-            <a:p>
-              <a:pPr algn="ctr"/>
-              <a:r>
-                <a:rPr lang="en-US" dirty="0" smtClean="0"/>
-                <a:t>Up-to-date</a:t>
-              </a:r>
-            </a:p>
-            <a:p>
-              <a:pPr algn="ctr"/>
-              <a:r>
-                <a:rPr lang="en-US" dirty="0" smtClean="0"/>
-                <a:t>Sample </a:t>
-              </a:r>
-            </a:p>
-          </p:txBody>
-        </p:sp>
-        <p:cxnSp>
-          <p:nvCxnSpPr>
-            <p:cNvPr id="12" name="Straight Arrow Connector 11"/>
-            <p:cNvCxnSpPr/>
-            <p:nvPr/>
-          </p:nvCxnSpPr>
-          <p:spPr>
-            <a:xfrm flipV="1">
-              <a:off x="2812094" y="4409663"/>
-              <a:ext cx="769751" cy="1"/>
-            </a:xfrm>
-            <a:prstGeom prst="straightConnector1">
-              <a:avLst/>
-            </a:prstGeom>
-            <a:ln>
-              <a:solidFill>
-                <a:schemeClr val="tx1"/>
-              </a:solidFill>
-              <a:tailEnd type="arrow"/>
-            </a:ln>
-          </p:spPr>
-          <p:style>
-            <a:lnRef idx="2">
-              <a:schemeClr val="accent1"/>
-            </a:lnRef>
-            <a:fillRef idx="0">
-              <a:schemeClr val="accent1"/>
-            </a:fillRef>
-            <a:effectRef idx="1">
-              <a:schemeClr val="accent1"/>
-            </a:effectRef>
-            <a:fontRef idx="minor">
+          </a:ln>
+        </p:spPr>
+        <p:style>
+          <a:lnRef idx="1">
+            <a:schemeClr val="accent1"/>
+          </a:lnRef>
+          <a:fillRef idx="3">
+            <a:schemeClr val="accent1"/>
+          </a:fillRef>
+          <a:effectRef idx="2">
+            <a:schemeClr val="accent1"/>
+          </a:effectRef>
+          <a:fontRef idx="minor">
+            <a:schemeClr val="lt1"/>
+          </a:fontRef>
+        </p:style>
+        <p:txBody>
+          <a:bodyPr rtlCol="0" anchor="ctr"/>
+          <a:lstStyle/>
+          <a:p>
+            <a:pPr algn="ctr"/>
+            <a:endParaRPr lang="en-US" sz="1200">
+              <a:latin typeface="Helvetica Neue"/>
+              <a:cs typeface="Helvetica Neue"/>
+            </a:endParaRPr>
+          </a:p>
+        </p:txBody>
+      </p:sp>
+      <p:sp>
+        <p:nvSpPr>
+          <p:cNvPr id="17" name="Can 16"/>
+          <p:cNvSpPr/>
+          <p:nvPr/>
+        </p:nvSpPr>
+        <p:spPr>
+          <a:xfrm>
+            <a:off x="4650170" y="5830333"/>
+            <a:ext cx="677970" cy="901700"/>
+          </a:xfrm>
+          <a:prstGeom prst="can">
+            <a:avLst/>
+          </a:prstGeom>
+          <a:solidFill>
+            <a:schemeClr val="bg1"/>
+          </a:solidFill>
+          <a:ln>
+            <a:solidFill>
               <a:schemeClr val="tx1"/>
-            </a:fontRef>
-          </p:style>
-        </p:cxnSp>
-        <p:cxnSp>
-          <p:nvCxnSpPr>
-            <p:cNvPr id="17" name="Straight Arrow Connector 16"/>
-            <p:cNvCxnSpPr/>
-            <p:nvPr/>
-          </p:nvCxnSpPr>
-          <p:spPr>
-            <a:xfrm>
-              <a:off x="4518376" y="3570980"/>
-              <a:ext cx="0" cy="426667"/>
-            </a:xfrm>
-            <a:prstGeom prst="straightConnector1">
-              <a:avLst/>
-            </a:prstGeom>
-            <a:ln>
-              <a:solidFill>
-                <a:schemeClr val="tx1"/>
-              </a:solidFill>
-              <a:tailEnd type="arrow"/>
-            </a:ln>
-          </p:spPr>
-          <p:style>
-            <a:lnRef idx="2">
-              <a:schemeClr val="accent1"/>
-            </a:lnRef>
-            <a:fillRef idx="0">
-              <a:schemeClr val="accent1"/>
-            </a:fillRef>
-            <a:effectRef idx="1">
-              <a:schemeClr val="accent1"/>
-            </a:effectRef>
-            <a:fontRef idx="minor">
+            </a:solidFill>
+          </a:ln>
+        </p:spPr>
+        <p:style>
+          <a:lnRef idx="1">
+            <a:schemeClr val="accent1"/>
+          </a:lnRef>
+          <a:fillRef idx="3">
+            <a:schemeClr val="accent1"/>
+          </a:fillRef>
+          <a:effectRef idx="2">
+            <a:schemeClr val="accent1"/>
+          </a:effectRef>
+          <a:fontRef idx="minor">
+            <a:schemeClr val="lt1"/>
+          </a:fontRef>
+        </p:style>
+        <p:txBody>
+          <a:bodyPr rtlCol="0" anchor="ctr"/>
+          <a:lstStyle/>
+          <a:p>
+            <a:pPr algn="ctr"/>
+            <a:endParaRPr lang="en-US" sz="1200">
+              <a:latin typeface="Helvetica Neue"/>
+              <a:cs typeface="Helvetica Neue"/>
+            </a:endParaRPr>
+          </a:p>
+        </p:txBody>
+      </p:sp>
+      <p:sp>
+        <p:nvSpPr>
+          <p:cNvPr id="18" name="TextBox 17"/>
+          <p:cNvSpPr txBox="1"/>
+          <p:nvPr/>
+        </p:nvSpPr>
+        <p:spPr>
+          <a:xfrm>
+            <a:off x="4223632" y="5308600"/>
+            <a:ext cx="902811" cy="276999"/>
+          </a:xfrm>
+          <a:prstGeom prst="rect">
+            <a:avLst/>
+          </a:prstGeom>
+          <a:noFill/>
+        </p:spPr>
+        <p:txBody>
+          <a:bodyPr wrap="none" rtlCol="0">
+            <a:spAutoFit/>
+          </a:bodyPr>
+          <a:lstStyle/>
+          <a:p>
+            <a:r>
+              <a:rPr lang="en-US" sz="1200" dirty="0" smtClean="0">
+                <a:latin typeface="Helvetica Neue"/>
+                <a:cs typeface="Helvetica Neue"/>
+              </a:rPr>
+              <a:t>Base Data</a:t>
+            </a:r>
+            <a:endParaRPr lang="en-US" sz="1200" dirty="0">
+              <a:latin typeface="Helvetica Neue"/>
+              <a:cs typeface="Helvetica Neue"/>
+            </a:endParaRPr>
+          </a:p>
+        </p:txBody>
+      </p:sp>
+      <p:cxnSp>
+        <p:nvCxnSpPr>
+          <p:cNvPr id="20" name="Straight Arrow Connector 19"/>
+          <p:cNvCxnSpPr>
+            <a:endCxn id="5" idx="2"/>
+          </p:cNvCxnSpPr>
+          <p:nvPr/>
+        </p:nvCxnSpPr>
+        <p:spPr>
+          <a:xfrm flipH="1" flipV="1">
+            <a:off x="1898650" y="5105400"/>
+            <a:ext cx="2073549" cy="928133"/>
+          </a:xfrm>
+          <a:prstGeom prst="straightConnector1">
+            <a:avLst/>
+          </a:prstGeom>
+          <a:ln>
+            <a:solidFill>
               <a:schemeClr val="tx1"/>
-            </a:fontRef>
-          </p:style>
-        </p:cxnSp>
-        <p:sp>
-          <p:nvSpPr>
-            <p:cNvPr id="19" name="TextBox 18"/>
-            <p:cNvSpPr txBox="1"/>
-            <p:nvPr/>
-          </p:nvSpPr>
-          <p:spPr>
-            <a:xfrm>
-              <a:off x="6094311" y="2018830"/>
-              <a:ext cx="2300630" cy="461665"/>
-            </a:xfrm>
-            <a:prstGeom prst="rect">
-              <a:avLst/>
-            </a:prstGeom>
-            <a:noFill/>
-          </p:spPr>
-          <p:txBody>
-            <a:bodyPr wrap="none" rtlCol="0">
-              <a:spAutoFit/>
-            </a:bodyPr>
-            <a:lstStyle/>
-            <a:p>
-              <a:r>
-                <a:rPr lang="en-US" sz="2400" dirty="0" smtClean="0"/>
-                <a:t>Aggregate Query</a:t>
-              </a:r>
-              <a:endParaRPr lang="en-US" sz="2400" dirty="0"/>
-            </a:p>
-          </p:txBody>
-        </p:sp>
-        <p:sp>
-          <p:nvSpPr>
-            <p:cNvPr id="27" name="Rectangle 26"/>
-            <p:cNvSpPr/>
-            <p:nvPr/>
-          </p:nvSpPr>
-          <p:spPr>
-            <a:xfrm>
-              <a:off x="3748625" y="4768072"/>
-              <a:ext cx="1513844" cy="376595"/>
-            </a:xfrm>
-            <a:prstGeom prst="rect">
-              <a:avLst/>
-            </a:prstGeom>
+            </a:solidFill>
+            <a:prstDash val="sysDash"/>
+            <a:tailEnd type="arrow"/>
+          </a:ln>
+        </p:spPr>
+        <p:style>
+          <a:lnRef idx="2">
+            <a:schemeClr val="accent1"/>
+          </a:lnRef>
+          <a:fillRef idx="0">
+            <a:schemeClr val="accent1"/>
+          </a:fillRef>
+          <a:effectRef idx="1">
+            <a:schemeClr val="accent1"/>
+          </a:effectRef>
+          <a:fontRef idx="minor">
+            <a:schemeClr val="tx1"/>
+          </a:fontRef>
+        </p:style>
+      </p:cxnSp>
+      <p:cxnSp>
+        <p:nvCxnSpPr>
+          <p:cNvPr id="21" name="Straight Arrow Connector 20"/>
+          <p:cNvCxnSpPr>
+            <a:endCxn id="6" idx="2"/>
+          </p:cNvCxnSpPr>
+          <p:nvPr/>
+        </p:nvCxnSpPr>
+        <p:spPr>
+          <a:xfrm flipV="1">
+            <a:off x="5328140" y="5105400"/>
+            <a:ext cx="2095010" cy="928133"/>
+          </a:xfrm>
+          <a:prstGeom prst="straightConnector1">
+            <a:avLst/>
+          </a:prstGeom>
+          <a:ln>
             <a:solidFill>
-              <a:schemeClr val="accent2"/>
+              <a:schemeClr val="tx1"/>
             </a:solidFill>
-            <a:ln>
-              <a:noFill/>
-            </a:ln>
-          </p:spPr>
-          <p:style>
-            <a:lnRef idx="1">
-              <a:schemeClr val="accent1"/>
-            </a:lnRef>
-            <a:fillRef idx="3">
-              <a:schemeClr val="accent1"/>
-            </a:fillRef>
-            <a:effectRef idx="2">
-              <a:schemeClr val="accent1"/>
-            </a:effectRef>
-            <a:fontRef idx="minor">
-              <a:schemeClr val="lt1"/>
-            </a:fontRef>
-          </p:style>
-          <p:txBody>
-            <a:bodyPr rtlCol="0" anchor="ctr"/>
-            <a:lstStyle/>
-            <a:p>
-              <a:pPr algn="ctr"/>
-              <a:r>
-                <a:rPr lang="en-US" dirty="0" smtClean="0"/>
-                <a:t>Outlier Index</a:t>
-              </a:r>
-            </a:p>
-          </p:txBody>
-        </p:sp>
-        <p:cxnSp>
-          <p:nvCxnSpPr>
-            <p:cNvPr id="28" name="Straight Arrow Connector 27"/>
-            <p:cNvCxnSpPr/>
-            <p:nvPr/>
-          </p:nvCxnSpPr>
-          <p:spPr>
-            <a:xfrm>
-              <a:off x="5288129" y="2812912"/>
-              <a:ext cx="1588313" cy="0"/>
-            </a:xfrm>
-            <a:prstGeom prst="straightConnector1">
-              <a:avLst/>
-            </a:prstGeom>
-            <a:ln>
-              <a:solidFill>
-                <a:schemeClr val="tx1"/>
-              </a:solidFill>
-              <a:tailEnd type="arrow"/>
-            </a:ln>
-          </p:spPr>
-          <p:style>
-            <a:lnRef idx="2">
-              <a:schemeClr val="accent1"/>
-            </a:lnRef>
-            <a:fillRef idx="0">
-              <a:schemeClr val="accent1"/>
-            </a:fillRef>
-            <a:effectRef idx="1">
-              <a:schemeClr val="accent1"/>
-            </a:effectRef>
-            <a:fontRef idx="minor">
+            <a:prstDash val="sysDash"/>
+            <a:tailEnd type="arrow"/>
+          </a:ln>
+        </p:spPr>
+        <p:style>
+          <a:lnRef idx="2">
+            <a:schemeClr val="accent1"/>
+          </a:lnRef>
+          <a:fillRef idx="0">
+            <a:schemeClr val="accent1"/>
+          </a:fillRef>
+          <a:effectRef idx="1">
+            <a:schemeClr val="accent1"/>
+          </a:effectRef>
+          <a:fontRef idx="minor">
+            <a:schemeClr val="tx1"/>
+          </a:fontRef>
+        </p:style>
+      </p:cxnSp>
+      <p:sp>
+        <p:nvSpPr>
+          <p:cNvPr id="24" name="Rounded Rectangle 23"/>
+          <p:cNvSpPr/>
+          <p:nvPr/>
+        </p:nvSpPr>
+        <p:spPr>
+          <a:xfrm>
+            <a:off x="1257300" y="1244600"/>
+            <a:ext cx="6807200" cy="1930400"/>
+          </a:xfrm>
+          <a:prstGeom prst="roundRect">
+            <a:avLst/>
+          </a:prstGeom>
+          <a:solidFill>
+            <a:schemeClr val="bg1"/>
+          </a:solidFill>
+          <a:ln w="47625">
+            <a:solidFill>
               <a:schemeClr val="tx1"/>
-            </a:fontRef>
-          </p:style>
-        </p:cxnSp>
-        <p:cxnSp>
-          <p:nvCxnSpPr>
-            <p:cNvPr id="29" name="Straight Arrow Connector 28"/>
-            <p:cNvCxnSpPr/>
-            <p:nvPr/>
-          </p:nvCxnSpPr>
-          <p:spPr>
-            <a:xfrm flipH="1">
-              <a:off x="5246037" y="2283618"/>
-              <a:ext cx="848274" cy="0"/>
-            </a:xfrm>
-            <a:prstGeom prst="straightConnector1">
-              <a:avLst/>
-            </a:prstGeom>
-            <a:ln>
-              <a:solidFill>
-                <a:schemeClr val="tx1"/>
-              </a:solidFill>
-              <a:tailEnd type="arrow"/>
-            </a:ln>
-          </p:spPr>
-          <p:style>
-            <a:lnRef idx="2">
-              <a:schemeClr val="accent1"/>
-            </a:lnRef>
-            <a:fillRef idx="0">
-              <a:schemeClr val="accent1"/>
-            </a:fillRef>
-            <a:effectRef idx="1">
-              <a:schemeClr val="accent1"/>
-            </a:effectRef>
-            <a:fontRef idx="minor">
+            </a:solidFill>
+          </a:ln>
+        </p:spPr>
+        <p:style>
+          <a:lnRef idx="1">
+            <a:schemeClr val="accent1"/>
+          </a:lnRef>
+          <a:fillRef idx="3">
+            <a:schemeClr val="accent1"/>
+          </a:fillRef>
+          <a:effectRef idx="2">
+            <a:schemeClr val="accent1"/>
+          </a:effectRef>
+          <a:fontRef idx="minor">
+            <a:schemeClr val="lt1"/>
+          </a:fontRef>
+        </p:style>
+        <p:txBody>
+          <a:bodyPr rtlCol="0" anchor="ctr"/>
+          <a:lstStyle/>
+          <a:p>
+            <a:pPr algn="ctr"/>
+            <a:endParaRPr lang="en-US" sz="1200" dirty="0">
+              <a:latin typeface="Helvetica Neue"/>
+              <a:cs typeface="Helvetica Neue"/>
+            </a:endParaRPr>
+          </a:p>
+        </p:txBody>
+      </p:sp>
+      <p:sp>
+        <p:nvSpPr>
+          <p:cNvPr id="25" name="TextBox 24"/>
+          <p:cNvSpPr txBox="1"/>
+          <p:nvPr/>
+        </p:nvSpPr>
+        <p:spPr>
+          <a:xfrm>
+            <a:off x="1406207" y="1295400"/>
+            <a:ext cx="646331" cy="369332"/>
+          </a:xfrm>
+          <a:prstGeom prst="rect">
+            <a:avLst/>
+          </a:prstGeom>
+          <a:noFill/>
+        </p:spPr>
+        <p:txBody>
+          <a:bodyPr wrap="none" rtlCol="0">
+            <a:spAutoFit/>
+          </a:bodyPr>
+          <a:lstStyle/>
+          <a:p>
+            <a:r>
+              <a:rPr lang="en-US" dirty="0" smtClean="0">
+                <a:latin typeface="Helvetica Neue"/>
+                <a:cs typeface="Helvetica Neue"/>
+              </a:rPr>
+              <a:t>SVC</a:t>
+            </a:r>
+            <a:endParaRPr lang="en-US" dirty="0">
+              <a:latin typeface="Helvetica Neue"/>
+              <a:cs typeface="Helvetica Neue"/>
+            </a:endParaRPr>
+          </a:p>
+        </p:txBody>
+      </p:sp>
+      <p:cxnSp>
+        <p:nvCxnSpPr>
+          <p:cNvPr id="40" name="Straight Arrow Connector 39"/>
+          <p:cNvCxnSpPr>
+            <a:stCxn id="24" idx="1"/>
+            <a:endCxn id="24" idx="3"/>
+          </p:cNvCxnSpPr>
+          <p:nvPr/>
+        </p:nvCxnSpPr>
+        <p:spPr>
+          <a:xfrm>
+            <a:off x="1257300" y="2209800"/>
+            <a:ext cx="6807200" cy="0"/>
+          </a:xfrm>
+          <a:prstGeom prst="straightConnector1">
+            <a:avLst/>
+          </a:prstGeom>
+          <a:ln w="50800">
+            <a:solidFill>
               <a:schemeClr val="tx1"/>
-            </a:fontRef>
-          </p:style>
-        </p:cxnSp>
-        <p:sp>
-          <p:nvSpPr>
-            <p:cNvPr id="33" name="TextBox 32"/>
-            <p:cNvSpPr txBox="1"/>
-            <p:nvPr/>
-          </p:nvSpPr>
-          <p:spPr>
-            <a:xfrm>
-              <a:off x="6920273" y="2582079"/>
-              <a:ext cx="983112" cy="461665"/>
-            </a:xfrm>
-            <a:prstGeom prst="rect">
-              <a:avLst/>
-            </a:prstGeom>
-            <a:noFill/>
-          </p:spPr>
-          <p:txBody>
-            <a:bodyPr wrap="none" rtlCol="0">
-              <a:spAutoFit/>
-            </a:bodyPr>
-            <a:lstStyle/>
-            <a:p>
-              <a:r>
-                <a:rPr lang="en-US" sz="2400" b="1" dirty="0" smtClean="0">
-                  <a:solidFill>
-                    <a:srgbClr val="E46C0A"/>
-                  </a:solidFill>
-                </a:rPr>
-                <a:t>Result</a:t>
-              </a:r>
-              <a:endParaRPr lang="en-US" sz="2400" b="1" dirty="0">
+            </a:solidFill>
+            <a:tailEnd type="arrow"/>
+          </a:ln>
+        </p:spPr>
+        <p:style>
+          <a:lnRef idx="2">
+            <a:schemeClr val="accent1"/>
+          </a:lnRef>
+          <a:fillRef idx="0">
+            <a:schemeClr val="accent1"/>
+          </a:fillRef>
+          <a:effectRef idx="1">
+            <a:schemeClr val="accent1"/>
+          </a:effectRef>
+          <a:fontRef idx="minor">
+            <a:schemeClr val="tx1"/>
+          </a:fontRef>
+        </p:style>
+      </p:cxnSp>
+      <p:cxnSp>
+        <p:nvCxnSpPr>
+          <p:cNvPr id="31" name="Elbow Connector 30"/>
+          <p:cNvCxnSpPr>
+            <a:stCxn id="16" idx="2"/>
+            <a:endCxn id="24" idx="1"/>
+          </p:cNvCxnSpPr>
+          <p:nvPr/>
+        </p:nvCxnSpPr>
+        <p:spPr>
+          <a:xfrm rot="10800000">
+            <a:off x="1257301" y="2209801"/>
+            <a:ext cx="2714899" cy="4071383"/>
+          </a:xfrm>
+          <a:prstGeom prst="bentConnector3">
+            <a:avLst>
+              <a:gd name="adj1" fmla="val 108420"/>
+            </a:avLst>
+          </a:prstGeom>
+          <a:ln>
+            <a:solidFill>
+              <a:schemeClr val="tx1"/>
+            </a:solidFill>
+            <a:prstDash val="sysDash"/>
+            <a:tailEnd type="arrow"/>
+          </a:ln>
+        </p:spPr>
+        <p:style>
+          <a:lnRef idx="2">
+            <a:schemeClr val="accent1"/>
+          </a:lnRef>
+          <a:fillRef idx="0">
+            <a:schemeClr val="accent1"/>
+          </a:fillRef>
+          <a:effectRef idx="1">
+            <a:schemeClr val="accent1"/>
+          </a:effectRef>
+          <a:fontRef idx="minor">
+            <a:schemeClr val="tx1"/>
+          </a:fontRef>
+        </p:style>
+      </p:cxnSp>
+      <p:sp>
+        <p:nvSpPr>
+          <p:cNvPr id="26" name="Rectangle 25"/>
+          <p:cNvSpPr/>
+          <p:nvPr/>
+        </p:nvSpPr>
+        <p:spPr>
+          <a:xfrm>
+            <a:off x="4032740" y="1828800"/>
+            <a:ext cx="1282700" cy="558801"/>
+          </a:xfrm>
+          <a:prstGeom prst="rect">
+            <a:avLst/>
+          </a:prstGeom>
+          <a:solidFill>
+            <a:schemeClr val="bg1"/>
+          </a:solidFill>
+          <a:ln>
+            <a:solidFill>
+              <a:schemeClr val="tx1"/>
+            </a:solidFill>
+          </a:ln>
+        </p:spPr>
+        <p:style>
+          <a:lnRef idx="1">
+            <a:schemeClr val="accent1"/>
+          </a:lnRef>
+          <a:fillRef idx="3">
+            <a:schemeClr val="accent1"/>
+          </a:fillRef>
+          <a:effectRef idx="2">
+            <a:schemeClr val="accent1"/>
+          </a:effectRef>
+          <a:fontRef idx="minor">
+            <a:schemeClr val="lt1"/>
+          </a:fontRef>
+        </p:style>
+        <p:txBody>
+          <a:bodyPr rtlCol="0" anchor="ctr"/>
+          <a:lstStyle/>
+          <a:p>
+            <a:pPr algn="ctr"/>
+            <a:r>
+              <a:rPr lang="en-US" sz="1200" dirty="0" smtClean="0">
                 <a:solidFill>
-                  <a:srgbClr val="E46C0A"/>
+                  <a:schemeClr val="tx1"/>
                 </a:solidFill>
-              </a:endParaRPr>
-            </a:p>
-          </p:txBody>
-        </p:sp>
-        <p:cxnSp>
-          <p:nvCxnSpPr>
-            <p:cNvPr id="37" name="Straight Arrow Connector 36"/>
-            <p:cNvCxnSpPr/>
-            <p:nvPr/>
-          </p:nvCxnSpPr>
-          <p:spPr>
-            <a:xfrm flipV="1">
-              <a:off x="5246037" y="2913484"/>
-              <a:ext cx="1630405" cy="1727157"/>
-            </a:xfrm>
-            <a:prstGeom prst="straightConnector1">
-              <a:avLst/>
-            </a:prstGeom>
-            <a:ln>
-              <a:solidFill>
-                <a:schemeClr val="tx1"/>
-              </a:solidFill>
-              <a:tailEnd type="arrow"/>
-            </a:ln>
-          </p:spPr>
-          <p:style>
-            <a:lnRef idx="2">
-              <a:schemeClr val="accent1"/>
-            </a:lnRef>
-            <a:fillRef idx="0">
-              <a:schemeClr val="accent1"/>
-            </a:fillRef>
-            <a:effectRef idx="1">
-              <a:schemeClr val="accent1"/>
-            </a:effectRef>
-            <a:fontRef idx="minor">
+                <a:latin typeface="Helvetica Neue"/>
+                <a:cs typeface="Helvetica Neue"/>
+              </a:rPr>
+              <a:t>Fresh</a:t>
+            </a:r>
+          </a:p>
+          <a:p>
+            <a:pPr algn="ctr"/>
+            <a:r>
+              <a:rPr lang="en-US" sz="1200" dirty="0" smtClean="0">
+                <a:solidFill>
+                  <a:schemeClr val="tx1"/>
+                </a:solidFill>
+                <a:latin typeface="Helvetica Neue"/>
+                <a:cs typeface="Helvetica Neue"/>
+              </a:rPr>
+              <a:t>Sample View</a:t>
+            </a:r>
+          </a:p>
+        </p:txBody>
+      </p:sp>
+      <p:sp>
+        <p:nvSpPr>
+          <p:cNvPr id="41" name="TextBox 40"/>
+          <p:cNvSpPr txBox="1"/>
+          <p:nvPr/>
+        </p:nvSpPr>
+        <p:spPr>
+          <a:xfrm>
+            <a:off x="3858371" y="2364938"/>
+            <a:ext cx="1635653" cy="461665"/>
+          </a:xfrm>
+          <a:prstGeom prst="rect">
+            <a:avLst/>
+          </a:prstGeom>
+          <a:noFill/>
+        </p:spPr>
+        <p:txBody>
+          <a:bodyPr wrap="none" rtlCol="0">
+            <a:spAutoFit/>
+          </a:bodyPr>
+          <a:lstStyle/>
+          <a:p>
+            <a:pPr algn="ctr"/>
+            <a:r>
+              <a:rPr lang="en-US" sz="1200" dirty="0" smtClean="0">
+                <a:latin typeface="Helvetica Neue"/>
+                <a:cs typeface="Helvetica Neue"/>
+              </a:rPr>
+              <a:t>Real-time Efficient </a:t>
+            </a:r>
+          </a:p>
+          <a:p>
+            <a:pPr algn="ctr"/>
+            <a:r>
+              <a:rPr lang="en-US" sz="1200" dirty="0" smtClean="0">
+                <a:latin typeface="Helvetica Neue"/>
+                <a:cs typeface="Helvetica Neue"/>
+              </a:rPr>
+              <a:t>Sample Maintenance</a:t>
+            </a:r>
+            <a:endParaRPr lang="en-US" sz="1200" dirty="0">
+              <a:latin typeface="Helvetica Neue"/>
+              <a:cs typeface="Helvetica Neue"/>
+            </a:endParaRPr>
+          </a:p>
+        </p:txBody>
+      </p:sp>
+      <p:sp>
+        <p:nvSpPr>
+          <p:cNvPr id="42" name="TextBox 41"/>
+          <p:cNvSpPr txBox="1"/>
+          <p:nvPr/>
+        </p:nvSpPr>
+        <p:spPr>
+          <a:xfrm>
+            <a:off x="3754425" y="578703"/>
+            <a:ext cx="598006" cy="276999"/>
+          </a:xfrm>
+          <a:prstGeom prst="rect">
+            <a:avLst/>
+          </a:prstGeom>
+          <a:noFill/>
+        </p:spPr>
+        <p:txBody>
+          <a:bodyPr wrap="none" rtlCol="0">
+            <a:spAutoFit/>
+          </a:bodyPr>
+          <a:lstStyle/>
+          <a:p>
+            <a:r>
+              <a:rPr lang="en-US" sz="1200" dirty="0" smtClean="0">
+                <a:latin typeface="Helvetica Neue"/>
+                <a:cs typeface="Helvetica Neue"/>
+              </a:rPr>
+              <a:t>Query</a:t>
+            </a:r>
+            <a:endParaRPr lang="en-US" sz="1200" dirty="0">
+              <a:latin typeface="Helvetica Neue"/>
+              <a:cs typeface="Helvetica Neue"/>
+            </a:endParaRPr>
+          </a:p>
+        </p:txBody>
+      </p:sp>
+      <p:cxnSp>
+        <p:nvCxnSpPr>
+          <p:cNvPr id="48" name="Straight Arrow Connector 47"/>
+          <p:cNvCxnSpPr/>
+          <p:nvPr/>
+        </p:nvCxnSpPr>
+        <p:spPr>
+          <a:xfrm>
+            <a:off x="4071068" y="950099"/>
+            <a:ext cx="1" cy="261203"/>
+          </a:xfrm>
+          <a:prstGeom prst="straightConnector1">
+            <a:avLst/>
+          </a:prstGeom>
+          <a:ln w="50800">
+            <a:solidFill>
               <a:schemeClr val="tx1"/>
-            </a:fontRef>
-          </p:style>
-        </p:cxnSp>
-        <p:sp>
-          <p:nvSpPr>
-            <p:cNvPr id="40" name="TextBox 39"/>
-            <p:cNvSpPr txBox="1"/>
-            <p:nvPr/>
-          </p:nvSpPr>
-          <p:spPr>
-            <a:xfrm rot="18725663">
-              <a:off x="5151078" y="3403710"/>
-              <a:ext cx="1526379" cy="461665"/>
-            </a:xfrm>
-            <a:prstGeom prst="rect">
-              <a:avLst/>
-            </a:prstGeom>
-            <a:noFill/>
-          </p:spPr>
-          <p:txBody>
-            <a:bodyPr wrap="none" rtlCol="0">
-              <a:spAutoFit/>
-            </a:bodyPr>
-            <a:lstStyle/>
-            <a:p>
-              <a:r>
-                <a:rPr lang="en-US" sz="2400" b="1" dirty="0" smtClean="0">
-                  <a:solidFill>
-                    <a:schemeClr val="accent6">
-                      <a:lumMod val="75000"/>
-                    </a:schemeClr>
-                  </a:solidFill>
-                </a:rPr>
-                <a:t>Correction</a:t>
-              </a:r>
-              <a:endParaRPr lang="en-US" sz="2400" b="1" dirty="0">
+            </a:solidFill>
+            <a:tailEnd type="triangle"/>
+          </a:ln>
+        </p:spPr>
+        <p:style>
+          <a:lnRef idx="2">
+            <a:schemeClr val="accent1"/>
+          </a:lnRef>
+          <a:fillRef idx="0">
+            <a:schemeClr val="accent1"/>
+          </a:fillRef>
+          <a:effectRef idx="1">
+            <a:schemeClr val="accent1"/>
+          </a:effectRef>
+          <a:fontRef idx="minor">
+            <a:schemeClr val="tx1"/>
+          </a:fontRef>
+        </p:style>
+      </p:cxnSp>
+      <p:sp>
+        <p:nvSpPr>
+          <p:cNvPr id="52" name="TextBox 51"/>
+          <p:cNvSpPr txBox="1"/>
+          <p:nvPr/>
+        </p:nvSpPr>
+        <p:spPr>
+          <a:xfrm>
+            <a:off x="4742134" y="360402"/>
+            <a:ext cx="1062581" cy="646331"/>
+          </a:xfrm>
+          <a:prstGeom prst="rect">
+            <a:avLst/>
+          </a:prstGeom>
+          <a:noFill/>
+        </p:spPr>
+        <p:txBody>
+          <a:bodyPr wrap="none" rtlCol="0">
+            <a:spAutoFit/>
+          </a:bodyPr>
+          <a:lstStyle/>
+          <a:p>
+            <a:pPr algn="ctr"/>
+            <a:r>
+              <a:rPr lang="en-US" sz="1200" dirty="0" smtClean="0">
+                <a:latin typeface="Helvetica Neue"/>
+                <a:cs typeface="Helvetica Neue"/>
+              </a:rPr>
+              <a:t>Fresh</a:t>
+            </a:r>
+          </a:p>
+          <a:p>
+            <a:pPr algn="ctr"/>
+            <a:r>
+              <a:rPr lang="en-US" sz="1200" dirty="0" smtClean="0">
+                <a:latin typeface="Helvetica Neue"/>
+                <a:cs typeface="Helvetica Neue"/>
+              </a:rPr>
+              <a:t>Approximate </a:t>
+            </a:r>
+          </a:p>
+          <a:p>
+            <a:pPr algn="ctr"/>
+            <a:r>
+              <a:rPr lang="en-US" sz="1200" dirty="0" smtClean="0">
+                <a:latin typeface="Helvetica Neue"/>
+                <a:cs typeface="Helvetica Neue"/>
+              </a:rPr>
+              <a:t>Result</a:t>
+            </a:r>
+            <a:endParaRPr lang="en-US" sz="1200" dirty="0">
+              <a:latin typeface="Helvetica Neue"/>
+              <a:cs typeface="Helvetica Neue"/>
+            </a:endParaRPr>
+          </a:p>
+        </p:txBody>
+      </p:sp>
+      <p:cxnSp>
+        <p:nvCxnSpPr>
+          <p:cNvPr id="53" name="Straight Arrow Connector 52"/>
+          <p:cNvCxnSpPr/>
+          <p:nvPr/>
+        </p:nvCxnSpPr>
+        <p:spPr>
+          <a:xfrm flipV="1">
+            <a:off x="5273425" y="962799"/>
+            <a:ext cx="0" cy="261203"/>
+          </a:xfrm>
+          <a:prstGeom prst="straightConnector1">
+            <a:avLst/>
+          </a:prstGeom>
+          <a:ln w="50800">
+            <a:solidFill>
+              <a:schemeClr val="tx1"/>
+            </a:solidFill>
+            <a:tailEnd type="triangle"/>
+          </a:ln>
+        </p:spPr>
+        <p:style>
+          <a:lnRef idx="2">
+            <a:schemeClr val="accent1"/>
+          </a:lnRef>
+          <a:fillRef idx="0">
+            <a:schemeClr val="accent1"/>
+          </a:fillRef>
+          <a:effectRef idx="1">
+            <a:schemeClr val="accent1"/>
+          </a:effectRef>
+          <a:fontRef idx="minor">
+            <a:schemeClr val="tx1"/>
+          </a:fontRef>
+        </p:style>
+      </p:cxnSp>
+      <p:sp>
+        <p:nvSpPr>
+          <p:cNvPr id="61" name="Rectangle 60"/>
+          <p:cNvSpPr/>
+          <p:nvPr/>
+        </p:nvSpPr>
+        <p:spPr>
+          <a:xfrm>
+            <a:off x="4028825" y="1512331"/>
+            <a:ext cx="1282700" cy="316469"/>
+          </a:xfrm>
+          <a:prstGeom prst="rect">
+            <a:avLst/>
+          </a:prstGeom>
+          <a:solidFill>
+            <a:schemeClr val="bg1"/>
+          </a:solidFill>
+          <a:ln>
+            <a:solidFill>
+              <a:schemeClr val="tx1"/>
+            </a:solidFill>
+          </a:ln>
+        </p:spPr>
+        <p:style>
+          <a:lnRef idx="1">
+            <a:schemeClr val="accent1"/>
+          </a:lnRef>
+          <a:fillRef idx="3">
+            <a:schemeClr val="accent1"/>
+          </a:fillRef>
+          <a:effectRef idx="2">
+            <a:schemeClr val="accent1"/>
+          </a:effectRef>
+          <a:fontRef idx="minor">
+            <a:schemeClr val="lt1"/>
+          </a:fontRef>
+        </p:style>
+        <p:txBody>
+          <a:bodyPr rtlCol="0" anchor="ctr"/>
+          <a:lstStyle/>
+          <a:p>
+            <a:pPr algn="ctr"/>
+            <a:r>
+              <a:rPr lang="en-US" sz="1200" dirty="0" smtClean="0">
                 <a:solidFill>
-                  <a:schemeClr val="accent6">
-                    <a:lumMod val="75000"/>
-                  </a:schemeClr>
+                  <a:schemeClr val="tx1"/>
                 </a:solidFill>
-              </a:endParaRPr>
-            </a:p>
-          </p:txBody>
-        </p:sp>
-      </p:grpSp>
+                <a:latin typeface="Helvetica Neue"/>
+                <a:cs typeface="Helvetica Neue"/>
+              </a:rPr>
+              <a:t>Outlier Index</a:t>
+            </a:r>
+          </a:p>
+        </p:txBody>
+      </p:sp>
     </p:spTree>
     <p:extLst>
       <p:ext uri="{BB962C8B-B14F-4D97-AF65-F5344CB8AC3E}">
-        <p14:creationId xmlns:p14="http://schemas.microsoft.com/office/powerpoint/2010/main" val="1616717913"/>
+        <p14:creationId xmlns:p14="http://schemas.microsoft.com/office/powerpoint/2010/main" val="2603313303"/>
       </p:ext>
     </p:extLst>
   </p:cSld>

--- a/figs/sys-arch.pptx
+++ b/figs/sys-arch.pptx
@@ -3138,28 +3138,25 @@
           <a:p>
             <a:pPr algn="ctr"/>
             <a:r>
-              <a:rPr lang="en-US" sz="1200" dirty="0" smtClean="0">
+              <a:rPr lang="en-US" sz="1500" dirty="0" smtClean="0">
                 <a:solidFill>
                   <a:schemeClr val="tx1"/>
                 </a:solidFill>
-                <a:latin typeface="Helvetica Neue"/>
-                <a:cs typeface="Helvetica Neue"/>
+                <a:latin typeface="Helvetica Light"/>
+                <a:cs typeface="Helvetica Light"/>
               </a:rPr>
               <a:t>Stale View</a:t>
             </a:r>
           </a:p>
           <a:p>
             <a:pPr algn="ctr"/>
-            <a:r>
-              <a:rPr lang="en-US" sz="1200" dirty="0">
-                <a:solidFill>
-                  <a:schemeClr val="tx1"/>
-                </a:solidFill>
-                <a:latin typeface="Helvetica Neue"/>
-                <a:cs typeface="Helvetica Neue"/>
-              </a:rPr>
-              <a:t>S</a:t>
-            </a:r>
+            <a:endParaRPr lang="en-US" sz="1500" dirty="0">
+              <a:solidFill>
+                <a:schemeClr val="tx1"/>
+              </a:solidFill>
+              <a:latin typeface="Helvetica Light"/>
+              <a:cs typeface="Helvetica Light"/>
+            </a:endParaRPr>
           </a:p>
         </p:txBody>
       </p:sp>
@@ -3206,34 +3203,24 @@
           <a:p>
             <a:pPr algn="ctr"/>
             <a:r>
-              <a:rPr lang="en-US" sz="1200" dirty="0" smtClean="0">
+              <a:rPr lang="en-US" sz="1500" dirty="0" smtClean="0">
                 <a:solidFill>
                   <a:schemeClr val="tx1"/>
                 </a:solidFill>
-                <a:latin typeface="Helvetica Neue"/>
-                <a:cs typeface="Helvetica Neue"/>
+                <a:latin typeface="Helvetica Light"/>
+                <a:cs typeface="Helvetica Light"/>
               </a:rPr>
               <a:t>Fresh View</a:t>
             </a:r>
           </a:p>
           <a:p>
             <a:pPr algn="ctr"/>
-            <a:r>
-              <a:rPr lang="en-US" sz="1200" dirty="0" smtClean="0">
-                <a:solidFill>
-                  <a:schemeClr val="tx1"/>
-                </a:solidFill>
-                <a:latin typeface="Helvetica Neue"/>
-                <a:cs typeface="Helvetica Neue"/>
-              </a:rPr>
-              <a:t>S’</a:t>
-            </a:r>
-            <a:endParaRPr lang="en-US" sz="1200" dirty="0">
+            <a:endParaRPr lang="en-US" sz="1500" dirty="0">
               <a:solidFill>
                 <a:schemeClr val="tx1"/>
               </a:solidFill>
-              <a:latin typeface="Helvetica Neue"/>
-              <a:cs typeface="Helvetica Neue"/>
+              <a:latin typeface="Helvetica Light"/>
+              <a:cs typeface="Helvetica Light"/>
             </a:endParaRPr>
           </a:p>
         </p:txBody>
@@ -3309,8 +3296,8 @@
         </p:nvSpPr>
         <p:spPr>
           <a:xfrm>
-            <a:off x="3859940" y="4406900"/>
-            <a:ext cx="1678121" cy="461665"/>
+            <a:off x="3670515" y="4406900"/>
+            <a:ext cx="2056973" cy="553998"/>
           </a:xfrm>
           <a:prstGeom prst="rect">
             <a:avLst/>
@@ -3325,9 +3312,9 @@
           <a:p>
             <a:pPr algn="ctr"/>
             <a:r>
-              <a:rPr lang="en-US" sz="1200" dirty="0" smtClean="0">
-                <a:latin typeface="Helvetica Neue"/>
-                <a:cs typeface="Helvetica Neue"/>
+              <a:rPr lang="en-US" sz="1500" dirty="0" smtClean="0">
+                <a:latin typeface="Helvetica Light"/>
+                <a:cs typeface="Helvetica Light"/>
               </a:rPr>
               <a:t>Background</a:t>
             </a:r>
@@ -3335,15 +3322,15 @@
           <a:p>
             <a:pPr algn="ctr"/>
             <a:r>
-              <a:rPr lang="en-US" sz="1200" dirty="0" smtClean="0">
-                <a:latin typeface="Helvetica Neue"/>
-                <a:cs typeface="Helvetica Neue"/>
+              <a:rPr lang="en-US" sz="1500" dirty="0" smtClean="0">
+                <a:latin typeface="Helvetica Light"/>
+                <a:cs typeface="Helvetica Light"/>
               </a:rPr>
               <a:t>Periodic Maintenance</a:t>
             </a:r>
-            <a:endParaRPr lang="en-US" sz="1200" dirty="0">
-              <a:latin typeface="Helvetica Neue"/>
-              <a:cs typeface="Helvetica Neue"/>
+            <a:endParaRPr lang="en-US" sz="1500" dirty="0">
+              <a:latin typeface="Helvetica Light"/>
+              <a:cs typeface="Helvetica Light"/>
             </a:endParaRPr>
           </a:p>
         </p:txBody>
@@ -3390,9 +3377,9 @@
           <a:lstStyle/>
           <a:p>
             <a:pPr algn="ctr"/>
-            <a:endParaRPr lang="en-US" sz="1200">
-              <a:latin typeface="Helvetica Neue"/>
-              <a:cs typeface="Helvetica Neue"/>
+            <a:endParaRPr lang="en-US" sz="1500">
+              <a:latin typeface="Helvetica Light"/>
+              <a:cs typeface="Helvetica Light"/>
             </a:endParaRPr>
           </a:p>
         </p:txBody>
@@ -3439,9 +3426,9 @@
           <a:lstStyle/>
           <a:p>
             <a:pPr algn="ctr"/>
-            <a:endParaRPr lang="en-US" sz="1200">
-              <a:latin typeface="Helvetica Neue"/>
-              <a:cs typeface="Helvetica Neue"/>
+            <a:endParaRPr lang="en-US" sz="1500">
+              <a:latin typeface="Helvetica Light"/>
+              <a:cs typeface="Helvetica Light"/>
             </a:endParaRPr>
           </a:p>
         </p:txBody>
@@ -3488,9 +3475,9 @@
           <a:lstStyle/>
           <a:p>
             <a:pPr algn="ctr"/>
-            <a:endParaRPr lang="en-US" sz="1200">
-              <a:latin typeface="Helvetica Neue"/>
-              <a:cs typeface="Helvetica Neue"/>
+            <a:endParaRPr lang="en-US" sz="1500">
+              <a:latin typeface="Helvetica Light"/>
+              <a:cs typeface="Helvetica Light"/>
             </a:endParaRPr>
           </a:p>
         </p:txBody>
@@ -3504,7 +3491,7 @@
         <p:spPr>
           <a:xfrm>
             <a:off x="4223632" y="5308600"/>
-            <a:ext cx="902811" cy="276999"/>
+            <a:ext cx="1082792" cy="323165"/>
           </a:xfrm>
           <a:prstGeom prst="rect">
             <a:avLst/>
@@ -3518,15 +3505,15 @@
           <a:lstStyle/>
           <a:p>
             <a:r>
-              <a:rPr lang="en-US" sz="1200" dirty="0" smtClean="0">
-                <a:latin typeface="Helvetica Neue"/>
-                <a:cs typeface="Helvetica Neue"/>
+              <a:rPr lang="en-US" sz="1500" dirty="0" smtClean="0">
+                <a:latin typeface="Helvetica Light"/>
+                <a:cs typeface="Helvetica Light"/>
               </a:rPr>
               <a:t>Base Data</a:t>
             </a:r>
-            <a:endParaRPr lang="en-US" sz="1200" dirty="0">
-              <a:latin typeface="Helvetica Neue"/>
-              <a:cs typeface="Helvetica Neue"/>
+            <a:endParaRPr lang="en-US" sz="1500" dirty="0">
+              <a:latin typeface="Helvetica Light"/>
+              <a:cs typeface="Helvetica Light"/>
             </a:endParaRPr>
           </a:p>
         </p:txBody>
@@ -3651,9 +3638,9 @@
           <a:lstStyle/>
           <a:p>
             <a:pPr algn="ctr"/>
-            <a:endParaRPr lang="en-US" sz="1200" dirty="0">
-              <a:latin typeface="Helvetica Neue"/>
-              <a:cs typeface="Helvetica Neue"/>
+            <a:endParaRPr lang="en-US" sz="1500" dirty="0">
+              <a:latin typeface="Helvetica Light"/>
+              <a:cs typeface="Helvetica Light"/>
             </a:endParaRPr>
           </a:p>
         </p:txBody>
@@ -3667,7 +3654,7 @@
         <p:spPr>
           <a:xfrm>
             <a:off x="1406207" y="1295400"/>
-            <a:ext cx="646331" cy="369332"/>
+            <a:ext cx="558609" cy="323165"/>
           </a:xfrm>
           <a:prstGeom prst="rect">
             <a:avLst/>
@@ -3681,15 +3668,15 @@
           <a:lstStyle/>
           <a:p>
             <a:r>
-              <a:rPr lang="en-US" dirty="0" smtClean="0">
-                <a:latin typeface="Helvetica Neue"/>
-                <a:cs typeface="Helvetica Neue"/>
+              <a:rPr lang="en-US" sz="1500" dirty="0" smtClean="0">
+                <a:latin typeface="Helvetica Light"/>
+                <a:cs typeface="Helvetica Light"/>
               </a:rPr>
               <a:t>SVC</a:t>
             </a:r>
-            <a:endParaRPr lang="en-US" dirty="0">
-              <a:latin typeface="Helvetica Neue"/>
-              <a:cs typeface="Helvetica Neue"/>
+            <a:endParaRPr lang="en-US" sz="1500" dirty="0">
+              <a:latin typeface="Helvetica Light"/>
+              <a:cs typeface="Helvetica Light"/>
             </a:endParaRPr>
           </a:p>
         </p:txBody>
@@ -3818,12 +3805,12 @@
           <a:p>
             <a:pPr algn="ctr"/>
             <a:r>
-              <a:rPr lang="en-US" sz="1200" dirty="0" smtClean="0">
+              <a:rPr lang="en-US" sz="1500" dirty="0" smtClean="0">
                 <a:solidFill>
                   <a:schemeClr val="tx1"/>
                 </a:solidFill>
-                <a:latin typeface="Helvetica Neue"/>
-                <a:cs typeface="Helvetica Neue"/>
+                <a:latin typeface="Helvetica Light"/>
+                <a:cs typeface="Helvetica Light"/>
               </a:rPr>
               <a:t>Fresh</a:t>
             </a:r>
@@ -3831,12 +3818,12 @@
           <a:p>
             <a:pPr algn="ctr"/>
             <a:r>
-              <a:rPr lang="en-US" sz="1200" dirty="0" smtClean="0">
+              <a:rPr lang="en-US" sz="1500" dirty="0" smtClean="0">
                 <a:solidFill>
                   <a:schemeClr val="tx1"/>
                 </a:solidFill>
-                <a:latin typeface="Helvetica Neue"/>
-                <a:cs typeface="Helvetica Neue"/>
+                <a:latin typeface="Helvetica Light"/>
+                <a:cs typeface="Helvetica Light"/>
               </a:rPr>
               <a:t>Sample View</a:t>
             </a:r>
@@ -3851,8 +3838,8 @@
         </p:nvSpPr>
         <p:spPr>
           <a:xfrm>
-            <a:off x="3858371" y="2364938"/>
-            <a:ext cx="1635653" cy="461665"/>
+            <a:off x="3675161" y="2364938"/>
+            <a:ext cx="2002074" cy="553998"/>
           </a:xfrm>
           <a:prstGeom prst="rect">
             <a:avLst/>
@@ -3867,9 +3854,9 @@
           <a:p>
             <a:pPr algn="ctr"/>
             <a:r>
-              <a:rPr lang="en-US" sz="1200" dirty="0" smtClean="0">
-                <a:latin typeface="Helvetica Neue"/>
-                <a:cs typeface="Helvetica Neue"/>
+              <a:rPr lang="en-US" sz="1500" dirty="0" smtClean="0">
+                <a:latin typeface="Helvetica Light"/>
+                <a:cs typeface="Helvetica Light"/>
               </a:rPr>
               <a:t>Real-time Efficient </a:t>
             </a:r>
@@ -3877,15 +3864,15 @@
           <a:p>
             <a:pPr algn="ctr"/>
             <a:r>
-              <a:rPr lang="en-US" sz="1200" dirty="0" smtClean="0">
-                <a:latin typeface="Helvetica Neue"/>
-                <a:cs typeface="Helvetica Neue"/>
+              <a:rPr lang="en-US" sz="1500" dirty="0" smtClean="0">
+                <a:latin typeface="Helvetica Light"/>
+                <a:cs typeface="Helvetica Light"/>
               </a:rPr>
               <a:t>Sample Maintenance</a:t>
             </a:r>
-            <a:endParaRPr lang="en-US" sz="1200" dirty="0">
-              <a:latin typeface="Helvetica Neue"/>
-              <a:cs typeface="Helvetica Neue"/>
+            <a:endParaRPr lang="en-US" sz="1500" dirty="0">
+              <a:latin typeface="Helvetica Light"/>
+              <a:cs typeface="Helvetica Light"/>
             </a:endParaRPr>
           </a:p>
         </p:txBody>
@@ -3899,7 +3886,7 @@
         <p:spPr>
           <a:xfrm>
             <a:off x="3754425" y="578703"/>
-            <a:ext cx="598006" cy="276999"/>
+            <a:ext cx="710451" cy="323165"/>
           </a:xfrm>
           <a:prstGeom prst="rect">
             <a:avLst/>
@@ -3913,15 +3900,15 @@
           <a:lstStyle/>
           <a:p>
             <a:r>
-              <a:rPr lang="en-US" sz="1200" dirty="0" smtClean="0">
-                <a:latin typeface="Helvetica Neue"/>
-                <a:cs typeface="Helvetica Neue"/>
+              <a:rPr lang="en-US" sz="1500" dirty="0" smtClean="0">
+                <a:latin typeface="Helvetica Light"/>
+                <a:cs typeface="Helvetica Light"/>
               </a:rPr>
               <a:t>Query</a:t>
             </a:r>
-            <a:endParaRPr lang="en-US" sz="1200" dirty="0">
-              <a:latin typeface="Helvetica Neue"/>
-              <a:cs typeface="Helvetica Neue"/>
+            <a:endParaRPr lang="en-US" sz="1500" dirty="0">
+              <a:latin typeface="Helvetica Light"/>
+              <a:cs typeface="Helvetica Light"/>
             </a:endParaRPr>
           </a:p>
         </p:txBody>
@@ -3970,8 +3957,8 @@
         </p:nvSpPr>
         <p:spPr>
           <a:xfrm>
-            <a:off x="4742134" y="360402"/>
-            <a:ext cx="1062581" cy="646331"/>
+            <a:off x="4629658" y="360402"/>
+            <a:ext cx="1287532" cy="784830"/>
           </a:xfrm>
           <a:prstGeom prst="rect">
             <a:avLst/>
@@ -3986,9 +3973,9 @@
           <a:p>
             <a:pPr algn="ctr"/>
             <a:r>
-              <a:rPr lang="en-US" sz="1200" dirty="0" smtClean="0">
-                <a:latin typeface="Helvetica Neue"/>
-                <a:cs typeface="Helvetica Neue"/>
+              <a:rPr lang="en-US" sz="1500" dirty="0" smtClean="0">
+                <a:latin typeface="Helvetica Light"/>
+                <a:cs typeface="Helvetica Light"/>
               </a:rPr>
               <a:t>Fresh</a:t>
             </a:r>
@@ -3996,9 +3983,9 @@
           <a:p>
             <a:pPr algn="ctr"/>
             <a:r>
-              <a:rPr lang="en-US" sz="1200" dirty="0" smtClean="0">
-                <a:latin typeface="Helvetica Neue"/>
-                <a:cs typeface="Helvetica Neue"/>
+              <a:rPr lang="en-US" sz="1500" dirty="0" smtClean="0">
+                <a:latin typeface="Helvetica Light"/>
+                <a:cs typeface="Helvetica Light"/>
               </a:rPr>
               <a:t>Approximate </a:t>
             </a:r>
@@ -4006,15 +3993,15 @@
           <a:p>
             <a:pPr algn="ctr"/>
             <a:r>
-              <a:rPr lang="en-US" sz="1200" dirty="0" smtClean="0">
-                <a:latin typeface="Helvetica Neue"/>
-                <a:cs typeface="Helvetica Neue"/>
+              <a:rPr lang="en-US" sz="1500" dirty="0" smtClean="0">
+                <a:latin typeface="Helvetica Light"/>
+                <a:cs typeface="Helvetica Light"/>
               </a:rPr>
               <a:t>Result</a:t>
             </a:r>
-            <a:endParaRPr lang="en-US" sz="1200" dirty="0">
-              <a:latin typeface="Helvetica Neue"/>
-              <a:cs typeface="Helvetica Neue"/>
+            <a:endParaRPr lang="en-US" sz="1500" dirty="0">
+              <a:latin typeface="Helvetica Light"/>
+              <a:cs typeface="Helvetica Light"/>
             </a:endParaRPr>
           </a:p>
         </p:txBody>
@@ -4098,12 +4085,12 @@
           <a:p>
             <a:pPr algn="ctr"/>
             <a:r>
-              <a:rPr lang="en-US" sz="1200" dirty="0" smtClean="0">
+              <a:rPr lang="en-US" sz="1500" dirty="0" smtClean="0">
                 <a:solidFill>
                   <a:schemeClr val="tx1"/>
                 </a:solidFill>
-                <a:latin typeface="Helvetica Neue"/>
-                <a:cs typeface="Helvetica Neue"/>
+                <a:latin typeface="Helvetica Light"/>
+                <a:cs typeface="Helvetica Light"/>
               </a:rPr>
               <a:t>Outlier Index</a:t>
             </a:r>

--- a/figs/sys-arch.pptx
+++ b/figs/sys-arch.pptx
@@ -288,7 +288,7 @@
           <a:p>
             <a:fld id="{47660027-B21B-AE43-90FC-390727F2EBA0}" type="datetimeFigureOut">
               <a:rPr lang="en-US" smtClean="0"/>
-              <a:t>11/14/14</a:t>
+              <a:t>12/2/14</a:t>
             </a:fld>
             <a:endParaRPr lang="en-US"/>
           </a:p>
@@ -458,7 +458,7 @@
           <a:p>
             <a:fld id="{47660027-B21B-AE43-90FC-390727F2EBA0}" type="datetimeFigureOut">
               <a:rPr lang="en-US" smtClean="0"/>
-              <a:t>11/14/14</a:t>
+              <a:t>12/2/14</a:t>
             </a:fld>
             <a:endParaRPr lang="en-US"/>
           </a:p>
@@ -638,7 +638,7 @@
           <a:p>
             <a:fld id="{47660027-B21B-AE43-90FC-390727F2EBA0}" type="datetimeFigureOut">
               <a:rPr lang="en-US" smtClean="0"/>
-              <a:t>11/14/14</a:t>
+              <a:t>12/2/14</a:t>
             </a:fld>
             <a:endParaRPr lang="en-US"/>
           </a:p>
@@ -808,7 +808,7 @@
           <a:p>
             <a:fld id="{47660027-B21B-AE43-90FC-390727F2EBA0}" type="datetimeFigureOut">
               <a:rPr lang="en-US" smtClean="0"/>
-              <a:t>11/14/14</a:t>
+              <a:t>12/2/14</a:t>
             </a:fld>
             <a:endParaRPr lang="en-US"/>
           </a:p>
@@ -1054,7 +1054,7 @@
           <a:p>
             <a:fld id="{47660027-B21B-AE43-90FC-390727F2EBA0}" type="datetimeFigureOut">
               <a:rPr lang="en-US" smtClean="0"/>
-              <a:t>11/14/14</a:t>
+              <a:t>12/2/14</a:t>
             </a:fld>
             <a:endParaRPr lang="en-US"/>
           </a:p>
@@ -1342,7 +1342,7 @@
           <a:p>
             <a:fld id="{47660027-B21B-AE43-90FC-390727F2EBA0}" type="datetimeFigureOut">
               <a:rPr lang="en-US" smtClean="0"/>
-              <a:t>11/14/14</a:t>
+              <a:t>12/2/14</a:t>
             </a:fld>
             <a:endParaRPr lang="en-US"/>
           </a:p>
@@ -1764,7 +1764,7 @@
           <a:p>
             <a:fld id="{47660027-B21B-AE43-90FC-390727F2EBA0}" type="datetimeFigureOut">
               <a:rPr lang="en-US" smtClean="0"/>
-              <a:t>11/14/14</a:t>
+              <a:t>12/2/14</a:t>
             </a:fld>
             <a:endParaRPr lang="en-US"/>
           </a:p>
@@ -1882,7 +1882,7 @@
           <a:p>
             <a:fld id="{47660027-B21B-AE43-90FC-390727F2EBA0}" type="datetimeFigureOut">
               <a:rPr lang="en-US" smtClean="0"/>
-              <a:t>11/14/14</a:t>
+              <a:t>12/2/14</a:t>
             </a:fld>
             <a:endParaRPr lang="en-US"/>
           </a:p>
@@ -1977,7 +1977,7 @@
           <a:p>
             <a:fld id="{47660027-B21B-AE43-90FC-390727F2EBA0}" type="datetimeFigureOut">
               <a:rPr lang="en-US" smtClean="0"/>
-              <a:t>11/14/14</a:t>
+              <a:t>12/2/14</a:t>
             </a:fld>
             <a:endParaRPr lang="en-US"/>
           </a:p>
@@ -2254,7 +2254,7 @@
           <a:p>
             <a:fld id="{47660027-B21B-AE43-90FC-390727F2EBA0}" type="datetimeFigureOut">
               <a:rPr lang="en-US" smtClean="0"/>
-              <a:t>11/14/14</a:t>
+              <a:t>12/2/14</a:t>
             </a:fld>
             <a:endParaRPr lang="en-US"/>
           </a:p>
@@ -2507,7 +2507,7 @@
           <a:p>
             <a:fld id="{47660027-B21B-AE43-90FC-390727F2EBA0}" type="datetimeFigureOut">
               <a:rPr lang="en-US" smtClean="0"/>
-              <a:t>11/14/14</a:t>
+              <a:t>12/2/14</a:t>
             </a:fld>
             <a:endParaRPr lang="en-US"/>
           </a:p>
@@ -2720,7 +2720,7 @@
           <a:p>
             <a:fld id="{47660027-B21B-AE43-90FC-390727F2EBA0}" type="datetimeFigureOut">
               <a:rPr lang="en-US" smtClean="0"/>
-              <a:t>11/14/14</a:t>
+              <a:t>12/2/14</a:t>
             </a:fld>
             <a:endParaRPr lang="en-US"/>
           </a:p>
@@ -3957,7 +3957,7 @@
         </p:nvSpPr>
         <p:spPr>
           <a:xfrm>
-            <a:off x="4629658" y="360402"/>
+            <a:off x="4629658" y="105437"/>
             <a:ext cx="1287532" cy="784830"/>
           </a:xfrm>
           <a:prstGeom prst="rect">

--- a/figs/sys-arch.pptx
+++ b/figs/sys-arch.pptx
@@ -288,7 +288,7 @@
           <a:p>
             <a:fld id="{47660027-B21B-AE43-90FC-390727F2EBA0}" type="datetimeFigureOut">
               <a:rPr lang="en-US" smtClean="0"/>
-              <a:t>12/2/14</a:t>
+              <a:t>12/20/14</a:t>
             </a:fld>
             <a:endParaRPr lang="en-US"/>
           </a:p>
@@ -458,7 +458,7 @@
           <a:p>
             <a:fld id="{47660027-B21B-AE43-90FC-390727F2EBA0}" type="datetimeFigureOut">
               <a:rPr lang="en-US" smtClean="0"/>
-              <a:t>12/2/14</a:t>
+              <a:t>12/20/14</a:t>
             </a:fld>
             <a:endParaRPr lang="en-US"/>
           </a:p>
@@ -638,7 +638,7 @@
           <a:p>
             <a:fld id="{47660027-B21B-AE43-90FC-390727F2EBA0}" type="datetimeFigureOut">
               <a:rPr lang="en-US" smtClean="0"/>
-              <a:t>12/2/14</a:t>
+              <a:t>12/20/14</a:t>
             </a:fld>
             <a:endParaRPr lang="en-US"/>
           </a:p>
@@ -808,7 +808,7 @@
           <a:p>
             <a:fld id="{47660027-B21B-AE43-90FC-390727F2EBA0}" type="datetimeFigureOut">
               <a:rPr lang="en-US" smtClean="0"/>
-              <a:t>12/2/14</a:t>
+              <a:t>12/20/14</a:t>
             </a:fld>
             <a:endParaRPr lang="en-US"/>
           </a:p>
@@ -1054,7 +1054,7 @@
           <a:p>
             <a:fld id="{47660027-B21B-AE43-90FC-390727F2EBA0}" type="datetimeFigureOut">
               <a:rPr lang="en-US" smtClean="0"/>
-              <a:t>12/2/14</a:t>
+              <a:t>12/20/14</a:t>
             </a:fld>
             <a:endParaRPr lang="en-US"/>
           </a:p>
@@ -1342,7 +1342,7 @@
           <a:p>
             <a:fld id="{47660027-B21B-AE43-90FC-390727F2EBA0}" type="datetimeFigureOut">
               <a:rPr lang="en-US" smtClean="0"/>
-              <a:t>12/2/14</a:t>
+              <a:t>12/20/14</a:t>
             </a:fld>
             <a:endParaRPr lang="en-US"/>
           </a:p>
@@ -1764,7 +1764,7 @@
           <a:p>
             <a:fld id="{47660027-B21B-AE43-90FC-390727F2EBA0}" type="datetimeFigureOut">
               <a:rPr lang="en-US" smtClean="0"/>
-              <a:t>12/2/14</a:t>
+              <a:t>12/20/14</a:t>
             </a:fld>
             <a:endParaRPr lang="en-US"/>
           </a:p>
@@ -1882,7 +1882,7 @@
           <a:p>
             <a:fld id="{47660027-B21B-AE43-90FC-390727F2EBA0}" type="datetimeFigureOut">
               <a:rPr lang="en-US" smtClean="0"/>
-              <a:t>12/2/14</a:t>
+              <a:t>12/20/14</a:t>
             </a:fld>
             <a:endParaRPr lang="en-US"/>
           </a:p>
@@ -1977,7 +1977,7 @@
           <a:p>
             <a:fld id="{47660027-B21B-AE43-90FC-390727F2EBA0}" type="datetimeFigureOut">
               <a:rPr lang="en-US" smtClean="0"/>
-              <a:t>12/2/14</a:t>
+              <a:t>12/20/14</a:t>
             </a:fld>
             <a:endParaRPr lang="en-US"/>
           </a:p>
@@ -2254,7 +2254,7 @@
           <a:p>
             <a:fld id="{47660027-B21B-AE43-90FC-390727F2EBA0}" type="datetimeFigureOut">
               <a:rPr lang="en-US" smtClean="0"/>
-              <a:t>12/2/14</a:t>
+              <a:t>12/20/14</a:t>
             </a:fld>
             <a:endParaRPr lang="en-US"/>
           </a:p>
@@ -2507,7 +2507,7 @@
           <a:p>
             <a:fld id="{47660027-B21B-AE43-90FC-390727F2EBA0}" type="datetimeFigureOut">
               <a:rPr lang="en-US" smtClean="0"/>
-              <a:t>12/2/14</a:t>
+              <a:t>12/20/14</a:t>
             </a:fld>
             <a:endParaRPr lang="en-US"/>
           </a:p>
@@ -2720,7 +2720,7 @@
           <a:p>
             <a:fld id="{47660027-B21B-AE43-90FC-390727F2EBA0}" type="datetimeFigureOut">
               <a:rPr lang="en-US" smtClean="0"/>
-              <a:t>12/2/14</a:t>
+              <a:t>12/20/14</a:t>
             </a:fld>
             <a:endParaRPr lang="en-US"/>
           </a:p>
@@ -3095,1008 +3095,1047 @@
           <a:chExt cx="0" cy="0"/>
         </a:xfrm>
       </p:grpSpPr>
-      <p:sp>
-        <p:nvSpPr>
-          <p:cNvPr id="5" name="Rectangle 4"/>
-          <p:cNvSpPr/>
+      <p:grpSp>
+        <p:nvGrpSpPr>
+          <p:cNvPr id="2" name="Group 1"/>
+          <p:cNvGrpSpPr/>
           <p:nvPr/>
-        </p:nvSpPr>
-        <p:spPr>
+        </p:nvGrpSpPr>
+        <p:grpSpPr>
           <a:xfrm>
-            <a:off x="1257300" y="3606800"/>
-            <a:ext cx="1282700" cy="1498600"/>
+            <a:off x="1257300" y="-41136"/>
+            <a:ext cx="6807200" cy="6773169"/>
+            <a:chOff x="1257300" y="-41136"/>
+            <a:chExt cx="6807200" cy="6773169"/>
           </a:xfrm>
-          <a:prstGeom prst="rect">
-            <a:avLst/>
-          </a:prstGeom>
-          <a:solidFill>
-            <a:schemeClr val="bg1"/>
-          </a:solidFill>
-          <a:ln w="34925">
+        </p:grpSpPr>
+        <p:sp>
+          <p:nvSpPr>
+            <p:cNvPr id="5" name="Rectangle 4"/>
+            <p:cNvSpPr/>
+            <p:nvPr/>
+          </p:nvSpPr>
+          <p:spPr>
+            <a:xfrm>
+              <a:off x="1257300" y="3606800"/>
+              <a:ext cx="1282700" cy="1498600"/>
+            </a:xfrm>
+            <a:prstGeom prst="rect">
+              <a:avLst/>
+            </a:prstGeom>
             <a:solidFill>
-              <a:schemeClr val="tx1"/>
+              <a:schemeClr val="bg1"/>
             </a:solidFill>
-          </a:ln>
-        </p:spPr>
-        <p:style>
-          <a:lnRef idx="1">
-            <a:schemeClr val="accent1"/>
-          </a:lnRef>
-          <a:fillRef idx="3">
-            <a:schemeClr val="accent1"/>
-          </a:fillRef>
-          <a:effectRef idx="2">
-            <a:schemeClr val="accent1"/>
-          </a:effectRef>
-          <a:fontRef idx="minor">
-            <a:schemeClr val="lt1"/>
-          </a:fontRef>
-        </p:style>
-        <p:txBody>
-          <a:bodyPr rtlCol="0" anchor="ctr"/>
-          <a:lstStyle/>
-          <a:p>
-            <a:pPr algn="ctr"/>
-            <a:r>
-              <a:rPr lang="en-US" sz="1500" dirty="0" smtClean="0">
+            <a:ln w="34925">
+              <a:solidFill>
+                <a:schemeClr val="tx1"/>
+              </a:solidFill>
+            </a:ln>
+          </p:spPr>
+          <p:style>
+            <a:lnRef idx="1">
+              <a:schemeClr val="accent1"/>
+            </a:lnRef>
+            <a:fillRef idx="3">
+              <a:schemeClr val="accent1"/>
+            </a:fillRef>
+            <a:effectRef idx="2">
+              <a:schemeClr val="accent1"/>
+            </a:effectRef>
+            <a:fontRef idx="minor">
+              <a:schemeClr val="lt1"/>
+            </a:fontRef>
+          </p:style>
+          <p:txBody>
+            <a:bodyPr rtlCol="0" anchor="ctr"/>
+            <a:lstStyle/>
+            <a:p>
+              <a:pPr algn="ctr"/>
+              <a:r>
+                <a:rPr lang="en-US" sz="2100" b="1" dirty="0" smtClean="0">
+                  <a:solidFill>
+                    <a:schemeClr val="tx1"/>
+                  </a:solidFill>
+                  <a:latin typeface="Lucida Grande"/>
+                  <a:cs typeface="Lucida Grande"/>
+                </a:rPr>
+                <a:t>Stale View</a:t>
+              </a:r>
+            </a:p>
+            <a:p>
+              <a:pPr algn="ctr"/>
+              <a:endParaRPr lang="en-US" sz="2100" b="1" dirty="0">
                 <a:solidFill>
                   <a:schemeClr val="tx1"/>
                 </a:solidFill>
-                <a:latin typeface="Helvetica Light"/>
-                <a:cs typeface="Helvetica Light"/>
-              </a:rPr>
-              <a:t>Stale View</a:t>
-            </a:r>
-          </a:p>
-          <a:p>
-            <a:pPr algn="ctr"/>
-            <a:endParaRPr lang="en-US" sz="1500" dirty="0">
+                <a:latin typeface="Lucida Grande"/>
+                <a:cs typeface="Lucida Grande"/>
+              </a:endParaRPr>
+            </a:p>
+          </p:txBody>
+        </p:sp>
+        <p:sp>
+          <p:nvSpPr>
+            <p:cNvPr id="6" name="Rectangle 5"/>
+            <p:cNvSpPr/>
+            <p:nvPr/>
+          </p:nvSpPr>
+          <p:spPr>
+            <a:xfrm>
+              <a:off x="6781800" y="3606800"/>
+              <a:ext cx="1282700" cy="1498600"/>
+            </a:xfrm>
+            <a:prstGeom prst="rect">
+              <a:avLst/>
+            </a:prstGeom>
+            <a:solidFill>
+              <a:schemeClr val="bg1"/>
+            </a:solidFill>
+            <a:ln w="34925">
               <a:solidFill>
                 <a:schemeClr val="tx1"/>
               </a:solidFill>
-              <a:latin typeface="Helvetica Light"/>
-              <a:cs typeface="Helvetica Light"/>
-            </a:endParaRPr>
-          </a:p>
-        </p:txBody>
-      </p:sp>
-      <p:sp>
-        <p:nvSpPr>
-          <p:cNvPr id="6" name="Rectangle 5"/>
-          <p:cNvSpPr/>
-          <p:nvPr/>
-        </p:nvSpPr>
-        <p:spPr>
-          <a:xfrm>
-            <a:off x="6781800" y="3606800"/>
-            <a:ext cx="1282700" cy="1498600"/>
-          </a:xfrm>
-          <a:prstGeom prst="rect">
-            <a:avLst/>
-          </a:prstGeom>
-          <a:solidFill>
-            <a:schemeClr val="bg1"/>
-          </a:solidFill>
-          <a:ln w="34925">
-            <a:solidFill>
-              <a:schemeClr val="tx1"/>
-            </a:solidFill>
-          </a:ln>
-        </p:spPr>
-        <p:style>
-          <a:lnRef idx="1">
-            <a:schemeClr val="accent1"/>
-          </a:lnRef>
-          <a:fillRef idx="3">
-            <a:schemeClr val="accent1"/>
-          </a:fillRef>
-          <a:effectRef idx="2">
-            <a:schemeClr val="accent1"/>
-          </a:effectRef>
-          <a:fontRef idx="minor">
-            <a:schemeClr val="lt1"/>
-          </a:fontRef>
-        </p:style>
-        <p:txBody>
-          <a:bodyPr rtlCol="0" anchor="ctr"/>
-          <a:lstStyle/>
-          <a:p>
-            <a:pPr algn="ctr"/>
-            <a:r>
-              <a:rPr lang="en-US" sz="1500" dirty="0" smtClean="0">
+            </a:ln>
+          </p:spPr>
+          <p:style>
+            <a:lnRef idx="1">
+              <a:schemeClr val="accent1"/>
+            </a:lnRef>
+            <a:fillRef idx="3">
+              <a:schemeClr val="accent1"/>
+            </a:fillRef>
+            <a:effectRef idx="2">
+              <a:schemeClr val="accent1"/>
+            </a:effectRef>
+            <a:fontRef idx="minor">
+              <a:schemeClr val="lt1"/>
+            </a:fontRef>
+          </p:style>
+          <p:txBody>
+            <a:bodyPr rtlCol="0" anchor="ctr"/>
+            <a:lstStyle/>
+            <a:p>
+              <a:pPr algn="ctr"/>
+              <a:r>
+                <a:rPr lang="en-US" sz="2100" b="1" dirty="0" smtClean="0">
+                  <a:solidFill>
+                    <a:schemeClr val="tx1"/>
+                  </a:solidFill>
+                  <a:latin typeface="Lucida Grande"/>
+                  <a:cs typeface="Lucida Grande"/>
+                </a:rPr>
+                <a:t>Fresh View</a:t>
+              </a:r>
+            </a:p>
+            <a:p>
+              <a:pPr algn="ctr"/>
+              <a:endParaRPr lang="en-US" sz="2100" b="1" dirty="0">
                 <a:solidFill>
                   <a:schemeClr val="tx1"/>
                 </a:solidFill>
-                <a:latin typeface="Helvetica Light"/>
-                <a:cs typeface="Helvetica Light"/>
-              </a:rPr>
-              <a:t>Fresh View</a:t>
-            </a:r>
-          </a:p>
-          <a:p>
-            <a:pPr algn="ctr"/>
-            <a:endParaRPr lang="en-US" sz="1500" dirty="0">
+                <a:latin typeface="Lucida Grande"/>
+                <a:cs typeface="Lucida Grande"/>
+              </a:endParaRPr>
+            </a:p>
+          </p:txBody>
+        </p:sp>
+        <p:cxnSp>
+          <p:nvCxnSpPr>
+            <p:cNvPr id="8" name="Straight Arrow Connector 7"/>
+            <p:cNvCxnSpPr>
+              <a:stCxn id="5" idx="3"/>
+              <a:endCxn id="6" idx="1"/>
+            </p:cNvCxnSpPr>
+            <p:nvPr/>
+          </p:nvCxnSpPr>
+          <p:spPr>
+            <a:xfrm>
+              <a:off x="2540000" y="4356100"/>
+              <a:ext cx="4241800" cy="0"/>
+            </a:xfrm>
+            <a:prstGeom prst="straightConnector1">
+              <a:avLst/>
+            </a:prstGeom>
+            <a:ln w="50800">
               <a:solidFill>
                 <a:schemeClr val="tx1"/>
               </a:solidFill>
-              <a:latin typeface="Helvetica Light"/>
-              <a:cs typeface="Helvetica Light"/>
-            </a:endParaRPr>
-          </a:p>
-        </p:txBody>
-      </p:sp>
-      <p:cxnSp>
-        <p:nvCxnSpPr>
-          <p:cNvPr id="8" name="Straight Arrow Connector 7"/>
-          <p:cNvCxnSpPr>
-            <a:stCxn id="5" idx="3"/>
-            <a:endCxn id="6" idx="1"/>
-          </p:cNvCxnSpPr>
-          <p:nvPr/>
-        </p:nvCxnSpPr>
-        <p:spPr>
-          <a:xfrm>
-            <a:off x="2540000" y="4356100"/>
-            <a:ext cx="4241800" cy="0"/>
-          </a:xfrm>
-          <a:prstGeom prst="straightConnector1">
-            <a:avLst/>
-          </a:prstGeom>
-          <a:ln w="50800">
+              <a:tailEnd type="triangle"/>
+            </a:ln>
+          </p:spPr>
+          <p:style>
+            <a:lnRef idx="2">
+              <a:schemeClr val="accent1"/>
+            </a:lnRef>
+            <a:fillRef idx="0">
+              <a:schemeClr val="accent1"/>
+            </a:fillRef>
+            <a:effectRef idx="1">
+              <a:schemeClr val="accent1"/>
+            </a:effectRef>
+            <a:fontRef idx="minor">
+              <a:schemeClr val="tx1"/>
+            </a:fontRef>
+          </p:style>
+        </p:cxnSp>
+        <p:pic>
+          <p:nvPicPr>
+            <p:cNvPr id="10" name="Picture 9"/>
+            <p:cNvPicPr>
+              <a:picLocks noChangeAspect="1"/>
+            </p:cNvPicPr>
+            <p:nvPr/>
+          </p:nvPicPr>
+          <p:blipFill>
+            <a:blip r:embed="rId2"/>
+            <a:stretch>
+              <a:fillRect/>
+            </a:stretch>
+          </p:blipFill>
+          <p:spPr>
+            <a:xfrm>
+              <a:off x="4305300" y="3526564"/>
+              <a:ext cx="740636" cy="740636"/>
+            </a:xfrm>
+            <a:prstGeom prst="rect">
+              <a:avLst/>
+            </a:prstGeom>
+          </p:spPr>
+        </p:pic>
+        <p:sp>
+          <p:nvSpPr>
+            <p:cNvPr id="11" name="TextBox 10"/>
+            <p:cNvSpPr txBox="1"/>
+            <p:nvPr/>
+          </p:nvSpPr>
+          <p:spPr>
+            <a:xfrm>
+              <a:off x="3131477" y="4406900"/>
+              <a:ext cx="3135049" cy="738664"/>
+            </a:xfrm>
+            <a:prstGeom prst="rect">
+              <a:avLst/>
+            </a:prstGeom>
+            <a:noFill/>
+          </p:spPr>
+          <p:txBody>
+            <a:bodyPr wrap="none" rtlCol="0">
+              <a:spAutoFit/>
+            </a:bodyPr>
+            <a:lstStyle/>
+            <a:p>
+              <a:pPr algn="ctr"/>
+              <a:r>
+                <a:rPr lang="en-US" sz="2100" b="1" dirty="0" smtClean="0">
+                  <a:latin typeface="Lucida Grande"/>
+                  <a:cs typeface="Lucida Grande"/>
+                </a:rPr>
+                <a:t>Background</a:t>
+              </a:r>
+            </a:p>
+            <a:p>
+              <a:pPr algn="ctr"/>
+              <a:r>
+                <a:rPr lang="en-US" sz="2100" b="1" dirty="0" smtClean="0">
+                  <a:latin typeface="Lucida Grande"/>
+                  <a:cs typeface="Lucida Grande"/>
+                </a:rPr>
+                <a:t>Periodic Maintenance</a:t>
+              </a:r>
+              <a:endParaRPr lang="en-US" sz="2100" b="1" dirty="0">
+                <a:latin typeface="Lucida Grande"/>
+                <a:cs typeface="Lucida Grande"/>
+              </a:endParaRPr>
+            </a:p>
+          </p:txBody>
+        </p:sp>
+        <p:sp>
+          <p:nvSpPr>
+            <p:cNvPr id="15" name="Can 14"/>
+            <p:cNvSpPr/>
+            <p:nvPr/>
+          </p:nvSpPr>
+          <p:spPr>
+            <a:xfrm>
+              <a:off x="4374685" y="5677932"/>
+              <a:ext cx="601770" cy="800354"/>
+            </a:xfrm>
+            <a:prstGeom prst="can">
+              <a:avLst/>
+            </a:prstGeom>
             <a:solidFill>
+              <a:schemeClr val="bg1"/>
+            </a:solidFill>
+            <a:ln>
+              <a:solidFill>
+                <a:schemeClr val="tx1"/>
+              </a:solidFill>
+            </a:ln>
+          </p:spPr>
+          <p:style>
+            <a:lnRef idx="1">
+              <a:schemeClr val="accent1"/>
+            </a:lnRef>
+            <a:fillRef idx="3">
+              <a:schemeClr val="accent1"/>
+            </a:fillRef>
+            <a:effectRef idx="2">
+              <a:schemeClr val="accent1"/>
+            </a:effectRef>
+            <a:fontRef idx="minor">
+              <a:schemeClr val="lt1"/>
+            </a:fontRef>
+          </p:style>
+          <p:txBody>
+            <a:bodyPr rtlCol="0" anchor="ctr"/>
+            <a:lstStyle/>
+            <a:p>
+              <a:pPr algn="ctr"/>
+              <a:endParaRPr lang="en-US" sz="2100" b="1">
+                <a:latin typeface="Lucida Grande"/>
+                <a:cs typeface="Lucida Grande"/>
+              </a:endParaRPr>
+            </a:p>
+          </p:txBody>
+        </p:sp>
+        <p:sp>
+          <p:nvSpPr>
+            <p:cNvPr id="16" name="Can 15"/>
+            <p:cNvSpPr/>
+            <p:nvPr/>
+          </p:nvSpPr>
+          <p:spPr>
+            <a:xfrm>
+              <a:off x="3972199" y="5830332"/>
+              <a:ext cx="677971" cy="901701"/>
+            </a:xfrm>
+            <a:prstGeom prst="can">
+              <a:avLst/>
+            </a:prstGeom>
+            <a:solidFill>
+              <a:schemeClr val="bg1"/>
+            </a:solidFill>
+            <a:ln>
+              <a:solidFill>
+                <a:schemeClr val="tx1"/>
+              </a:solidFill>
+            </a:ln>
+          </p:spPr>
+          <p:style>
+            <a:lnRef idx="1">
+              <a:schemeClr val="accent1"/>
+            </a:lnRef>
+            <a:fillRef idx="3">
+              <a:schemeClr val="accent1"/>
+            </a:fillRef>
+            <a:effectRef idx="2">
+              <a:schemeClr val="accent1"/>
+            </a:effectRef>
+            <a:fontRef idx="minor">
+              <a:schemeClr val="lt1"/>
+            </a:fontRef>
+          </p:style>
+          <p:txBody>
+            <a:bodyPr rtlCol="0" anchor="ctr"/>
+            <a:lstStyle/>
+            <a:p>
+              <a:pPr algn="ctr"/>
+              <a:endParaRPr lang="en-US" sz="2100" b="1">
+                <a:latin typeface="Lucida Grande"/>
+                <a:cs typeface="Lucida Grande"/>
+              </a:endParaRPr>
+            </a:p>
+          </p:txBody>
+        </p:sp>
+        <p:sp>
+          <p:nvSpPr>
+            <p:cNvPr id="17" name="Can 16"/>
+            <p:cNvSpPr/>
+            <p:nvPr/>
+          </p:nvSpPr>
+          <p:spPr>
+            <a:xfrm>
+              <a:off x="4650170" y="5830333"/>
+              <a:ext cx="677970" cy="901700"/>
+            </a:xfrm>
+            <a:prstGeom prst="can">
+              <a:avLst/>
+            </a:prstGeom>
+            <a:solidFill>
+              <a:schemeClr val="bg1"/>
+            </a:solidFill>
+            <a:ln>
+              <a:solidFill>
+                <a:schemeClr val="tx1"/>
+              </a:solidFill>
+            </a:ln>
+          </p:spPr>
+          <p:style>
+            <a:lnRef idx="1">
+              <a:schemeClr val="accent1"/>
+            </a:lnRef>
+            <a:fillRef idx="3">
+              <a:schemeClr val="accent1"/>
+            </a:fillRef>
+            <a:effectRef idx="2">
+              <a:schemeClr val="accent1"/>
+            </a:effectRef>
+            <a:fontRef idx="minor">
+              <a:schemeClr val="lt1"/>
+            </a:fontRef>
+          </p:style>
+          <p:txBody>
+            <a:bodyPr rtlCol="0" anchor="ctr"/>
+            <a:lstStyle/>
+            <a:p>
+              <a:pPr algn="ctr"/>
+              <a:endParaRPr lang="en-US" sz="2100" b="1">
+                <a:latin typeface="Lucida Grande"/>
+                <a:cs typeface="Lucida Grande"/>
+              </a:endParaRPr>
+            </a:p>
+          </p:txBody>
+        </p:sp>
+        <p:sp>
+          <p:nvSpPr>
+            <p:cNvPr id="18" name="TextBox 17"/>
+            <p:cNvSpPr txBox="1"/>
+            <p:nvPr/>
+          </p:nvSpPr>
+          <p:spPr>
+            <a:xfrm>
+              <a:off x="3880767" y="6316535"/>
+              <a:ext cx="1550781" cy="415498"/>
+            </a:xfrm>
+            <a:prstGeom prst="rect">
+              <a:avLst/>
+            </a:prstGeom>
+            <a:solidFill>
+              <a:schemeClr val="bg1"/>
+            </a:solidFill>
+            <a:ln w="60325">
+              <a:solidFill>
+                <a:schemeClr val="tx1"/>
+              </a:solidFill>
+            </a:ln>
+          </p:spPr>
+          <p:txBody>
+            <a:bodyPr wrap="none" rtlCol="0">
+              <a:spAutoFit/>
+            </a:bodyPr>
+            <a:lstStyle/>
+            <a:p>
+              <a:r>
+                <a:rPr lang="en-US" sz="2100" b="1" dirty="0" smtClean="0">
+                  <a:latin typeface="Lucida Grande"/>
+                  <a:cs typeface="Lucida Grande"/>
+                </a:rPr>
+                <a:t>Base Data</a:t>
+              </a:r>
+              <a:endParaRPr lang="en-US" sz="2100" b="1" dirty="0">
+                <a:latin typeface="Lucida Grande"/>
+                <a:cs typeface="Lucida Grande"/>
+              </a:endParaRPr>
+            </a:p>
+          </p:txBody>
+        </p:sp>
+        <p:cxnSp>
+          <p:nvCxnSpPr>
+            <p:cNvPr id="20" name="Straight Arrow Connector 19"/>
+            <p:cNvCxnSpPr/>
+            <p:nvPr/>
+          </p:nvCxnSpPr>
+          <p:spPr>
+            <a:xfrm flipH="1" flipV="1">
+              <a:off x="1898650" y="5308600"/>
+              <a:ext cx="2073550" cy="724934"/>
+            </a:xfrm>
+            <a:prstGeom prst="straightConnector1">
+              <a:avLst/>
+            </a:prstGeom>
+            <a:ln w="50800">
+              <a:solidFill>
+                <a:schemeClr val="tx1"/>
+              </a:solidFill>
+              <a:prstDash val="sysDash"/>
+              <a:tailEnd type="arrow"/>
+            </a:ln>
+          </p:spPr>
+          <p:style>
+            <a:lnRef idx="2">
+              <a:schemeClr val="accent1"/>
+            </a:lnRef>
+            <a:fillRef idx="0">
+              <a:schemeClr val="accent1"/>
+            </a:fillRef>
+            <a:effectRef idx="1">
+              <a:schemeClr val="accent1"/>
+            </a:effectRef>
+            <a:fontRef idx="minor">
               <a:schemeClr val="tx1"/>
+            </a:fontRef>
+          </p:style>
+        </p:cxnSp>
+        <p:cxnSp>
+          <p:nvCxnSpPr>
+            <p:cNvPr id="21" name="Straight Arrow Connector 20"/>
+            <p:cNvCxnSpPr/>
+            <p:nvPr/>
+          </p:nvCxnSpPr>
+          <p:spPr>
+            <a:xfrm flipV="1">
+              <a:off x="5328140" y="5308600"/>
+              <a:ext cx="2095010" cy="724934"/>
+            </a:xfrm>
+            <a:prstGeom prst="straightConnector1">
+              <a:avLst/>
+            </a:prstGeom>
+            <a:ln w="50800">
+              <a:solidFill>
+                <a:schemeClr val="tx1"/>
+              </a:solidFill>
+              <a:prstDash val="sysDash"/>
+              <a:tailEnd type="arrow"/>
+            </a:ln>
+          </p:spPr>
+          <p:style>
+            <a:lnRef idx="2">
+              <a:schemeClr val="accent1"/>
+            </a:lnRef>
+            <a:fillRef idx="0">
+              <a:schemeClr val="accent1"/>
+            </a:fillRef>
+            <a:effectRef idx="1">
+              <a:schemeClr val="accent1"/>
+            </a:effectRef>
+            <a:fontRef idx="minor">
+              <a:schemeClr val="tx1"/>
+            </a:fontRef>
+          </p:style>
+        </p:cxnSp>
+        <p:sp>
+          <p:nvSpPr>
+            <p:cNvPr id="24" name="Rounded Rectangle 23"/>
+            <p:cNvSpPr/>
+            <p:nvPr/>
+          </p:nvSpPr>
+          <p:spPr>
+            <a:xfrm>
+              <a:off x="1257300" y="1244600"/>
+              <a:ext cx="6807200" cy="1930400"/>
+            </a:xfrm>
+            <a:prstGeom prst="roundRect">
+              <a:avLst/>
+            </a:prstGeom>
+            <a:solidFill>
+              <a:schemeClr val="bg1"/>
             </a:solidFill>
-            <a:tailEnd type="triangle"/>
-          </a:ln>
-        </p:spPr>
-        <p:style>
-          <a:lnRef idx="2">
-            <a:schemeClr val="accent1"/>
-          </a:lnRef>
-          <a:fillRef idx="0">
-            <a:schemeClr val="accent1"/>
-          </a:fillRef>
-          <a:effectRef idx="1">
-            <a:schemeClr val="accent1"/>
-          </a:effectRef>
-          <a:fontRef idx="minor">
-            <a:schemeClr val="tx1"/>
-          </a:fontRef>
-        </p:style>
-      </p:cxnSp>
-      <p:pic>
-        <p:nvPicPr>
-          <p:cNvPr id="10" name="Picture 9"/>
-          <p:cNvPicPr>
-            <a:picLocks noChangeAspect="1"/>
-          </p:cNvPicPr>
-          <p:nvPr/>
-        </p:nvPicPr>
-        <p:blipFill>
-          <a:blip r:embed="rId2"/>
-          <a:stretch>
-            <a:fillRect/>
-          </a:stretch>
-        </p:blipFill>
-        <p:spPr>
-          <a:xfrm>
-            <a:off x="4305300" y="3526564"/>
-            <a:ext cx="740636" cy="740636"/>
-          </a:xfrm>
-          <a:prstGeom prst="rect">
-            <a:avLst/>
-          </a:prstGeom>
-        </p:spPr>
-      </p:pic>
-      <p:sp>
-        <p:nvSpPr>
-          <p:cNvPr id="11" name="TextBox 10"/>
-          <p:cNvSpPr txBox="1"/>
-          <p:nvPr/>
-        </p:nvSpPr>
-        <p:spPr>
-          <a:xfrm>
-            <a:off x="3670515" y="4406900"/>
-            <a:ext cx="2056973" cy="553998"/>
-          </a:xfrm>
-          <a:prstGeom prst="rect">
-            <a:avLst/>
-          </a:prstGeom>
-          <a:noFill/>
-        </p:spPr>
-        <p:txBody>
-          <a:bodyPr wrap="none" rtlCol="0">
-            <a:spAutoFit/>
-          </a:bodyPr>
-          <a:lstStyle/>
-          <a:p>
-            <a:pPr algn="ctr"/>
-            <a:r>
-              <a:rPr lang="en-US" sz="1500" dirty="0" smtClean="0">
-                <a:latin typeface="Helvetica Light"/>
-                <a:cs typeface="Helvetica Light"/>
-              </a:rPr>
-              <a:t>Background</a:t>
-            </a:r>
-          </a:p>
-          <a:p>
-            <a:pPr algn="ctr"/>
-            <a:r>
-              <a:rPr lang="en-US" sz="1500" dirty="0" smtClean="0">
-                <a:latin typeface="Helvetica Light"/>
-                <a:cs typeface="Helvetica Light"/>
-              </a:rPr>
-              <a:t>Periodic Maintenance</a:t>
-            </a:r>
-            <a:endParaRPr lang="en-US" sz="1500" dirty="0">
-              <a:latin typeface="Helvetica Light"/>
-              <a:cs typeface="Helvetica Light"/>
-            </a:endParaRPr>
-          </a:p>
-        </p:txBody>
-      </p:sp>
-      <p:sp>
-        <p:nvSpPr>
-          <p:cNvPr id="15" name="Can 14"/>
-          <p:cNvSpPr/>
-          <p:nvPr/>
-        </p:nvSpPr>
-        <p:spPr>
-          <a:xfrm>
-            <a:off x="4374685" y="5677932"/>
-            <a:ext cx="601770" cy="800354"/>
-          </a:xfrm>
-          <a:prstGeom prst="can">
-            <a:avLst/>
-          </a:prstGeom>
-          <a:solidFill>
-            <a:schemeClr val="bg1"/>
-          </a:solidFill>
-          <a:ln>
+            <a:ln w="47625">
+              <a:solidFill>
+                <a:schemeClr val="tx1"/>
+              </a:solidFill>
+            </a:ln>
+          </p:spPr>
+          <p:style>
+            <a:lnRef idx="1">
+              <a:schemeClr val="accent1"/>
+            </a:lnRef>
+            <a:fillRef idx="3">
+              <a:schemeClr val="accent1"/>
+            </a:fillRef>
+            <a:effectRef idx="2">
+              <a:schemeClr val="accent1"/>
+            </a:effectRef>
+            <a:fontRef idx="minor">
+              <a:schemeClr val="lt1"/>
+            </a:fontRef>
+          </p:style>
+          <p:txBody>
+            <a:bodyPr rtlCol="0" anchor="ctr"/>
+            <a:lstStyle/>
+            <a:p>
+              <a:pPr algn="ctr"/>
+              <a:endParaRPr lang="en-US" sz="2100" b="1" dirty="0">
+                <a:latin typeface="Lucida Grande"/>
+                <a:cs typeface="Lucida Grande"/>
+              </a:endParaRPr>
+            </a:p>
+          </p:txBody>
+        </p:sp>
+        <p:sp>
+          <p:nvSpPr>
+            <p:cNvPr id="25" name="TextBox 24"/>
+            <p:cNvSpPr txBox="1"/>
+            <p:nvPr/>
+          </p:nvSpPr>
+          <p:spPr>
+            <a:xfrm>
+              <a:off x="1406207" y="1295400"/>
+              <a:ext cx="718541" cy="415498"/>
+            </a:xfrm>
+            <a:prstGeom prst="rect">
+              <a:avLst/>
+            </a:prstGeom>
+            <a:noFill/>
+          </p:spPr>
+          <p:txBody>
+            <a:bodyPr wrap="none" rtlCol="0">
+              <a:spAutoFit/>
+            </a:bodyPr>
+            <a:lstStyle/>
+            <a:p>
+              <a:r>
+                <a:rPr lang="en-US" sz="2100" b="1" dirty="0" smtClean="0">
+                  <a:latin typeface="Lucida Grande"/>
+                  <a:cs typeface="Lucida Grande"/>
+                </a:rPr>
+                <a:t>SVC</a:t>
+              </a:r>
+              <a:endParaRPr lang="en-US" sz="2100" b="1" dirty="0">
+                <a:latin typeface="Lucida Grande"/>
+                <a:cs typeface="Lucida Grande"/>
+              </a:endParaRPr>
+            </a:p>
+          </p:txBody>
+        </p:sp>
+        <p:cxnSp>
+          <p:nvCxnSpPr>
+            <p:cNvPr id="40" name="Straight Arrow Connector 39"/>
+            <p:cNvCxnSpPr>
+              <a:stCxn id="24" idx="1"/>
+              <a:endCxn id="24" idx="3"/>
+            </p:cNvCxnSpPr>
+            <p:nvPr/>
+          </p:nvCxnSpPr>
+          <p:spPr>
+            <a:xfrm>
+              <a:off x="1257300" y="2209800"/>
+              <a:ext cx="6807200" cy="0"/>
+            </a:xfrm>
+            <a:prstGeom prst="straightConnector1">
+              <a:avLst/>
+            </a:prstGeom>
+            <a:ln w="50800">
+              <a:solidFill>
+                <a:schemeClr val="tx1"/>
+              </a:solidFill>
+              <a:tailEnd type="arrow"/>
+            </a:ln>
+          </p:spPr>
+          <p:style>
+            <a:lnRef idx="2">
+              <a:schemeClr val="accent1"/>
+            </a:lnRef>
+            <a:fillRef idx="0">
+              <a:schemeClr val="accent1"/>
+            </a:fillRef>
+            <a:effectRef idx="1">
+              <a:schemeClr val="accent1"/>
+            </a:effectRef>
+            <a:fontRef idx="minor">
+              <a:schemeClr val="tx1"/>
+            </a:fontRef>
+          </p:style>
+        </p:cxnSp>
+        <p:cxnSp>
+          <p:nvCxnSpPr>
+            <p:cNvPr id="31" name="Elbow Connector 30"/>
+            <p:cNvCxnSpPr>
+              <a:stCxn id="16" idx="2"/>
+              <a:endCxn id="24" idx="1"/>
+            </p:cNvCxnSpPr>
+            <p:nvPr/>
+          </p:nvCxnSpPr>
+          <p:spPr>
+            <a:xfrm rot="10800000">
+              <a:off x="1257301" y="2209801"/>
+              <a:ext cx="2714899" cy="4071383"/>
+            </a:xfrm>
+            <a:prstGeom prst="bentConnector3">
+              <a:avLst>
+                <a:gd name="adj1" fmla="val 119627"/>
+              </a:avLst>
+            </a:prstGeom>
+            <a:ln w="50800">
+              <a:solidFill>
+                <a:schemeClr val="tx1"/>
+              </a:solidFill>
+              <a:prstDash val="sysDash"/>
+              <a:tailEnd type="arrow"/>
+            </a:ln>
+          </p:spPr>
+          <p:style>
+            <a:lnRef idx="2">
+              <a:schemeClr val="accent1"/>
+            </a:lnRef>
+            <a:fillRef idx="0">
+              <a:schemeClr val="accent1"/>
+            </a:fillRef>
+            <a:effectRef idx="1">
+              <a:schemeClr val="accent1"/>
+            </a:effectRef>
+            <a:fontRef idx="minor">
+              <a:schemeClr val="tx1"/>
+            </a:fontRef>
+          </p:style>
+        </p:cxnSp>
+        <p:sp>
+          <p:nvSpPr>
+            <p:cNvPr id="26" name="Rectangle 25"/>
+            <p:cNvSpPr/>
+            <p:nvPr/>
+          </p:nvSpPr>
+          <p:spPr>
+            <a:xfrm>
+              <a:off x="3476637" y="1892401"/>
+              <a:ext cx="2394351" cy="659808"/>
+            </a:xfrm>
+            <a:prstGeom prst="rect">
+              <a:avLst/>
+            </a:prstGeom>
             <a:solidFill>
+              <a:schemeClr val="bg1"/>
+            </a:solidFill>
+            <a:ln>
+              <a:solidFill>
+                <a:schemeClr val="tx1"/>
+              </a:solidFill>
+            </a:ln>
+          </p:spPr>
+          <p:style>
+            <a:lnRef idx="1">
+              <a:schemeClr val="accent1"/>
+            </a:lnRef>
+            <a:fillRef idx="3">
+              <a:schemeClr val="accent1"/>
+            </a:fillRef>
+            <a:effectRef idx="2">
+              <a:schemeClr val="accent1"/>
+            </a:effectRef>
+            <a:fontRef idx="minor">
+              <a:schemeClr val="lt1"/>
+            </a:fontRef>
+          </p:style>
+          <p:txBody>
+            <a:bodyPr rtlCol="0" anchor="ctr"/>
+            <a:lstStyle/>
+            <a:p>
+              <a:pPr algn="ctr"/>
+              <a:r>
+                <a:rPr lang="en-US" sz="2100" b="1" dirty="0" smtClean="0">
+                  <a:solidFill>
+                    <a:schemeClr val="tx1"/>
+                  </a:solidFill>
+                  <a:latin typeface="Lucida Grande"/>
+                  <a:cs typeface="Lucida Grande"/>
+                </a:rPr>
+                <a:t>Up-to-date</a:t>
+              </a:r>
+            </a:p>
+            <a:p>
+              <a:pPr algn="ctr"/>
+              <a:r>
+                <a:rPr lang="en-US" sz="2100" b="1" dirty="0" smtClean="0">
+                  <a:solidFill>
+                    <a:schemeClr val="tx1"/>
+                  </a:solidFill>
+                  <a:latin typeface="Lucida Grande"/>
+                  <a:cs typeface="Lucida Grande"/>
+                </a:rPr>
+                <a:t>Sample </a:t>
+              </a:r>
+              <a:r>
+                <a:rPr lang="en-US" sz="2100" b="1" dirty="0" smtClean="0">
+                  <a:solidFill>
+                    <a:schemeClr val="tx1"/>
+                  </a:solidFill>
+                  <a:latin typeface="Lucida Grande"/>
+                  <a:cs typeface="Lucida Grande"/>
+                </a:rPr>
+                <a:t>View</a:t>
+              </a:r>
+            </a:p>
+          </p:txBody>
+        </p:sp>
+        <p:sp>
+          <p:nvSpPr>
+            <p:cNvPr id="41" name="TextBox 40"/>
+            <p:cNvSpPr txBox="1"/>
+            <p:nvPr/>
+          </p:nvSpPr>
+          <p:spPr>
+            <a:xfrm>
+              <a:off x="2190888" y="2759502"/>
+              <a:ext cx="5298402" cy="415498"/>
+            </a:xfrm>
+            <a:prstGeom prst="rect">
+              <a:avLst/>
+            </a:prstGeom>
+            <a:noFill/>
+          </p:spPr>
+          <p:txBody>
+            <a:bodyPr wrap="square" rtlCol="0">
+              <a:spAutoFit/>
+            </a:bodyPr>
+            <a:lstStyle/>
+            <a:p>
+              <a:pPr algn="ctr"/>
+              <a:r>
+                <a:rPr lang="en-US" sz="2100" b="1" dirty="0" smtClean="0">
+                  <a:latin typeface="Lucida Grande"/>
+                  <a:cs typeface="Lucida Grande"/>
+                </a:rPr>
+                <a:t>Continuous</a:t>
+              </a:r>
+              <a:r>
+                <a:rPr lang="en-US" sz="2100" b="1" dirty="0">
+                  <a:latin typeface="Lucida Grande"/>
+                  <a:cs typeface="Lucida Grande"/>
+                </a:rPr>
+                <a:t> </a:t>
+              </a:r>
+              <a:r>
+                <a:rPr lang="en-US" sz="2100" b="1" dirty="0" smtClean="0">
+                  <a:latin typeface="Lucida Grande"/>
+                  <a:cs typeface="Lucida Grande"/>
+                </a:rPr>
+                <a:t>Sample </a:t>
+              </a:r>
+              <a:r>
+                <a:rPr lang="en-US" sz="2100" b="1" dirty="0" smtClean="0">
+                  <a:latin typeface="Lucida Grande"/>
+                  <a:cs typeface="Lucida Grande"/>
+                </a:rPr>
+                <a:t>Maintenance</a:t>
+              </a:r>
+              <a:endParaRPr lang="en-US" sz="2100" b="1" dirty="0">
+                <a:latin typeface="Lucida Grande"/>
+                <a:cs typeface="Lucida Grande"/>
+              </a:endParaRPr>
+            </a:p>
+          </p:txBody>
+        </p:sp>
+        <p:sp>
+          <p:nvSpPr>
+            <p:cNvPr id="42" name="TextBox 41"/>
+            <p:cNvSpPr txBox="1"/>
+            <p:nvPr/>
+          </p:nvSpPr>
+          <p:spPr>
+            <a:xfrm>
+              <a:off x="2729922" y="534601"/>
+              <a:ext cx="1020588" cy="415498"/>
+            </a:xfrm>
+            <a:prstGeom prst="rect">
+              <a:avLst/>
+            </a:prstGeom>
+            <a:noFill/>
+          </p:spPr>
+          <p:txBody>
+            <a:bodyPr wrap="none" rtlCol="0">
+              <a:spAutoFit/>
+            </a:bodyPr>
+            <a:lstStyle/>
+            <a:p>
+              <a:r>
+                <a:rPr lang="en-US" sz="2100" b="1" dirty="0" smtClean="0">
+                  <a:latin typeface="Lucida Grande"/>
+                  <a:cs typeface="Lucida Grande"/>
+                </a:rPr>
+                <a:t>Query</a:t>
+              </a:r>
+              <a:endParaRPr lang="en-US" sz="2100" b="1" dirty="0">
+                <a:latin typeface="Lucida Grande"/>
+                <a:cs typeface="Lucida Grande"/>
+              </a:endParaRPr>
+            </a:p>
+          </p:txBody>
+        </p:sp>
+        <p:cxnSp>
+          <p:nvCxnSpPr>
+            <p:cNvPr id="48" name="Straight Arrow Connector 47"/>
+            <p:cNvCxnSpPr/>
+            <p:nvPr/>
+          </p:nvCxnSpPr>
+          <p:spPr>
+            <a:xfrm>
+              <a:off x="3250919" y="950099"/>
+              <a:ext cx="1" cy="261203"/>
+            </a:xfrm>
+            <a:prstGeom prst="straightConnector1">
+              <a:avLst/>
+            </a:prstGeom>
+            <a:ln w="50800">
+              <a:solidFill>
+                <a:schemeClr val="tx1"/>
+              </a:solidFill>
+              <a:tailEnd type="triangle"/>
+            </a:ln>
+          </p:spPr>
+          <p:style>
+            <a:lnRef idx="2">
+              <a:schemeClr val="accent1"/>
+            </a:lnRef>
+            <a:fillRef idx="0">
+              <a:schemeClr val="accent1"/>
+            </a:fillRef>
+            <a:effectRef idx="1">
+              <a:schemeClr val="accent1"/>
+            </a:effectRef>
+            <a:fontRef idx="minor">
               <a:schemeClr val="tx1"/>
+            </a:fontRef>
+          </p:style>
+        </p:cxnSp>
+        <p:sp>
+          <p:nvSpPr>
+            <p:cNvPr id="52" name="TextBox 51"/>
+            <p:cNvSpPr txBox="1"/>
+            <p:nvPr/>
+          </p:nvSpPr>
+          <p:spPr>
+            <a:xfrm>
+              <a:off x="4893325" y="-41136"/>
+              <a:ext cx="2492057" cy="1061829"/>
+            </a:xfrm>
+            <a:prstGeom prst="rect">
+              <a:avLst/>
+            </a:prstGeom>
+            <a:noFill/>
+          </p:spPr>
+          <p:txBody>
+            <a:bodyPr wrap="square" rtlCol="0">
+              <a:spAutoFit/>
+            </a:bodyPr>
+            <a:lstStyle/>
+            <a:p>
+              <a:pPr algn="ctr"/>
+              <a:r>
+                <a:rPr lang="en-US" sz="2100" b="1" dirty="0" smtClean="0">
+                  <a:latin typeface="Lucida Grande"/>
+                  <a:cs typeface="Lucida Grande"/>
+                </a:rPr>
+                <a:t>Fresh</a:t>
+              </a:r>
+            </a:p>
+            <a:p>
+              <a:pPr algn="ctr"/>
+              <a:r>
+                <a:rPr lang="en-US" sz="2100" b="1" dirty="0" smtClean="0">
+                  <a:latin typeface="Lucida Grande"/>
+                  <a:cs typeface="Lucida Grande"/>
+                </a:rPr>
+                <a:t>Approximate </a:t>
+              </a:r>
+            </a:p>
+            <a:p>
+              <a:pPr algn="ctr"/>
+              <a:r>
+                <a:rPr lang="en-US" sz="2100" b="1" dirty="0" smtClean="0">
+                  <a:latin typeface="Lucida Grande"/>
+                  <a:cs typeface="Lucida Grande"/>
+                </a:rPr>
+                <a:t>Result</a:t>
+              </a:r>
+              <a:endParaRPr lang="en-US" sz="2100" b="1" dirty="0">
+                <a:latin typeface="Lucida Grande"/>
+                <a:cs typeface="Lucida Grande"/>
+              </a:endParaRPr>
+            </a:p>
+          </p:txBody>
+        </p:sp>
+        <p:cxnSp>
+          <p:nvCxnSpPr>
+            <p:cNvPr id="53" name="Straight Arrow Connector 52"/>
+            <p:cNvCxnSpPr/>
+            <p:nvPr/>
+          </p:nvCxnSpPr>
+          <p:spPr>
+            <a:xfrm flipV="1">
+              <a:off x="6148776" y="950099"/>
+              <a:ext cx="0" cy="261203"/>
+            </a:xfrm>
+            <a:prstGeom prst="straightConnector1">
+              <a:avLst/>
+            </a:prstGeom>
+            <a:ln w="50800">
+              <a:solidFill>
+                <a:schemeClr val="tx1"/>
+              </a:solidFill>
+              <a:tailEnd type="triangle"/>
+            </a:ln>
+          </p:spPr>
+          <p:style>
+            <a:lnRef idx="2">
+              <a:schemeClr val="accent1"/>
+            </a:lnRef>
+            <a:fillRef idx="0">
+              <a:schemeClr val="accent1"/>
+            </a:fillRef>
+            <a:effectRef idx="1">
+              <a:schemeClr val="accent1"/>
+            </a:effectRef>
+            <a:fontRef idx="minor">
+              <a:schemeClr val="tx1"/>
+            </a:fontRef>
+          </p:style>
+        </p:cxnSp>
+        <p:sp>
+          <p:nvSpPr>
+            <p:cNvPr id="61" name="Rectangle 60"/>
+            <p:cNvSpPr/>
+            <p:nvPr/>
+          </p:nvSpPr>
+          <p:spPr>
+            <a:xfrm>
+              <a:off x="3472722" y="1452730"/>
+              <a:ext cx="2398266" cy="439671"/>
+            </a:xfrm>
+            <a:prstGeom prst="rect">
+              <a:avLst/>
+            </a:prstGeom>
+            <a:solidFill>
+              <a:schemeClr val="bg1"/>
             </a:solidFill>
-          </a:ln>
-        </p:spPr>
-        <p:style>
-          <a:lnRef idx="1">
-            <a:schemeClr val="accent1"/>
-          </a:lnRef>
-          <a:fillRef idx="3">
-            <a:schemeClr val="accent1"/>
-          </a:fillRef>
-          <a:effectRef idx="2">
-            <a:schemeClr val="accent1"/>
-          </a:effectRef>
-          <a:fontRef idx="minor">
-            <a:schemeClr val="lt1"/>
-          </a:fontRef>
-        </p:style>
-        <p:txBody>
-          <a:bodyPr rtlCol="0" anchor="ctr"/>
-          <a:lstStyle/>
-          <a:p>
-            <a:pPr algn="ctr"/>
-            <a:endParaRPr lang="en-US" sz="1500">
-              <a:latin typeface="Helvetica Light"/>
-              <a:cs typeface="Helvetica Light"/>
-            </a:endParaRPr>
-          </a:p>
-        </p:txBody>
-      </p:sp>
-      <p:sp>
-        <p:nvSpPr>
-          <p:cNvPr id="16" name="Can 15"/>
-          <p:cNvSpPr/>
-          <p:nvPr/>
-        </p:nvSpPr>
-        <p:spPr>
-          <a:xfrm>
-            <a:off x="3972199" y="5830332"/>
-            <a:ext cx="677971" cy="901701"/>
-          </a:xfrm>
-          <a:prstGeom prst="can">
-            <a:avLst/>
-          </a:prstGeom>
-          <a:solidFill>
-            <a:schemeClr val="bg1"/>
-          </a:solidFill>
-          <a:ln>
-            <a:solidFill>
-              <a:schemeClr val="tx1"/>
-            </a:solidFill>
-          </a:ln>
-        </p:spPr>
-        <p:style>
-          <a:lnRef idx="1">
-            <a:schemeClr val="accent1"/>
-          </a:lnRef>
-          <a:fillRef idx="3">
-            <a:schemeClr val="accent1"/>
-          </a:fillRef>
-          <a:effectRef idx="2">
-            <a:schemeClr val="accent1"/>
-          </a:effectRef>
-          <a:fontRef idx="minor">
-            <a:schemeClr val="lt1"/>
-          </a:fontRef>
-        </p:style>
-        <p:txBody>
-          <a:bodyPr rtlCol="0" anchor="ctr"/>
-          <a:lstStyle/>
-          <a:p>
-            <a:pPr algn="ctr"/>
-            <a:endParaRPr lang="en-US" sz="1500">
-              <a:latin typeface="Helvetica Light"/>
-              <a:cs typeface="Helvetica Light"/>
-            </a:endParaRPr>
-          </a:p>
-        </p:txBody>
-      </p:sp>
-      <p:sp>
-        <p:nvSpPr>
-          <p:cNvPr id="17" name="Can 16"/>
-          <p:cNvSpPr/>
-          <p:nvPr/>
-        </p:nvSpPr>
-        <p:spPr>
-          <a:xfrm>
-            <a:off x="4650170" y="5830333"/>
-            <a:ext cx="677970" cy="901700"/>
-          </a:xfrm>
-          <a:prstGeom prst="can">
-            <a:avLst/>
-          </a:prstGeom>
-          <a:solidFill>
-            <a:schemeClr val="bg1"/>
-          </a:solidFill>
-          <a:ln>
-            <a:solidFill>
-              <a:schemeClr val="tx1"/>
-            </a:solidFill>
-          </a:ln>
-        </p:spPr>
-        <p:style>
-          <a:lnRef idx="1">
-            <a:schemeClr val="accent1"/>
-          </a:lnRef>
-          <a:fillRef idx="3">
-            <a:schemeClr val="accent1"/>
-          </a:fillRef>
-          <a:effectRef idx="2">
-            <a:schemeClr val="accent1"/>
-          </a:effectRef>
-          <a:fontRef idx="minor">
-            <a:schemeClr val="lt1"/>
-          </a:fontRef>
-        </p:style>
-        <p:txBody>
-          <a:bodyPr rtlCol="0" anchor="ctr"/>
-          <a:lstStyle/>
-          <a:p>
-            <a:pPr algn="ctr"/>
-            <a:endParaRPr lang="en-US" sz="1500">
-              <a:latin typeface="Helvetica Light"/>
-              <a:cs typeface="Helvetica Light"/>
-            </a:endParaRPr>
-          </a:p>
-        </p:txBody>
-      </p:sp>
-      <p:sp>
-        <p:nvSpPr>
-          <p:cNvPr id="18" name="TextBox 17"/>
-          <p:cNvSpPr txBox="1"/>
-          <p:nvPr/>
-        </p:nvSpPr>
-        <p:spPr>
-          <a:xfrm>
-            <a:off x="4223632" y="5308600"/>
-            <a:ext cx="1082792" cy="323165"/>
-          </a:xfrm>
-          <a:prstGeom prst="rect">
-            <a:avLst/>
-          </a:prstGeom>
-          <a:noFill/>
-        </p:spPr>
-        <p:txBody>
-          <a:bodyPr wrap="none" rtlCol="0">
-            <a:spAutoFit/>
-          </a:bodyPr>
-          <a:lstStyle/>
-          <a:p>
-            <a:r>
-              <a:rPr lang="en-US" sz="1500" dirty="0" smtClean="0">
-                <a:latin typeface="Helvetica Light"/>
-                <a:cs typeface="Helvetica Light"/>
-              </a:rPr>
-              <a:t>Base Data</a:t>
-            </a:r>
-            <a:endParaRPr lang="en-US" sz="1500" dirty="0">
-              <a:latin typeface="Helvetica Light"/>
-              <a:cs typeface="Helvetica Light"/>
-            </a:endParaRPr>
-          </a:p>
-        </p:txBody>
-      </p:sp>
-      <p:cxnSp>
-        <p:nvCxnSpPr>
-          <p:cNvPr id="20" name="Straight Arrow Connector 19"/>
-          <p:cNvCxnSpPr>
-            <a:endCxn id="5" idx="2"/>
-          </p:cNvCxnSpPr>
-          <p:nvPr/>
-        </p:nvCxnSpPr>
-        <p:spPr>
-          <a:xfrm flipH="1" flipV="1">
-            <a:off x="1898650" y="5105400"/>
-            <a:ext cx="2073549" cy="928133"/>
-          </a:xfrm>
-          <a:prstGeom prst="straightConnector1">
-            <a:avLst/>
-          </a:prstGeom>
-          <a:ln>
-            <a:solidFill>
-              <a:schemeClr val="tx1"/>
-            </a:solidFill>
-            <a:prstDash val="sysDash"/>
-            <a:tailEnd type="arrow"/>
-          </a:ln>
-        </p:spPr>
-        <p:style>
-          <a:lnRef idx="2">
-            <a:schemeClr val="accent1"/>
-          </a:lnRef>
-          <a:fillRef idx="0">
-            <a:schemeClr val="accent1"/>
-          </a:fillRef>
-          <a:effectRef idx="1">
-            <a:schemeClr val="accent1"/>
-          </a:effectRef>
-          <a:fontRef idx="minor">
-            <a:schemeClr val="tx1"/>
-          </a:fontRef>
-        </p:style>
-      </p:cxnSp>
-      <p:cxnSp>
-        <p:nvCxnSpPr>
-          <p:cNvPr id="21" name="Straight Arrow Connector 20"/>
-          <p:cNvCxnSpPr>
-            <a:endCxn id="6" idx="2"/>
-          </p:cNvCxnSpPr>
-          <p:nvPr/>
-        </p:nvCxnSpPr>
-        <p:spPr>
-          <a:xfrm flipV="1">
-            <a:off x="5328140" y="5105400"/>
-            <a:ext cx="2095010" cy="928133"/>
-          </a:xfrm>
-          <a:prstGeom prst="straightConnector1">
-            <a:avLst/>
-          </a:prstGeom>
-          <a:ln>
-            <a:solidFill>
-              <a:schemeClr val="tx1"/>
-            </a:solidFill>
-            <a:prstDash val="sysDash"/>
-            <a:tailEnd type="arrow"/>
-          </a:ln>
-        </p:spPr>
-        <p:style>
-          <a:lnRef idx="2">
-            <a:schemeClr val="accent1"/>
-          </a:lnRef>
-          <a:fillRef idx="0">
-            <a:schemeClr val="accent1"/>
-          </a:fillRef>
-          <a:effectRef idx="1">
-            <a:schemeClr val="accent1"/>
-          </a:effectRef>
-          <a:fontRef idx="minor">
-            <a:schemeClr val="tx1"/>
-          </a:fontRef>
-        </p:style>
-      </p:cxnSp>
-      <p:sp>
-        <p:nvSpPr>
-          <p:cNvPr id="24" name="Rounded Rectangle 23"/>
-          <p:cNvSpPr/>
-          <p:nvPr/>
-        </p:nvSpPr>
-        <p:spPr>
-          <a:xfrm>
-            <a:off x="1257300" y="1244600"/>
-            <a:ext cx="6807200" cy="1930400"/>
-          </a:xfrm>
-          <a:prstGeom prst="roundRect">
-            <a:avLst/>
-          </a:prstGeom>
-          <a:solidFill>
-            <a:schemeClr val="bg1"/>
-          </a:solidFill>
-          <a:ln w="47625">
-            <a:solidFill>
-              <a:schemeClr val="tx1"/>
-            </a:solidFill>
-          </a:ln>
-        </p:spPr>
-        <p:style>
-          <a:lnRef idx="1">
-            <a:schemeClr val="accent1"/>
-          </a:lnRef>
-          <a:fillRef idx="3">
-            <a:schemeClr val="accent1"/>
-          </a:fillRef>
-          <a:effectRef idx="2">
-            <a:schemeClr val="accent1"/>
-          </a:effectRef>
-          <a:fontRef idx="minor">
-            <a:schemeClr val="lt1"/>
-          </a:fontRef>
-        </p:style>
-        <p:txBody>
-          <a:bodyPr rtlCol="0" anchor="ctr"/>
-          <a:lstStyle/>
-          <a:p>
-            <a:pPr algn="ctr"/>
-            <a:endParaRPr lang="en-US" sz="1500" dirty="0">
-              <a:latin typeface="Helvetica Light"/>
-              <a:cs typeface="Helvetica Light"/>
-            </a:endParaRPr>
-          </a:p>
-        </p:txBody>
-      </p:sp>
-      <p:sp>
-        <p:nvSpPr>
-          <p:cNvPr id="25" name="TextBox 24"/>
-          <p:cNvSpPr txBox="1"/>
-          <p:nvPr/>
-        </p:nvSpPr>
-        <p:spPr>
-          <a:xfrm>
-            <a:off x="1406207" y="1295400"/>
-            <a:ext cx="558609" cy="323165"/>
-          </a:xfrm>
-          <a:prstGeom prst="rect">
-            <a:avLst/>
-          </a:prstGeom>
-          <a:noFill/>
-        </p:spPr>
-        <p:txBody>
-          <a:bodyPr wrap="none" rtlCol="0">
-            <a:spAutoFit/>
-          </a:bodyPr>
-          <a:lstStyle/>
-          <a:p>
-            <a:r>
-              <a:rPr lang="en-US" sz="1500" dirty="0" smtClean="0">
-                <a:latin typeface="Helvetica Light"/>
-                <a:cs typeface="Helvetica Light"/>
-              </a:rPr>
-              <a:t>SVC</a:t>
-            </a:r>
-            <a:endParaRPr lang="en-US" sz="1500" dirty="0">
-              <a:latin typeface="Helvetica Light"/>
-              <a:cs typeface="Helvetica Light"/>
-            </a:endParaRPr>
-          </a:p>
-        </p:txBody>
-      </p:sp>
-      <p:cxnSp>
-        <p:nvCxnSpPr>
-          <p:cNvPr id="40" name="Straight Arrow Connector 39"/>
-          <p:cNvCxnSpPr>
-            <a:stCxn id="24" idx="1"/>
-            <a:endCxn id="24" idx="3"/>
-          </p:cNvCxnSpPr>
-          <p:nvPr/>
-        </p:nvCxnSpPr>
-        <p:spPr>
-          <a:xfrm>
-            <a:off x="1257300" y="2209800"/>
-            <a:ext cx="6807200" cy="0"/>
-          </a:xfrm>
-          <a:prstGeom prst="straightConnector1">
-            <a:avLst/>
-          </a:prstGeom>
-          <a:ln w="50800">
-            <a:solidFill>
-              <a:schemeClr val="tx1"/>
-            </a:solidFill>
-            <a:tailEnd type="arrow"/>
-          </a:ln>
-        </p:spPr>
-        <p:style>
-          <a:lnRef idx="2">
-            <a:schemeClr val="accent1"/>
-          </a:lnRef>
-          <a:fillRef idx="0">
-            <a:schemeClr val="accent1"/>
-          </a:fillRef>
-          <a:effectRef idx="1">
-            <a:schemeClr val="accent1"/>
-          </a:effectRef>
-          <a:fontRef idx="minor">
-            <a:schemeClr val="tx1"/>
-          </a:fontRef>
-        </p:style>
-      </p:cxnSp>
-      <p:cxnSp>
-        <p:nvCxnSpPr>
-          <p:cNvPr id="31" name="Elbow Connector 30"/>
-          <p:cNvCxnSpPr>
-            <a:stCxn id="16" idx="2"/>
-            <a:endCxn id="24" idx="1"/>
-          </p:cNvCxnSpPr>
-          <p:nvPr/>
-        </p:nvCxnSpPr>
-        <p:spPr>
-          <a:xfrm rot="10800000">
-            <a:off x="1257301" y="2209801"/>
-            <a:ext cx="2714899" cy="4071383"/>
-          </a:xfrm>
-          <a:prstGeom prst="bentConnector3">
-            <a:avLst>
-              <a:gd name="adj1" fmla="val 108420"/>
-            </a:avLst>
-          </a:prstGeom>
-          <a:ln>
-            <a:solidFill>
-              <a:schemeClr val="tx1"/>
-            </a:solidFill>
-            <a:prstDash val="sysDash"/>
-            <a:tailEnd type="arrow"/>
-          </a:ln>
-        </p:spPr>
-        <p:style>
-          <a:lnRef idx="2">
-            <a:schemeClr val="accent1"/>
-          </a:lnRef>
-          <a:fillRef idx="0">
-            <a:schemeClr val="accent1"/>
-          </a:fillRef>
-          <a:effectRef idx="1">
-            <a:schemeClr val="accent1"/>
-          </a:effectRef>
-          <a:fontRef idx="minor">
-            <a:schemeClr val="tx1"/>
-          </a:fontRef>
-        </p:style>
-      </p:cxnSp>
-      <p:sp>
-        <p:nvSpPr>
-          <p:cNvPr id="26" name="Rectangle 25"/>
-          <p:cNvSpPr/>
-          <p:nvPr/>
-        </p:nvSpPr>
-        <p:spPr>
-          <a:xfrm>
-            <a:off x="4032740" y="1828800"/>
-            <a:ext cx="1282700" cy="558801"/>
-          </a:xfrm>
-          <a:prstGeom prst="rect">
-            <a:avLst/>
-          </a:prstGeom>
-          <a:solidFill>
-            <a:schemeClr val="bg1"/>
-          </a:solidFill>
-          <a:ln>
-            <a:solidFill>
-              <a:schemeClr val="tx1"/>
-            </a:solidFill>
-          </a:ln>
-        </p:spPr>
-        <p:style>
-          <a:lnRef idx="1">
-            <a:schemeClr val="accent1"/>
-          </a:lnRef>
-          <a:fillRef idx="3">
-            <a:schemeClr val="accent1"/>
-          </a:fillRef>
-          <a:effectRef idx="2">
-            <a:schemeClr val="accent1"/>
-          </a:effectRef>
-          <a:fontRef idx="minor">
-            <a:schemeClr val="lt1"/>
-          </a:fontRef>
-        </p:style>
-        <p:txBody>
-          <a:bodyPr rtlCol="0" anchor="ctr"/>
-          <a:lstStyle/>
-          <a:p>
-            <a:pPr algn="ctr"/>
-            <a:r>
-              <a:rPr lang="en-US" sz="1500" dirty="0" smtClean="0">
-                <a:solidFill>
-                  <a:schemeClr val="tx1"/>
-                </a:solidFill>
-                <a:latin typeface="Helvetica Light"/>
-                <a:cs typeface="Helvetica Light"/>
-              </a:rPr>
-              <a:t>Fresh</a:t>
-            </a:r>
-          </a:p>
-          <a:p>
-            <a:pPr algn="ctr"/>
-            <a:r>
-              <a:rPr lang="en-US" sz="1500" dirty="0" smtClean="0">
-                <a:solidFill>
-                  <a:schemeClr val="tx1"/>
-                </a:solidFill>
-                <a:latin typeface="Helvetica Light"/>
-                <a:cs typeface="Helvetica Light"/>
-              </a:rPr>
-              <a:t>Sample View</a:t>
-            </a:r>
-          </a:p>
-        </p:txBody>
-      </p:sp>
-      <p:sp>
-        <p:nvSpPr>
-          <p:cNvPr id="41" name="TextBox 40"/>
-          <p:cNvSpPr txBox="1"/>
-          <p:nvPr/>
-        </p:nvSpPr>
-        <p:spPr>
-          <a:xfrm>
-            <a:off x="3675161" y="2364938"/>
-            <a:ext cx="2002074" cy="553998"/>
-          </a:xfrm>
-          <a:prstGeom prst="rect">
-            <a:avLst/>
-          </a:prstGeom>
-          <a:noFill/>
-        </p:spPr>
-        <p:txBody>
-          <a:bodyPr wrap="none" rtlCol="0">
-            <a:spAutoFit/>
-          </a:bodyPr>
-          <a:lstStyle/>
-          <a:p>
-            <a:pPr algn="ctr"/>
-            <a:r>
-              <a:rPr lang="en-US" sz="1500" dirty="0" smtClean="0">
-                <a:latin typeface="Helvetica Light"/>
-                <a:cs typeface="Helvetica Light"/>
-              </a:rPr>
-              <a:t>Real-time Efficient </a:t>
-            </a:r>
-          </a:p>
-          <a:p>
-            <a:pPr algn="ctr"/>
-            <a:r>
-              <a:rPr lang="en-US" sz="1500" dirty="0" smtClean="0">
-                <a:latin typeface="Helvetica Light"/>
-                <a:cs typeface="Helvetica Light"/>
-              </a:rPr>
-              <a:t>Sample Maintenance</a:t>
-            </a:r>
-            <a:endParaRPr lang="en-US" sz="1500" dirty="0">
-              <a:latin typeface="Helvetica Light"/>
-              <a:cs typeface="Helvetica Light"/>
-            </a:endParaRPr>
-          </a:p>
-        </p:txBody>
-      </p:sp>
-      <p:sp>
-        <p:nvSpPr>
-          <p:cNvPr id="42" name="TextBox 41"/>
-          <p:cNvSpPr txBox="1"/>
-          <p:nvPr/>
-        </p:nvSpPr>
-        <p:spPr>
-          <a:xfrm>
-            <a:off x="3754425" y="578703"/>
-            <a:ext cx="710451" cy="323165"/>
-          </a:xfrm>
-          <a:prstGeom prst="rect">
-            <a:avLst/>
-          </a:prstGeom>
-          <a:noFill/>
-        </p:spPr>
-        <p:txBody>
-          <a:bodyPr wrap="none" rtlCol="0">
-            <a:spAutoFit/>
-          </a:bodyPr>
-          <a:lstStyle/>
-          <a:p>
-            <a:r>
-              <a:rPr lang="en-US" sz="1500" dirty="0" smtClean="0">
-                <a:latin typeface="Helvetica Light"/>
-                <a:cs typeface="Helvetica Light"/>
-              </a:rPr>
-              <a:t>Query</a:t>
-            </a:r>
-            <a:endParaRPr lang="en-US" sz="1500" dirty="0">
-              <a:latin typeface="Helvetica Light"/>
-              <a:cs typeface="Helvetica Light"/>
-            </a:endParaRPr>
-          </a:p>
-        </p:txBody>
-      </p:sp>
-      <p:cxnSp>
-        <p:nvCxnSpPr>
-          <p:cNvPr id="48" name="Straight Arrow Connector 47"/>
-          <p:cNvCxnSpPr/>
-          <p:nvPr/>
-        </p:nvCxnSpPr>
-        <p:spPr>
-          <a:xfrm>
-            <a:off x="4071068" y="950099"/>
-            <a:ext cx="1" cy="261203"/>
-          </a:xfrm>
-          <a:prstGeom prst="straightConnector1">
-            <a:avLst/>
-          </a:prstGeom>
-          <a:ln w="50800">
-            <a:solidFill>
-              <a:schemeClr val="tx1"/>
-            </a:solidFill>
-            <a:tailEnd type="triangle"/>
-          </a:ln>
-        </p:spPr>
-        <p:style>
-          <a:lnRef idx="2">
-            <a:schemeClr val="accent1"/>
-          </a:lnRef>
-          <a:fillRef idx="0">
-            <a:schemeClr val="accent1"/>
-          </a:fillRef>
-          <a:effectRef idx="1">
-            <a:schemeClr val="accent1"/>
-          </a:effectRef>
-          <a:fontRef idx="minor">
-            <a:schemeClr val="tx1"/>
-          </a:fontRef>
-        </p:style>
-      </p:cxnSp>
-      <p:sp>
-        <p:nvSpPr>
-          <p:cNvPr id="52" name="TextBox 51"/>
-          <p:cNvSpPr txBox="1"/>
-          <p:nvPr/>
-        </p:nvSpPr>
-        <p:spPr>
-          <a:xfrm>
-            <a:off x="4629658" y="105437"/>
-            <a:ext cx="1287532" cy="784830"/>
-          </a:xfrm>
-          <a:prstGeom prst="rect">
-            <a:avLst/>
-          </a:prstGeom>
-          <a:noFill/>
-        </p:spPr>
-        <p:txBody>
-          <a:bodyPr wrap="none" rtlCol="0">
-            <a:spAutoFit/>
-          </a:bodyPr>
-          <a:lstStyle/>
-          <a:p>
-            <a:pPr algn="ctr"/>
-            <a:r>
-              <a:rPr lang="en-US" sz="1500" dirty="0" smtClean="0">
-                <a:latin typeface="Helvetica Light"/>
-                <a:cs typeface="Helvetica Light"/>
-              </a:rPr>
-              <a:t>Fresh</a:t>
-            </a:r>
-          </a:p>
-          <a:p>
-            <a:pPr algn="ctr"/>
-            <a:r>
-              <a:rPr lang="en-US" sz="1500" dirty="0" smtClean="0">
-                <a:latin typeface="Helvetica Light"/>
-                <a:cs typeface="Helvetica Light"/>
-              </a:rPr>
-              <a:t>Approximate </a:t>
-            </a:r>
-          </a:p>
-          <a:p>
-            <a:pPr algn="ctr"/>
-            <a:r>
-              <a:rPr lang="en-US" sz="1500" dirty="0" smtClean="0">
-                <a:latin typeface="Helvetica Light"/>
-                <a:cs typeface="Helvetica Light"/>
-              </a:rPr>
-              <a:t>Result</a:t>
-            </a:r>
-            <a:endParaRPr lang="en-US" sz="1500" dirty="0">
-              <a:latin typeface="Helvetica Light"/>
-              <a:cs typeface="Helvetica Light"/>
-            </a:endParaRPr>
-          </a:p>
-        </p:txBody>
-      </p:sp>
-      <p:cxnSp>
-        <p:nvCxnSpPr>
-          <p:cNvPr id="53" name="Straight Arrow Connector 52"/>
-          <p:cNvCxnSpPr/>
-          <p:nvPr/>
-        </p:nvCxnSpPr>
-        <p:spPr>
-          <a:xfrm flipV="1">
-            <a:off x="5273425" y="962799"/>
-            <a:ext cx="0" cy="261203"/>
-          </a:xfrm>
-          <a:prstGeom prst="straightConnector1">
-            <a:avLst/>
-          </a:prstGeom>
-          <a:ln w="50800">
-            <a:solidFill>
-              <a:schemeClr val="tx1"/>
-            </a:solidFill>
-            <a:tailEnd type="triangle"/>
-          </a:ln>
-        </p:spPr>
-        <p:style>
-          <a:lnRef idx="2">
-            <a:schemeClr val="accent1"/>
-          </a:lnRef>
-          <a:fillRef idx="0">
-            <a:schemeClr val="accent1"/>
-          </a:fillRef>
-          <a:effectRef idx="1">
-            <a:schemeClr val="accent1"/>
-          </a:effectRef>
-          <a:fontRef idx="minor">
-            <a:schemeClr val="tx1"/>
-          </a:fontRef>
-        </p:style>
-      </p:cxnSp>
-      <p:sp>
-        <p:nvSpPr>
-          <p:cNvPr id="61" name="Rectangle 60"/>
-          <p:cNvSpPr/>
-          <p:nvPr/>
-        </p:nvSpPr>
-        <p:spPr>
-          <a:xfrm>
-            <a:off x="4028825" y="1512331"/>
-            <a:ext cx="1282700" cy="316469"/>
-          </a:xfrm>
-          <a:prstGeom prst="rect">
-            <a:avLst/>
-          </a:prstGeom>
-          <a:solidFill>
-            <a:schemeClr val="bg1"/>
-          </a:solidFill>
-          <a:ln>
-            <a:solidFill>
-              <a:schemeClr val="tx1"/>
-            </a:solidFill>
-          </a:ln>
-        </p:spPr>
-        <p:style>
-          <a:lnRef idx="1">
-            <a:schemeClr val="accent1"/>
-          </a:lnRef>
-          <a:fillRef idx="3">
-            <a:schemeClr val="accent1"/>
-          </a:fillRef>
-          <a:effectRef idx="2">
-            <a:schemeClr val="accent1"/>
-          </a:effectRef>
-          <a:fontRef idx="minor">
-            <a:schemeClr val="lt1"/>
-          </a:fontRef>
-        </p:style>
-        <p:txBody>
-          <a:bodyPr rtlCol="0" anchor="ctr"/>
-          <a:lstStyle/>
-          <a:p>
-            <a:pPr algn="ctr"/>
-            <a:r>
-              <a:rPr lang="en-US" sz="1500" dirty="0" smtClean="0">
-                <a:solidFill>
-                  <a:schemeClr val="tx1"/>
-                </a:solidFill>
-                <a:latin typeface="Helvetica Light"/>
-                <a:cs typeface="Helvetica Light"/>
-              </a:rPr>
-              <a:t>Outlier Index</a:t>
-            </a:r>
-          </a:p>
-        </p:txBody>
-      </p:sp>
+            <a:ln>
+              <a:solidFill>
+                <a:schemeClr val="tx1"/>
+              </a:solidFill>
+            </a:ln>
+          </p:spPr>
+          <p:style>
+            <a:lnRef idx="1">
+              <a:schemeClr val="accent1"/>
+            </a:lnRef>
+            <a:fillRef idx="3">
+              <a:schemeClr val="accent1"/>
+            </a:fillRef>
+            <a:effectRef idx="2">
+              <a:schemeClr val="accent1"/>
+            </a:effectRef>
+            <a:fontRef idx="minor">
+              <a:schemeClr val="lt1"/>
+            </a:fontRef>
+          </p:style>
+          <p:txBody>
+            <a:bodyPr rtlCol="0" anchor="ctr"/>
+            <a:lstStyle/>
+            <a:p>
+              <a:pPr algn="ctr"/>
+              <a:r>
+                <a:rPr lang="en-US" sz="2100" b="1" dirty="0" smtClean="0">
+                  <a:solidFill>
+                    <a:schemeClr val="tx1"/>
+                  </a:solidFill>
+                  <a:latin typeface="Lucida Grande"/>
+                  <a:cs typeface="Lucida Grande"/>
+                </a:rPr>
+                <a:t>Outlier Index</a:t>
+              </a:r>
+            </a:p>
+          </p:txBody>
+        </p:sp>
+      </p:grpSp>
     </p:spTree>
     <p:extLst>
       <p:ext uri="{BB962C8B-B14F-4D97-AF65-F5344CB8AC3E}">

--- a/figs/sys-arch.pptx
+++ b/figs/sys-arch.pptx
@@ -6,6 +6,7 @@
   </p:sldMasterIdLst>
   <p:sldIdLst>
     <p:sldId id="256" r:id="rId2"/>
+    <p:sldId id="257" r:id="rId3"/>
   </p:sldIdLst>
   <p:sldSz cx="9144000" cy="6858000" type="screen4x3"/>
   <p:notesSz cx="6858000" cy="9144000"/>
@@ -288,7 +289,7 @@
           <a:p>
             <a:fld id="{47660027-B21B-AE43-90FC-390727F2EBA0}" type="datetimeFigureOut">
               <a:rPr lang="en-US" smtClean="0"/>
-              <a:t>12/20/14</a:t>
+              <a:t>12/29/14</a:t>
             </a:fld>
             <a:endParaRPr lang="en-US"/>
           </a:p>
@@ -458,7 +459,7 @@
           <a:p>
             <a:fld id="{47660027-B21B-AE43-90FC-390727F2EBA0}" type="datetimeFigureOut">
               <a:rPr lang="en-US" smtClean="0"/>
-              <a:t>12/20/14</a:t>
+              <a:t>12/29/14</a:t>
             </a:fld>
             <a:endParaRPr lang="en-US"/>
           </a:p>
@@ -638,7 +639,7 @@
           <a:p>
             <a:fld id="{47660027-B21B-AE43-90FC-390727F2EBA0}" type="datetimeFigureOut">
               <a:rPr lang="en-US" smtClean="0"/>
-              <a:t>12/20/14</a:t>
+              <a:t>12/29/14</a:t>
             </a:fld>
             <a:endParaRPr lang="en-US"/>
           </a:p>
@@ -808,7 +809,7 @@
           <a:p>
             <a:fld id="{47660027-B21B-AE43-90FC-390727F2EBA0}" type="datetimeFigureOut">
               <a:rPr lang="en-US" smtClean="0"/>
-              <a:t>12/20/14</a:t>
+              <a:t>12/29/14</a:t>
             </a:fld>
             <a:endParaRPr lang="en-US"/>
           </a:p>
@@ -1054,7 +1055,7 @@
           <a:p>
             <a:fld id="{47660027-B21B-AE43-90FC-390727F2EBA0}" type="datetimeFigureOut">
               <a:rPr lang="en-US" smtClean="0"/>
-              <a:t>12/20/14</a:t>
+              <a:t>12/29/14</a:t>
             </a:fld>
             <a:endParaRPr lang="en-US"/>
           </a:p>
@@ -1342,7 +1343,7 @@
           <a:p>
             <a:fld id="{47660027-B21B-AE43-90FC-390727F2EBA0}" type="datetimeFigureOut">
               <a:rPr lang="en-US" smtClean="0"/>
-              <a:t>12/20/14</a:t>
+              <a:t>12/29/14</a:t>
             </a:fld>
             <a:endParaRPr lang="en-US"/>
           </a:p>
@@ -1764,7 +1765,7 @@
           <a:p>
             <a:fld id="{47660027-B21B-AE43-90FC-390727F2EBA0}" type="datetimeFigureOut">
               <a:rPr lang="en-US" smtClean="0"/>
-              <a:t>12/20/14</a:t>
+              <a:t>12/29/14</a:t>
             </a:fld>
             <a:endParaRPr lang="en-US"/>
           </a:p>
@@ -1882,7 +1883,7 @@
           <a:p>
             <a:fld id="{47660027-B21B-AE43-90FC-390727F2EBA0}" type="datetimeFigureOut">
               <a:rPr lang="en-US" smtClean="0"/>
-              <a:t>12/20/14</a:t>
+              <a:t>12/29/14</a:t>
             </a:fld>
             <a:endParaRPr lang="en-US"/>
           </a:p>
@@ -1977,7 +1978,7 @@
           <a:p>
             <a:fld id="{47660027-B21B-AE43-90FC-390727F2EBA0}" type="datetimeFigureOut">
               <a:rPr lang="en-US" smtClean="0"/>
-              <a:t>12/20/14</a:t>
+              <a:t>12/29/14</a:t>
             </a:fld>
             <a:endParaRPr lang="en-US"/>
           </a:p>
@@ -2254,7 +2255,7 @@
           <a:p>
             <a:fld id="{47660027-B21B-AE43-90FC-390727F2EBA0}" type="datetimeFigureOut">
               <a:rPr lang="en-US" smtClean="0"/>
-              <a:t>12/20/14</a:t>
+              <a:t>12/29/14</a:t>
             </a:fld>
             <a:endParaRPr lang="en-US"/>
           </a:p>
@@ -2507,7 +2508,7 @@
           <a:p>
             <a:fld id="{47660027-B21B-AE43-90FC-390727F2EBA0}" type="datetimeFigureOut">
               <a:rPr lang="en-US" smtClean="0"/>
-              <a:t>12/20/14</a:t>
+              <a:t>12/29/14</a:t>
             </a:fld>
             <a:endParaRPr lang="en-US"/>
           </a:p>
@@ -2720,7 +2721,7 @@
           <a:p>
             <a:fld id="{47660027-B21B-AE43-90FC-390727F2EBA0}" type="datetimeFigureOut">
               <a:rPr lang="en-US" smtClean="0"/>
-              <a:t>12/20/14</a:t>
+              <a:t>12/29/14</a:t>
             </a:fld>
             <a:endParaRPr lang="en-US"/>
           </a:p>
@@ -3103,10 +3104,10 @@
         </p:nvGrpSpPr>
         <p:grpSpPr>
           <a:xfrm>
-            <a:off x="1257300" y="-41136"/>
-            <a:ext cx="6807200" cy="6773169"/>
-            <a:chOff x="1257300" y="-41136"/>
-            <a:chExt cx="6807200" cy="6773169"/>
+            <a:off x="1257300" y="211435"/>
+            <a:ext cx="6807200" cy="6520598"/>
+            <a:chOff x="1257300" y="211435"/>
+            <a:chExt cx="6807200" cy="6520598"/>
           </a:xfrm>
         </p:grpSpPr>
         <p:sp>
@@ -3829,19 +3830,6 @@
                   <a:latin typeface="Lucida Grande"/>
                   <a:cs typeface="Lucida Grande"/>
                 </a:rPr>
-                <a:t>Up-to-date</a:t>
-              </a:r>
-            </a:p>
-            <a:p>
-              <a:pPr algn="ctr"/>
-              <a:r>
-                <a:rPr lang="en-US" sz="2100" b="1" dirty="0" smtClean="0">
-                  <a:solidFill>
-                    <a:schemeClr val="tx1"/>
-                  </a:solidFill>
-                  <a:latin typeface="Lucida Grande"/>
-                  <a:cs typeface="Lucida Grande"/>
-                </a:rPr>
                 <a:t>Sample </a:t>
               </a:r>
               <a:r>
@@ -3880,20 +3868,6 @@
             <a:lstStyle/>
             <a:p>
               <a:pPr algn="ctr"/>
-              <a:r>
-                <a:rPr lang="en-US" sz="2100" b="1" dirty="0" smtClean="0">
-                  <a:latin typeface="Lucida Grande"/>
-                  <a:cs typeface="Lucida Grande"/>
-                </a:rPr>
-                <a:t>Continuous</a:t>
-              </a:r>
-              <a:r>
-                <a:rPr lang="en-US" sz="2100" b="1" dirty="0">
-                  <a:latin typeface="Lucida Grande"/>
-                  <a:cs typeface="Lucida Grande"/>
-                </a:rPr>
-                <a:t> </a:t>
-              </a:r>
               <a:r>
                 <a:rPr lang="en-US" sz="2100" b="1" dirty="0" smtClean="0">
                   <a:latin typeface="Lucida Grande"/>
@@ -3995,8 +3969,8 @@
           </p:nvSpPr>
           <p:spPr>
             <a:xfrm>
-              <a:off x="4893325" y="-41136"/>
-              <a:ext cx="2492057" cy="1061829"/>
+              <a:off x="4976455" y="211435"/>
+              <a:ext cx="2492057" cy="738664"/>
             </a:xfrm>
             <a:prstGeom prst="rect">
               <a:avLst/>
@@ -4015,18 +3989,12 @@
                   <a:latin typeface="Lucida Grande"/>
                   <a:cs typeface="Lucida Grande"/>
                 </a:rPr>
-                <a:t>Fresh</a:t>
-              </a:r>
-            </a:p>
-            <a:p>
-              <a:pPr algn="ctr"/>
-              <a:r>
-                <a:rPr lang="en-US" sz="2100" b="1" dirty="0" smtClean="0">
-                  <a:latin typeface="Lucida Grande"/>
-                  <a:cs typeface="Lucida Grande"/>
-                </a:rPr>
                 <a:t>Approximate </a:t>
               </a:r>
+              <a:endParaRPr lang="en-US" sz="2100" b="1" dirty="0" smtClean="0">
+                <a:latin typeface="Lucida Grande"/>
+                <a:cs typeface="Lucida Grande"/>
+              </a:endParaRPr>
             </a:p>
             <a:p>
               <a:pPr algn="ctr"/>
@@ -4140,6 +4108,825 @@
     <p:extLst>
       <p:ext uri="{BB962C8B-B14F-4D97-AF65-F5344CB8AC3E}">
         <p14:creationId xmlns:p14="http://schemas.microsoft.com/office/powerpoint/2010/main" val="2603313303"/>
+      </p:ext>
+    </p:extLst>
+  </p:cSld>
+  <p:clrMapOvr>
+    <a:masterClrMapping/>
+  </p:clrMapOvr>
+</p:sld>
+</file>
+
+<file path=ppt/slides/slide2.xml><?xml version="1.0" encoding="utf-8"?>
+<p:sld xmlns:a="http://schemas.openxmlformats.org/drawingml/2006/main" xmlns:r="http://schemas.openxmlformats.org/officeDocument/2006/relationships" xmlns:p="http://schemas.openxmlformats.org/presentationml/2006/main">
+  <p:cSld>
+    <p:spTree>
+      <p:nvGrpSpPr>
+        <p:cNvPr id="1" name=""/>
+        <p:cNvGrpSpPr/>
+        <p:nvPr/>
+      </p:nvGrpSpPr>
+      <p:grpSpPr>
+        <a:xfrm>
+          <a:off x="0" y="0"/>
+          <a:ext cx="0" cy="0"/>
+          <a:chOff x="0" y="0"/>
+          <a:chExt cx="0" cy="0"/>
+        </a:xfrm>
+      </p:grpSpPr>
+      <p:grpSp>
+        <p:nvGrpSpPr>
+          <p:cNvPr id="52" name="Group 51"/>
+          <p:cNvGrpSpPr/>
+          <p:nvPr/>
+        </p:nvGrpSpPr>
+        <p:grpSpPr>
+          <a:xfrm>
+            <a:off x="359115" y="0"/>
+            <a:ext cx="8143310" cy="4144491"/>
+            <a:chOff x="359115" y="0"/>
+            <a:chExt cx="8143310" cy="4144491"/>
+          </a:xfrm>
+        </p:grpSpPr>
+        <p:sp>
+          <p:nvSpPr>
+            <p:cNvPr id="15" name="Rectangle 14"/>
+            <p:cNvSpPr/>
+            <p:nvPr/>
+          </p:nvSpPr>
+          <p:spPr>
+            <a:xfrm>
+              <a:off x="359115" y="553227"/>
+              <a:ext cx="2183862" cy="2291967"/>
+            </a:xfrm>
+            <a:prstGeom prst="rect">
+              <a:avLst/>
+            </a:prstGeom>
+            <a:solidFill>
+              <a:schemeClr val="bg1"/>
+            </a:solidFill>
+            <a:ln w="34925">
+              <a:solidFill>
+                <a:schemeClr val="tx1"/>
+              </a:solidFill>
+            </a:ln>
+          </p:spPr>
+          <p:style>
+            <a:lnRef idx="1">
+              <a:schemeClr val="accent1"/>
+            </a:lnRef>
+            <a:fillRef idx="3">
+              <a:schemeClr val="accent1"/>
+            </a:fillRef>
+            <a:effectRef idx="2">
+              <a:schemeClr val="accent1"/>
+            </a:effectRef>
+            <a:fontRef idx="minor">
+              <a:schemeClr val="lt1"/>
+            </a:fontRef>
+          </p:style>
+          <p:txBody>
+            <a:bodyPr rtlCol="0" anchor="ctr"/>
+            <a:lstStyle/>
+            <a:p>
+              <a:pPr algn="ctr"/>
+              <a:r>
+                <a:rPr lang="en-US" sz="2100" b="1" dirty="0" smtClean="0">
+                  <a:solidFill>
+                    <a:schemeClr val="tx1"/>
+                  </a:solidFill>
+                  <a:latin typeface="Lucida Grande"/>
+                  <a:cs typeface="Lucida Grande"/>
+                </a:rPr>
+                <a:t>Stale </a:t>
+              </a:r>
+              <a:r>
+                <a:rPr lang="en-US" sz="2100" b="1" dirty="0" smtClean="0">
+                  <a:solidFill>
+                    <a:schemeClr val="tx1"/>
+                  </a:solidFill>
+                  <a:latin typeface="Lucida Grande"/>
+                  <a:cs typeface="Lucida Grande"/>
+                </a:rPr>
+                <a:t>MV</a:t>
+              </a:r>
+              <a:endParaRPr lang="en-US" sz="2100" b="1" dirty="0" smtClean="0">
+                <a:solidFill>
+                  <a:schemeClr val="tx1"/>
+                </a:solidFill>
+                <a:latin typeface="Lucida Grande"/>
+                <a:cs typeface="Lucida Grande"/>
+              </a:endParaRPr>
+            </a:p>
+            <a:p>
+              <a:pPr algn="ctr"/>
+              <a:endParaRPr lang="en-US" sz="2100" b="1" dirty="0">
+                <a:solidFill>
+                  <a:schemeClr val="tx1"/>
+                </a:solidFill>
+                <a:latin typeface="Lucida Grande"/>
+                <a:cs typeface="Lucida Grande"/>
+              </a:endParaRPr>
+            </a:p>
+          </p:txBody>
+        </p:sp>
+        <p:sp>
+          <p:nvSpPr>
+            <p:cNvPr id="16" name="Rectangle 15"/>
+            <p:cNvSpPr/>
+            <p:nvPr/>
+          </p:nvSpPr>
+          <p:spPr>
+            <a:xfrm>
+              <a:off x="3020916" y="1034187"/>
+              <a:ext cx="2183862" cy="996782"/>
+            </a:xfrm>
+            <a:prstGeom prst="rect">
+              <a:avLst/>
+            </a:prstGeom>
+            <a:solidFill>
+              <a:schemeClr val="bg1"/>
+            </a:solidFill>
+            <a:ln w="34925">
+              <a:solidFill>
+                <a:schemeClr val="tx1"/>
+              </a:solidFill>
+            </a:ln>
+          </p:spPr>
+          <p:style>
+            <a:lnRef idx="1">
+              <a:schemeClr val="accent1"/>
+            </a:lnRef>
+            <a:fillRef idx="3">
+              <a:schemeClr val="accent1"/>
+            </a:fillRef>
+            <a:effectRef idx="2">
+              <a:schemeClr val="accent1"/>
+            </a:effectRef>
+            <a:fontRef idx="minor">
+              <a:schemeClr val="lt1"/>
+            </a:fontRef>
+          </p:style>
+          <p:txBody>
+            <a:bodyPr rtlCol="0" anchor="ctr"/>
+            <a:lstStyle/>
+            <a:p>
+              <a:pPr algn="ctr"/>
+              <a:endParaRPr lang="en-US" sz="2100" b="1" dirty="0" smtClean="0">
+                <a:solidFill>
+                  <a:schemeClr val="tx1"/>
+                </a:solidFill>
+                <a:latin typeface="Lucida Grande"/>
+                <a:cs typeface="Lucida Grande"/>
+              </a:endParaRPr>
+            </a:p>
+            <a:p>
+              <a:pPr algn="ctr"/>
+              <a:r>
+                <a:rPr lang="en-US" sz="2100" b="1" dirty="0" smtClean="0">
+                  <a:solidFill>
+                    <a:schemeClr val="tx1"/>
+                  </a:solidFill>
+                  <a:latin typeface="Lucida Grande"/>
+                  <a:cs typeface="Lucida Grande"/>
+                </a:rPr>
+                <a:t>Stale</a:t>
+              </a:r>
+            </a:p>
+            <a:p>
+              <a:pPr algn="ctr"/>
+              <a:r>
+                <a:rPr lang="en-US" sz="2100" b="1" dirty="0" smtClean="0">
+                  <a:solidFill>
+                    <a:schemeClr val="tx1"/>
+                  </a:solidFill>
+                  <a:latin typeface="Lucida Grande"/>
+                  <a:cs typeface="Lucida Grande"/>
+                </a:rPr>
+                <a:t>Sample MV</a:t>
+              </a:r>
+              <a:endParaRPr lang="en-US" sz="2100" b="1" dirty="0" smtClean="0">
+                <a:solidFill>
+                  <a:schemeClr val="tx1"/>
+                </a:solidFill>
+                <a:latin typeface="Lucida Grande"/>
+                <a:cs typeface="Lucida Grande"/>
+              </a:endParaRPr>
+            </a:p>
+            <a:p>
+              <a:pPr algn="ctr"/>
+              <a:endParaRPr lang="en-US" sz="2100" b="1" dirty="0">
+                <a:solidFill>
+                  <a:schemeClr val="tx1"/>
+                </a:solidFill>
+                <a:latin typeface="Lucida Grande"/>
+                <a:cs typeface="Lucida Grande"/>
+              </a:endParaRPr>
+            </a:p>
+          </p:txBody>
+        </p:sp>
+        <p:sp>
+          <p:nvSpPr>
+            <p:cNvPr id="19" name="Rectangle 18"/>
+            <p:cNvSpPr/>
+            <p:nvPr/>
+          </p:nvSpPr>
+          <p:spPr>
+            <a:xfrm>
+              <a:off x="6318563" y="1892154"/>
+              <a:ext cx="2183862" cy="470084"/>
+            </a:xfrm>
+            <a:prstGeom prst="rect">
+              <a:avLst/>
+            </a:prstGeom>
+            <a:solidFill>
+              <a:schemeClr val="bg1"/>
+            </a:solidFill>
+            <a:ln w="34925">
+              <a:solidFill>
+                <a:schemeClr val="tx1"/>
+              </a:solidFill>
+            </a:ln>
+          </p:spPr>
+          <p:style>
+            <a:lnRef idx="1">
+              <a:schemeClr val="accent1"/>
+            </a:lnRef>
+            <a:fillRef idx="3">
+              <a:schemeClr val="accent1"/>
+            </a:fillRef>
+            <a:effectRef idx="2">
+              <a:schemeClr val="accent1"/>
+            </a:effectRef>
+            <a:fontRef idx="minor">
+              <a:schemeClr val="lt1"/>
+            </a:fontRef>
+          </p:style>
+          <p:txBody>
+            <a:bodyPr rtlCol="0" anchor="ctr"/>
+            <a:lstStyle/>
+            <a:p>
+              <a:pPr algn="ctr"/>
+              <a:endParaRPr lang="en-US" sz="2100" b="1" dirty="0" smtClean="0">
+                <a:solidFill>
+                  <a:schemeClr val="tx1"/>
+                </a:solidFill>
+                <a:latin typeface="Lucida Grande"/>
+                <a:cs typeface="Lucida Grande"/>
+              </a:endParaRPr>
+            </a:p>
+            <a:p>
+              <a:pPr algn="ctr"/>
+              <a:r>
+                <a:rPr lang="en-US" sz="2100" b="1" dirty="0" smtClean="0">
+                  <a:solidFill>
+                    <a:schemeClr val="tx1"/>
+                  </a:solidFill>
+                  <a:latin typeface="Lucida Grande"/>
+                  <a:cs typeface="Lucida Grande"/>
+                </a:rPr>
+                <a:t>Outlier Index</a:t>
+              </a:r>
+              <a:endParaRPr lang="en-US" sz="2100" b="1" dirty="0">
+                <a:solidFill>
+                  <a:schemeClr val="tx1"/>
+                </a:solidFill>
+                <a:latin typeface="Lucida Grande"/>
+                <a:cs typeface="Lucida Grande"/>
+              </a:endParaRPr>
+            </a:p>
+            <a:p>
+              <a:pPr algn="ctr"/>
+              <a:endParaRPr lang="en-US" sz="2100" b="1" dirty="0" smtClean="0">
+                <a:solidFill>
+                  <a:schemeClr val="tx1"/>
+                </a:solidFill>
+                <a:latin typeface="Lucida Grande"/>
+                <a:cs typeface="Lucida Grande"/>
+              </a:endParaRPr>
+            </a:p>
+          </p:txBody>
+        </p:sp>
+        <p:cxnSp>
+          <p:nvCxnSpPr>
+            <p:cNvPr id="20" name="Straight Arrow Connector 19"/>
+            <p:cNvCxnSpPr/>
+            <p:nvPr/>
+          </p:nvCxnSpPr>
+          <p:spPr>
+            <a:xfrm>
+              <a:off x="2542977" y="1532578"/>
+              <a:ext cx="477939" cy="0"/>
+            </a:xfrm>
+            <a:prstGeom prst="straightConnector1">
+              <a:avLst/>
+            </a:prstGeom>
+            <a:ln w="50800">
+              <a:solidFill>
+                <a:schemeClr val="tx1"/>
+              </a:solidFill>
+              <a:prstDash val="sysDash"/>
+              <a:tailEnd type="arrow"/>
+            </a:ln>
+          </p:spPr>
+          <p:style>
+            <a:lnRef idx="2">
+              <a:schemeClr val="accent1"/>
+            </a:lnRef>
+            <a:fillRef idx="0">
+              <a:schemeClr val="accent1"/>
+            </a:fillRef>
+            <a:effectRef idx="1">
+              <a:schemeClr val="accent1"/>
+            </a:effectRef>
+            <a:fontRef idx="minor">
+              <a:schemeClr val="tx1"/>
+            </a:fontRef>
+          </p:style>
+        </p:cxnSp>
+        <p:cxnSp>
+          <p:nvCxnSpPr>
+            <p:cNvPr id="23" name="Straight Arrow Connector 22"/>
+            <p:cNvCxnSpPr>
+              <a:stCxn id="16" idx="3"/>
+            </p:cNvCxnSpPr>
+            <p:nvPr/>
+          </p:nvCxnSpPr>
+          <p:spPr>
+            <a:xfrm>
+              <a:off x="5204778" y="1532578"/>
+              <a:ext cx="1058896" cy="0"/>
+            </a:xfrm>
+            <a:prstGeom prst="straightConnector1">
+              <a:avLst/>
+            </a:prstGeom>
+            <a:ln w="50800">
+              <a:solidFill>
+                <a:schemeClr val="tx1"/>
+              </a:solidFill>
+              <a:prstDash val="sysDash"/>
+              <a:tailEnd type="arrow"/>
+            </a:ln>
+          </p:spPr>
+          <p:style>
+            <a:lnRef idx="2">
+              <a:schemeClr val="accent1"/>
+            </a:lnRef>
+            <a:fillRef idx="0">
+              <a:schemeClr val="accent1"/>
+            </a:fillRef>
+            <a:effectRef idx="1">
+              <a:schemeClr val="accent1"/>
+            </a:effectRef>
+            <a:fontRef idx="minor">
+              <a:schemeClr val="tx1"/>
+            </a:fontRef>
+          </p:style>
+        </p:cxnSp>
+        <p:sp>
+          <p:nvSpPr>
+            <p:cNvPr id="24" name="Rectangle 23"/>
+            <p:cNvSpPr/>
+            <p:nvPr/>
+          </p:nvSpPr>
+          <p:spPr>
+            <a:xfrm>
+              <a:off x="6314181" y="895372"/>
+              <a:ext cx="2183862" cy="996782"/>
+            </a:xfrm>
+            <a:prstGeom prst="rect">
+              <a:avLst/>
+            </a:prstGeom>
+            <a:solidFill>
+              <a:schemeClr val="bg1"/>
+            </a:solidFill>
+            <a:ln w="34925">
+              <a:solidFill>
+                <a:schemeClr val="tx1"/>
+              </a:solidFill>
+            </a:ln>
+          </p:spPr>
+          <p:style>
+            <a:lnRef idx="1">
+              <a:schemeClr val="accent1"/>
+            </a:lnRef>
+            <a:fillRef idx="3">
+              <a:schemeClr val="accent1"/>
+            </a:fillRef>
+            <a:effectRef idx="2">
+              <a:schemeClr val="accent1"/>
+            </a:effectRef>
+            <a:fontRef idx="minor">
+              <a:schemeClr val="lt1"/>
+            </a:fontRef>
+          </p:style>
+          <p:txBody>
+            <a:bodyPr rtlCol="0" anchor="ctr"/>
+            <a:lstStyle/>
+            <a:p>
+              <a:pPr algn="ctr"/>
+              <a:r>
+                <a:rPr lang="en-US" sz="2100" b="1" dirty="0" smtClean="0">
+                  <a:solidFill>
+                    <a:schemeClr val="tx1"/>
+                  </a:solidFill>
+                  <a:latin typeface="Lucida Grande"/>
+                  <a:cs typeface="Lucida Grande"/>
+                </a:rPr>
+                <a:t>Up-to-date Sample </a:t>
+              </a:r>
+              <a:r>
+                <a:rPr lang="en-US" sz="2100" b="1" dirty="0" smtClean="0">
+                  <a:solidFill>
+                    <a:schemeClr val="tx1"/>
+                  </a:solidFill>
+                  <a:latin typeface="Lucida Grande"/>
+                  <a:cs typeface="Lucida Grande"/>
+                </a:rPr>
+                <a:t>MV</a:t>
+              </a:r>
+              <a:endParaRPr lang="en-US" sz="2100" b="1" dirty="0" smtClean="0">
+                <a:solidFill>
+                  <a:schemeClr val="tx1"/>
+                </a:solidFill>
+                <a:latin typeface="Lucida Grande"/>
+                <a:cs typeface="Lucida Grande"/>
+              </a:endParaRPr>
+            </a:p>
+            <a:p>
+              <a:pPr algn="ctr"/>
+              <a:endParaRPr lang="en-US" sz="2100" b="1" dirty="0">
+                <a:solidFill>
+                  <a:schemeClr val="tx1"/>
+                </a:solidFill>
+                <a:latin typeface="Lucida Grande"/>
+                <a:cs typeface="Lucida Grande"/>
+              </a:endParaRPr>
+            </a:p>
+          </p:txBody>
+        </p:sp>
+        <p:pic>
+          <p:nvPicPr>
+            <p:cNvPr id="27" name="Picture 26"/>
+            <p:cNvPicPr>
+              <a:picLocks noChangeAspect="1"/>
+            </p:cNvPicPr>
+            <p:nvPr/>
+          </p:nvPicPr>
+          <p:blipFill>
+            <a:blip r:embed="rId2"/>
+            <a:stretch>
+              <a:fillRect/>
+            </a:stretch>
+          </p:blipFill>
+          <p:spPr>
+            <a:xfrm>
+              <a:off x="5310949" y="673895"/>
+              <a:ext cx="720583" cy="720583"/>
+            </a:xfrm>
+            <a:prstGeom prst="rect">
+              <a:avLst/>
+            </a:prstGeom>
+          </p:spPr>
+        </p:pic>
+        <p:sp>
+          <p:nvSpPr>
+            <p:cNvPr id="28" name="TextBox 27"/>
+            <p:cNvSpPr txBox="1"/>
+            <p:nvPr/>
+          </p:nvSpPr>
+          <p:spPr>
+            <a:xfrm>
+              <a:off x="359115" y="3354559"/>
+              <a:ext cx="1020588" cy="415498"/>
+            </a:xfrm>
+            <a:prstGeom prst="rect">
+              <a:avLst/>
+            </a:prstGeom>
+            <a:noFill/>
+          </p:spPr>
+          <p:txBody>
+            <a:bodyPr wrap="none" rtlCol="0">
+              <a:spAutoFit/>
+            </a:bodyPr>
+            <a:lstStyle/>
+            <a:p>
+              <a:r>
+                <a:rPr lang="en-US" sz="2100" b="1" dirty="0" smtClean="0">
+                  <a:latin typeface="Lucida Grande"/>
+                  <a:cs typeface="Lucida Grande"/>
+                </a:rPr>
+                <a:t>Query</a:t>
+              </a:r>
+              <a:endParaRPr lang="en-US" sz="2100" b="1" dirty="0">
+                <a:latin typeface="Lucida Grande"/>
+                <a:cs typeface="Lucida Grande"/>
+              </a:endParaRPr>
+            </a:p>
+          </p:txBody>
+        </p:sp>
+        <p:cxnSp>
+          <p:nvCxnSpPr>
+            <p:cNvPr id="30" name="Straight Arrow Connector 29"/>
+            <p:cNvCxnSpPr/>
+            <p:nvPr/>
+          </p:nvCxnSpPr>
+          <p:spPr>
+            <a:xfrm flipV="1">
+              <a:off x="838242" y="2845194"/>
+              <a:ext cx="0" cy="562331"/>
+            </a:xfrm>
+            <a:prstGeom prst="straightConnector1">
+              <a:avLst/>
+            </a:prstGeom>
+            <a:ln w="50800">
+              <a:solidFill>
+                <a:schemeClr val="tx1"/>
+              </a:solidFill>
+              <a:prstDash val="sysDash"/>
+              <a:tailEnd type="arrow"/>
+            </a:ln>
+          </p:spPr>
+          <p:style>
+            <a:lnRef idx="2">
+              <a:schemeClr val="accent1"/>
+            </a:lnRef>
+            <a:fillRef idx="0">
+              <a:schemeClr val="accent1"/>
+            </a:fillRef>
+            <a:effectRef idx="1">
+              <a:schemeClr val="accent1"/>
+            </a:effectRef>
+            <a:fontRef idx="minor">
+              <a:schemeClr val="tx1"/>
+            </a:fontRef>
+          </p:style>
+        </p:cxnSp>
+        <p:sp>
+          <p:nvSpPr>
+            <p:cNvPr id="32" name="TextBox 31"/>
+            <p:cNvSpPr txBox="1"/>
+            <p:nvPr/>
+          </p:nvSpPr>
+          <p:spPr>
+            <a:xfrm>
+              <a:off x="1427883" y="3343397"/>
+              <a:ext cx="1620343" cy="738664"/>
+            </a:xfrm>
+            <a:prstGeom prst="rect">
+              <a:avLst/>
+            </a:prstGeom>
+            <a:noFill/>
+          </p:spPr>
+          <p:txBody>
+            <a:bodyPr wrap="none" rtlCol="0">
+              <a:spAutoFit/>
+            </a:bodyPr>
+            <a:lstStyle/>
+            <a:p>
+              <a:r>
+                <a:rPr lang="en-US" sz="2100" b="1" dirty="0" smtClean="0">
+                  <a:latin typeface="Lucida Grande"/>
+                  <a:cs typeface="Lucida Grande"/>
+                </a:rPr>
+                <a:t>Inaccurate</a:t>
+              </a:r>
+            </a:p>
+            <a:p>
+              <a:r>
+                <a:rPr lang="en-US" sz="2100" b="1" dirty="0" smtClean="0">
+                  <a:latin typeface="Lucida Grande"/>
+                  <a:cs typeface="Lucida Grande"/>
+                </a:rPr>
+                <a:t>Result</a:t>
+              </a:r>
+              <a:endParaRPr lang="en-US" sz="2100" b="1" dirty="0">
+                <a:latin typeface="Lucida Grande"/>
+                <a:cs typeface="Lucida Grande"/>
+              </a:endParaRPr>
+            </a:p>
+          </p:txBody>
+        </p:sp>
+        <p:cxnSp>
+          <p:nvCxnSpPr>
+            <p:cNvPr id="33" name="Straight Arrow Connector 32"/>
+            <p:cNvCxnSpPr/>
+            <p:nvPr/>
+          </p:nvCxnSpPr>
+          <p:spPr>
+            <a:xfrm>
+              <a:off x="2205973" y="2845194"/>
+              <a:ext cx="0" cy="562330"/>
+            </a:xfrm>
+            <a:prstGeom prst="straightConnector1">
+              <a:avLst/>
+            </a:prstGeom>
+            <a:ln w="50800">
+              <a:solidFill>
+                <a:schemeClr val="tx1"/>
+              </a:solidFill>
+              <a:prstDash val="sysDash"/>
+              <a:tailEnd type="arrow"/>
+            </a:ln>
+          </p:spPr>
+          <p:style>
+            <a:lnRef idx="2">
+              <a:schemeClr val="accent1"/>
+            </a:lnRef>
+            <a:fillRef idx="0">
+              <a:schemeClr val="accent1"/>
+            </a:fillRef>
+            <a:effectRef idx="1">
+              <a:schemeClr val="accent1"/>
+            </a:effectRef>
+            <a:fontRef idx="minor">
+              <a:schemeClr val="tx1"/>
+            </a:fontRef>
+          </p:style>
+        </p:cxnSp>
+        <p:cxnSp>
+          <p:nvCxnSpPr>
+            <p:cNvPr id="38" name="Elbow Connector 37"/>
+            <p:cNvCxnSpPr>
+              <a:stCxn id="16" idx="2"/>
+              <a:endCxn id="19" idx="2"/>
+            </p:cNvCxnSpPr>
+            <p:nvPr/>
+          </p:nvCxnSpPr>
+          <p:spPr>
+            <a:xfrm rot="16200000" flipH="1">
+              <a:off x="5596036" y="547779"/>
+              <a:ext cx="331269" cy="3297647"/>
+            </a:xfrm>
+            <a:prstGeom prst="bentConnector3">
+              <a:avLst>
+                <a:gd name="adj1" fmla="val 169007"/>
+              </a:avLst>
+            </a:prstGeom>
+            <a:ln w="50800">
+              <a:solidFill>
+                <a:schemeClr val="tx1"/>
+              </a:solidFill>
+            </a:ln>
+            <a:effectLst/>
+          </p:spPr>
+          <p:style>
+            <a:lnRef idx="2">
+              <a:schemeClr val="accent1"/>
+            </a:lnRef>
+            <a:fillRef idx="0">
+              <a:schemeClr val="accent1"/>
+            </a:fillRef>
+            <a:effectRef idx="1">
+              <a:schemeClr val="accent1"/>
+            </a:effectRef>
+            <a:fontRef idx="minor">
+              <a:schemeClr val="tx1"/>
+            </a:fontRef>
+          </p:style>
+        </p:cxnSp>
+        <p:cxnSp>
+          <p:nvCxnSpPr>
+            <p:cNvPr id="41" name="Straight Arrow Connector 40"/>
+            <p:cNvCxnSpPr/>
+            <p:nvPr/>
+          </p:nvCxnSpPr>
+          <p:spPr>
+            <a:xfrm>
+              <a:off x="5823775" y="2619746"/>
+              <a:ext cx="0" cy="450895"/>
+            </a:xfrm>
+            <a:prstGeom prst="straightConnector1">
+              <a:avLst/>
+            </a:prstGeom>
+            <a:ln w="50800">
+              <a:solidFill>
+                <a:schemeClr val="tx1"/>
+              </a:solidFill>
+              <a:prstDash val="sysDash"/>
+              <a:tailEnd type="arrow"/>
+            </a:ln>
+          </p:spPr>
+          <p:style>
+            <a:lnRef idx="2">
+              <a:schemeClr val="accent1"/>
+            </a:lnRef>
+            <a:fillRef idx="0">
+              <a:schemeClr val="accent1"/>
+            </a:fillRef>
+            <a:effectRef idx="1">
+              <a:schemeClr val="accent1"/>
+            </a:effectRef>
+            <a:fontRef idx="minor">
+              <a:schemeClr val="tx1"/>
+            </a:fontRef>
+          </p:style>
+        </p:cxnSp>
+        <p:sp>
+          <p:nvSpPr>
+            <p:cNvPr id="43" name="TextBox 42"/>
+            <p:cNvSpPr txBox="1"/>
+            <p:nvPr/>
+          </p:nvSpPr>
+          <p:spPr>
+            <a:xfrm>
+              <a:off x="4744693" y="3082662"/>
+              <a:ext cx="2158163" cy="1061829"/>
+            </a:xfrm>
+            <a:prstGeom prst="rect">
+              <a:avLst/>
+            </a:prstGeom>
+            <a:noFill/>
+          </p:spPr>
+          <p:txBody>
+            <a:bodyPr wrap="none" rtlCol="0">
+              <a:spAutoFit/>
+            </a:bodyPr>
+            <a:lstStyle/>
+            <a:p>
+              <a:r>
+                <a:rPr lang="en-US" sz="2100" b="1" dirty="0" smtClean="0">
+                  <a:latin typeface="Lucida Grande"/>
+                  <a:cs typeface="Lucida Grande"/>
+                </a:rPr>
+                <a:t>Correction</a:t>
+              </a:r>
+            </a:p>
+            <a:p>
+              <a:r>
+                <a:rPr lang="en-US" sz="2100" b="1" dirty="0" smtClean="0">
+                  <a:latin typeface="Lucida Grande"/>
+                  <a:cs typeface="Lucida Grande"/>
+                </a:rPr>
+                <a:t>For Inaccurate </a:t>
+              </a:r>
+            </a:p>
+            <a:p>
+              <a:r>
+                <a:rPr lang="en-US" sz="2100" b="1" dirty="0" smtClean="0">
+                  <a:latin typeface="Lucida Grande"/>
+                  <a:cs typeface="Lucida Grande"/>
+                </a:rPr>
+                <a:t>Result</a:t>
+              </a:r>
+              <a:endParaRPr lang="en-US" sz="2100" b="1" dirty="0">
+                <a:latin typeface="Lucida Grande"/>
+                <a:cs typeface="Lucida Grande"/>
+              </a:endParaRPr>
+            </a:p>
+          </p:txBody>
+        </p:sp>
+        <p:sp>
+          <p:nvSpPr>
+            <p:cNvPr id="49" name="TextBox 48"/>
+            <p:cNvSpPr txBox="1"/>
+            <p:nvPr/>
+          </p:nvSpPr>
+          <p:spPr>
+            <a:xfrm>
+              <a:off x="4913797" y="0"/>
+              <a:ext cx="1989059" cy="738664"/>
+            </a:xfrm>
+            <a:prstGeom prst="rect">
+              <a:avLst/>
+            </a:prstGeom>
+            <a:noFill/>
+          </p:spPr>
+          <p:txBody>
+            <a:bodyPr wrap="none" rtlCol="0">
+              <a:spAutoFit/>
+            </a:bodyPr>
+            <a:lstStyle/>
+            <a:p>
+              <a:r>
+                <a:rPr lang="en-US" sz="2100" b="1" dirty="0" smtClean="0"/>
+                <a:t>Efficient</a:t>
+              </a:r>
+            </a:p>
+            <a:p>
+              <a:r>
+                <a:rPr lang="en-US" sz="2100" b="1" dirty="0" smtClean="0"/>
+                <a:t>Data </a:t>
+              </a:r>
+              <a:r>
+                <a:rPr lang="en-US" sz="2100" b="1" dirty="0" smtClean="0">
+                  <a:latin typeface="Lucida Grande"/>
+                  <a:cs typeface="Lucida Grande"/>
+                </a:rPr>
+                <a:t>Cleaning</a:t>
+              </a:r>
+              <a:endParaRPr lang="en-US" sz="2100" b="1" dirty="0">
+                <a:latin typeface="Lucida Grande"/>
+                <a:cs typeface="Lucida Grande"/>
+              </a:endParaRPr>
+            </a:p>
+          </p:txBody>
+        </p:sp>
+      </p:grpSp>
+    </p:spTree>
+    <p:extLst>
+      <p:ext uri="{BB962C8B-B14F-4D97-AF65-F5344CB8AC3E}">
+        <p14:creationId xmlns:p14="http://schemas.microsoft.com/office/powerpoint/2010/main" val="2508540992"/>
       </p:ext>
     </p:extLst>
   </p:cSld>

--- a/figs/sys-arch.pptx
+++ b/figs/sys-arch.pptx
@@ -4523,6 +4523,16 @@
           <p:txBody>
             <a:bodyPr rtlCol="0" anchor="ctr"/>
             <a:lstStyle/>
+            <a:p>
+              <a:pPr algn="ctr"/>
+              <a:endParaRPr lang="en-US" sz="2100" b="1" dirty="0" smtClean="0">
+                <a:solidFill>
+                  <a:schemeClr val="tx1"/>
+                </a:solidFill>
+                <a:latin typeface="Lucida Grande"/>
+                <a:cs typeface="Lucida Grande"/>
+              </a:endParaRPr>
+            </a:p>
             <a:p>
               <a:pPr algn="ctr"/>
               <a:r>

--- a/figs/sys-arch.pptx
+++ b/figs/sys-arch.pptx
@@ -289,7 +289,7 @@
           <a:p>
             <a:fld id="{47660027-B21B-AE43-90FC-390727F2EBA0}" type="datetimeFigureOut">
               <a:rPr lang="en-US" smtClean="0"/>
-              <a:t>12/29/14</a:t>
+              <a:t>3/27/15</a:t>
             </a:fld>
             <a:endParaRPr lang="en-US"/>
           </a:p>
@@ -459,7 +459,7 @@
           <a:p>
             <a:fld id="{47660027-B21B-AE43-90FC-390727F2EBA0}" type="datetimeFigureOut">
               <a:rPr lang="en-US" smtClean="0"/>
-              <a:t>12/29/14</a:t>
+              <a:t>3/27/15</a:t>
             </a:fld>
             <a:endParaRPr lang="en-US"/>
           </a:p>
@@ -639,7 +639,7 @@
           <a:p>
             <a:fld id="{47660027-B21B-AE43-90FC-390727F2EBA0}" type="datetimeFigureOut">
               <a:rPr lang="en-US" smtClean="0"/>
-              <a:t>12/29/14</a:t>
+              <a:t>3/27/15</a:t>
             </a:fld>
             <a:endParaRPr lang="en-US"/>
           </a:p>
@@ -809,7 +809,7 @@
           <a:p>
             <a:fld id="{47660027-B21B-AE43-90FC-390727F2EBA0}" type="datetimeFigureOut">
               <a:rPr lang="en-US" smtClean="0"/>
-              <a:t>12/29/14</a:t>
+              <a:t>3/27/15</a:t>
             </a:fld>
             <a:endParaRPr lang="en-US"/>
           </a:p>
@@ -1055,7 +1055,7 @@
           <a:p>
             <a:fld id="{47660027-B21B-AE43-90FC-390727F2EBA0}" type="datetimeFigureOut">
               <a:rPr lang="en-US" smtClean="0"/>
-              <a:t>12/29/14</a:t>
+              <a:t>3/27/15</a:t>
             </a:fld>
             <a:endParaRPr lang="en-US"/>
           </a:p>
@@ -1343,7 +1343,7 @@
           <a:p>
             <a:fld id="{47660027-B21B-AE43-90FC-390727F2EBA0}" type="datetimeFigureOut">
               <a:rPr lang="en-US" smtClean="0"/>
-              <a:t>12/29/14</a:t>
+              <a:t>3/27/15</a:t>
             </a:fld>
             <a:endParaRPr lang="en-US"/>
           </a:p>
@@ -1765,7 +1765,7 @@
           <a:p>
             <a:fld id="{47660027-B21B-AE43-90FC-390727F2EBA0}" type="datetimeFigureOut">
               <a:rPr lang="en-US" smtClean="0"/>
-              <a:t>12/29/14</a:t>
+              <a:t>3/27/15</a:t>
             </a:fld>
             <a:endParaRPr lang="en-US"/>
           </a:p>
@@ -1883,7 +1883,7 @@
           <a:p>
             <a:fld id="{47660027-B21B-AE43-90FC-390727F2EBA0}" type="datetimeFigureOut">
               <a:rPr lang="en-US" smtClean="0"/>
-              <a:t>12/29/14</a:t>
+              <a:t>3/27/15</a:t>
             </a:fld>
             <a:endParaRPr lang="en-US"/>
           </a:p>
@@ -1978,7 +1978,7 @@
           <a:p>
             <a:fld id="{47660027-B21B-AE43-90FC-390727F2EBA0}" type="datetimeFigureOut">
               <a:rPr lang="en-US" smtClean="0"/>
-              <a:t>12/29/14</a:t>
+              <a:t>3/27/15</a:t>
             </a:fld>
             <a:endParaRPr lang="en-US"/>
           </a:p>
@@ -2255,7 +2255,7 @@
           <a:p>
             <a:fld id="{47660027-B21B-AE43-90FC-390727F2EBA0}" type="datetimeFigureOut">
               <a:rPr lang="en-US" smtClean="0"/>
-              <a:t>12/29/14</a:t>
+              <a:t>3/27/15</a:t>
             </a:fld>
             <a:endParaRPr lang="en-US"/>
           </a:p>
@@ -2508,7 +2508,7 @@
           <a:p>
             <a:fld id="{47660027-B21B-AE43-90FC-390727F2EBA0}" type="datetimeFigureOut">
               <a:rPr lang="en-US" smtClean="0"/>
-              <a:t>12/29/14</a:t>
+              <a:t>3/27/15</a:t>
             </a:fld>
             <a:endParaRPr lang="en-US"/>
           </a:p>
@@ -2721,7 +2721,7 @@
           <a:p>
             <a:fld id="{47660027-B21B-AE43-90FC-390727F2EBA0}" type="datetimeFigureOut">
               <a:rPr lang="en-US" smtClean="0"/>
-              <a:t>12/29/14</a:t>
+              <a:t>3/27/15</a:t>
             </a:fld>
             <a:endParaRPr lang="en-US"/>
           </a:p>
@@ -3830,17 +3830,7 @@
                   <a:latin typeface="Lucida Grande"/>
                   <a:cs typeface="Lucida Grande"/>
                 </a:rPr>
-                <a:t>Sample </a:t>
-              </a:r>
-              <a:r>
-                <a:rPr lang="en-US" sz="2100" b="1" dirty="0" smtClean="0">
-                  <a:solidFill>
-                    <a:schemeClr val="tx1"/>
-                  </a:solidFill>
-                  <a:latin typeface="Lucida Grande"/>
-                  <a:cs typeface="Lucida Grande"/>
-                </a:rPr>
-                <a:t>View</a:t>
+                <a:t>Sample View</a:t>
               </a:r>
             </a:p>
           </p:txBody>
@@ -3873,14 +3863,7 @@
                   <a:latin typeface="Lucida Grande"/>
                   <a:cs typeface="Lucida Grande"/>
                 </a:rPr>
-                <a:t>Sample </a:t>
-              </a:r>
-              <a:r>
-                <a:rPr lang="en-US" sz="2100" b="1" dirty="0" smtClean="0">
-                  <a:latin typeface="Lucida Grande"/>
-                  <a:cs typeface="Lucida Grande"/>
-                </a:rPr>
-                <a:t>Maintenance</a:t>
+                <a:t>Sample Maintenance</a:t>
               </a:r>
               <a:endParaRPr lang="en-US" sz="2100" b="1" dirty="0">
                 <a:latin typeface="Lucida Grande"/>
@@ -3991,10 +3974,6 @@
                 </a:rPr>
                 <a:t>Approximate </a:t>
               </a:r>
-              <a:endParaRPr lang="en-US" sz="2100" b="1" dirty="0" smtClean="0">
-                <a:latin typeface="Lucida Grande"/>
-                <a:cs typeface="Lucida Grande"/>
-              </a:endParaRPr>
             </a:p>
             <a:p>
               <a:pPr algn="ctr"/>
@@ -4143,9 +4122,9 @@
         <p:grpSpPr>
           <a:xfrm>
             <a:off x="359115" y="0"/>
-            <a:ext cx="8143310" cy="4144491"/>
+            <a:ext cx="8143310" cy="4082061"/>
             <a:chOff x="359115" y="0"/>
-            <a:chExt cx="8143310" cy="4144491"/>
+            <a:chExt cx="8143310" cy="4082061"/>
           </a:xfrm>
         </p:grpSpPr>
         <p:sp>
@@ -4198,25 +4177,8 @@
                   <a:latin typeface="Lucida Grande"/>
                   <a:cs typeface="Lucida Grande"/>
                 </a:rPr>
-                <a:t>Stale </a:t>
+                <a:t>Stale MV</a:t>
               </a:r>
-              <a:r>
-                <a:rPr lang="en-US" sz="2100" b="1" dirty="0" smtClean="0">
-                  <a:solidFill>
-                    <a:schemeClr val="tx1"/>
-                  </a:solidFill>
-                  <a:latin typeface="Lucida Grande"/>
-                  <a:cs typeface="Lucida Grande"/>
-                </a:rPr>
-                <a:t>MV</a:t>
-              </a:r>
-              <a:endParaRPr lang="en-US" sz="2100" b="1" dirty="0" smtClean="0">
-                <a:solidFill>
-                  <a:schemeClr val="tx1"/>
-                </a:solidFill>
-                <a:latin typeface="Lucida Grande"/>
-                <a:cs typeface="Lucida Grande"/>
-              </a:endParaRPr>
             </a:p>
             <a:p>
               <a:pPr algn="ctr"/>
@@ -4305,13 +4267,6 @@
                 </a:rPr>
                 <a:t>Sample MV</a:t>
               </a:r>
-              <a:endParaRPr lang="en-US" sz="2100" b="1" dirty="0" smtClean="0">
-                <a:solidFill>
-                  <a:schemeClr val="tx1"/>
-                </a:solidFill>
-                <a:latin typeface="Lucida Grande"/>
-                <a:cs typeface="Lucida Grande"/>
-              </a:endParaRPr>
             </a:p>
             <a:p>
               <a:pPr algn="ctr"/>
@@ -4543,25 +4498,8 @@
                   <a:latin typeface="Lucida Grande"/>
                   <a:cs typeface="Lucida Grande"/>
                 </a:rPr>
-                <a:t>Up-to-date Sample </a:t>
+                <a:t>Up-to-date Sample MV</a:t>
               </a:r>
-              <a:r>
-                <a:rPr lang="en-US" sz="2100" b="1" dirty="0" smtClean="0">
-                  <a:solidFill>
-                    <a:schemeClr val="tx1"/>
-                  </a:solidFill>
-                  <a:latin typeface="Lucida Grande"/>
-                  <a:cs typeface="Lucida Grande"/>
-                </a:rPr>
-                <a:t>MV</a:t>
-              </a:r>
-              <a:endParaRPr lang="en-US" sz="2100" b="1" dirty="0" smtClean="0">
-                <a:solidFill>
-                  <a:schemeClr val="tx1"/>
-                </a:solidFill>
-                <a:latin typeface="Lucida Grande"/>
-                <a:cs typeface="Lucida Grande"/>
-              </a:endParaRPr>
             </a:p>
             <a:p>
               <a:pPr algn="ctr"/>
@@ -4840,8 +4778,8 @@
           </p:nvSpPr>
           <p:spPr>
             <a:xfrm>
-              <a:off x="4744693" y="3082662"/>
-              <a:ext cx="2158163" cy="1061829"/>
+              <a:off x="4824068" y="3114412"/>
+              <a:ext cx="1978802" cy="738664"/>
             </a:xfrm>
             <a:prstGeom prst="rect">
               <a:avLst/>
@@ -4854,30 +4792,23 @@
             </a:bodyPr>
             <a:lstStyle/>
             <a:p>
+              <a:pPr algn="ctr"/>
               <a:r>
                 <a:rPr lang="en-US" sz="2100" b="1" dirty="0" smtClean="0">
                   <a:latin typeface="Lucida Grande"/>
                   <a:cs typeface="Lucida Grande"/>
                 </a:rPr>
-                <a:t>Correction</a:t>
+                <a:t>Query Result</a:t>
               </a:r>
             </a:p>
             <a:p>
+              <a:pPr algn="ctr"/>
               <a:r>
                 <a:rPr lang="en-US" sz="2100" b="1" dirty="0" smtClean="0">
                   <a:latin typeface="Lucida Grande"/>
                   <a:cs typeface="Lucida Grande"/>
                 </a:rPr>
-                <a:t>For Inaccurate </a:t>
-              </a:r>
-            </a:p>
-            <a:p>
-              <a:r>
-                <a:rPr lang="en-US" sz="2100" b="1" dirty="0" smtClean="0">
-                  <a:latin typeface="Lucida Grande"/>
-                  <a:cs typeface="Lucida Grande"/>
-                </a:rPr>
-                <a:t>Result</a:t>
+                <a:t>Estimate</a:t>
               </a:r>
               <a:endParaRPr lang="en-US" sz="2100" b="1" dirty="0">
                 <a:latin typeface="Lucida Grande"/>
